--- a/Lectures/Lecture7-Features.pptx
+++ b/Lectures/Lecture7-Features.pptx
@@ -5,34 +5,36 @@
     <p:sldMasterId id="2147483648" r:id="rId1"/>
   </p:sldMasterIdLst>
   <p:notesMasterIdLst>
-    <p:notesMasterId r:id="rId27"/>
+    <p:notesMasterId r:id="rId29"/>
   </p:notesMasterIdLst>
   <p:sldIdLst>
     <p:sldId id="256" r:id="rId2"/>
-    <p:sldId id="282" r:id="rId3"/>
-    <p:sldId id="274" r:id="rId4"/>
-    <p:sldId id="309" r:id="rId5"/>
-    <p:sldId id="301" r:id="rId6"/>
-    <p:sldId id="303" r:id="rId7"/>
-    <p:sldId id="320" r:id="rId8"/>
-    <p:sldId id="300" r:id="rId9"/>
-    <p:sldId id="302" r:id="rId10"/>
-    <p:sldId id="304" r:id="rId11"/>
-    <p:sldId id="277" r:id="rId12"/>
-    <p:sldId id="321" r:id="rId13"/>
-    <p:sldId id="278" r:id="rId14"/>
-    <p:sldId id="280" r:id="rId15"/>
-    <p:sldId id="279" r:id="rId16"/>
-    <p:sldId id="306" r:id="rId17"/>
-    <p:sldId id="310" r:id="rId18"/>
-    <p:sldId id="312" r:id="rId19"/>
-    <p:sldId id="313" r:id="rId20"/>
-    <p:sldId id="314" r:id="rId21"/>
-    <p:sldId id="316" r:id="rId22"/>
-    <p:sldId id="315" r:id="rId23"/>
-    <p:sldId id="317" r:id="rId24"/>
-    <p:sldId id="322" r:id="rId25"/>
-    <p:sldId id="295" r:id="rId26"/>
+    <p:sldId id="471" r:id="rId3"/>
+    <p:sldId id="282" r:id="rId4"/>
+    <p:sldId id="274" r:id="rId5"/>
+    <p:sldId id="309" r:id="rId6"/>
+    <p:sldId id="301" r:id="rId7"/>
+    <p:sldId id="303" r:id="rId8"/>
+    <p:sldId id="320" r:id="rId9"/>
+    <p:sldId id="295" r:id="rId10"/>
+    <p:sldId id="300" r:id="rId11"/>
+    <p:sldId id="302" r:id="rId12"/>
+    <p:sldId id="304" r:id="rId13"/>
+    <p:sldId id="277" r:id="rId14"/>
+    <p:sldId id="321" r:id="rId15"/>
+    <p:sldId id="278" r:id="rId16"/>
+    <p:sldId id="280" r:id="rId17"/>
+    <p:sldId id="279" r:id="rId18"/>
+    <p:sldId id="306" r:id="rId19"/>
+    <p:sldId id="310" r:id="rId20"/>
+    <p:sldId id="312" r:id="rId21"/>
+    <p:sldId id="313" r:id="rId22"/>
+    <p:sldId id="314" r:id="rId23"/>
+    <p:sldId id="316" r:id="rId24"/>
+    <p:sldId id="315" r:id="rId25"/>
+    <p:sldId id="317" r:id="rId26"/>
+    <p:sldId id="322" r:id="rId27"/>
+    <p:sldId id="472" r:id="rId28"/>
   </p:sldIdLst>
   <p:sldSz cx="12192000" cy="6858000"/>
   <p:notesSz cx="6858000" cy="9144000"/>
@@ -270,7 +272,7 @@
       <p15:sldGuideLst xmlns:p15="http://schemas.microsoft.com/office/powerpoint/2012/main"/>
     </p:ext>
     <p:ext uri="http://customooxmlschemas.google.com/">
-      <go:slidesCustomData xmlns:go="http://customooxmlschemas.google.com/" xmlns:p15="http://schemas.microsoft.com/office/powerpoint/2012/main" xmlns:p14="http://schemas.microsoft.com/office/powerpoint/2010/main" xmlns:com="http://schemas.openxmlformats.org/drawingml/2006/compatibility" xmlns:pvml="urn:schemas-microsoft-com:office:powerpoint" xmlns:v="urn:schemas-microsoft-com:vml" xmlns:o="urn:schemas-microsoft-com:office:office" xmlns:dgm="http://schemas.openxmlformats.org/drawingml/2006/diagram" xmlns:c="http://schemas.openxmlformats.org/drawingml/2006/chart" xmlns:mv="urn:schemas-microsoft-com:mac:vml" xmlns:mc="http://schemas.openxmlformats.org/markup-compatibility/2006" xmlns="" r:id="rId40" roundtripDataSignature="AMtx7mjFyVUGRZWio+dc9dxzYsimUxNJbg=="/>
+      <go:slidesCustomData xmlns="" xmlns:mc="http://schemas.openxmlformats.org/markup-compatibility/2006" xmlns:mv="urn:schemas-microsoft-com:mac:vml" xmlns:c="http://schemas.openxmlformats.org/drawingml/2006/chart" xmlns:dgm="http://schemas.openxmlformats.org/drawingml/2006/diagram" xmlns:o="urn:schemas-microsoft-com:office:office" xmlns:v="urn:schemas-microsoft-com:vml" xmlns:pvml="urn:schemas-microsoft-com:office:powerpoint" xmlns:com="http://schemas.openxmlformats.org/drawingml/2006/compatibility" xmlns:p14="http://schemas.microsoft.com/office/powerpoint/2010/main" xmlns:p15="http://schemas.microsoft.com/office/powerpoint/2012/main" xmlns:go="http://customooxmlschemas.google.com/" r:id="rId40" roundtripDataSignature="AMtx7mjFyVUGRZWio+dc9dxzYsimUxNJbg=="/>
     </p:ext>
   </p:extLst>
 </p:presentation>
@@ -4551,7 +4553,7 @@
           <a:p>
             <a:fld id="{87916DAE-669F-3546-9A68-DB1260F5EB98}" type="slidenum">
               <a:rPr lang="en-US" smtClean="0"/>
-              <a:t>3</a:t>
+              <a:t>4</a:t>
             </a:fld>
             <a:endParaRPr lang="en-US"/>
           </a:p>
@@ -4635,7 +4637,7 @@
           <a:p>
             <a:fld id="{87916DAE-669F-3546-9A68-DB1260F5EB98}" type="slidenum">
               <a:rPr lang="en-US" smtClean="0"/>
-              <a:t>4</a:t>
+              <a:t>5</a:t>
             </a:fld>
             <a:endParaRPr lang="en-US"/>
           </a:p>
@@ -10258,6 +10260,235 @@
           <a:p>
             <a:r>
               <a:rPr lang="en-US" dirty="0"/>
+              <a:t>Feature Generation</a:t>
+            </a:r>
+          </a:p>
+        </p:txBody>
+      </p:sp>
+      <p:sp>
+        <p:nvSpPr>
+          <p:cNvPr id="2" name="Content Placeholder 1"/>
+          <p:cNvSpPr>
+            <a:spLocks noGrp="1"/>
+          </p:cNvSpPr>
+          <p:nvPr>
+            <p:ph type="body" idx="1"/>
+          </p:nvPr>
+        </p:nvSpPr>
+        <p:spPr/>
+        <p:txBody>
+          <a:bodyPr>
+            <a:normAutofit/>
+          </a:bodyPr>
+          <a:lstStyle/>
+          <a:p>
+            <a:r>
+              <a:rPr lang="en-US" dirty="0"/>
+              <a:t>Categorical to Binary (Dummies)</a:t>
+            </a:r>
+          </a:p>
+          <a:p>
+            <a:r>
+              <a:rPr lang="en-US" dirty="0"/>
+              <a:t>Features for missing values</a:t>
+            </a:r>
+          </a:p>
+          <a:p>
+            <a:r>
+              <a:rPr lang="en-US" dirty="0"/>
+              <a:t>Discretization</a:t>
+            </a:r>
+          </a:p>
+          <a:p>
+            <a:r>
+              <a:rPr lang="en-US" dirty="0"/>
+              <a:t>Date/Time Features</a:t>
+            </a:r>
+          </a:p>
+          <a:p>
+            <a:r>
+              <a:rPr lang="en-US" dirty="0"/>
+              <a:t>Scaling/Normalizing</a:t>
+            </a:r>
+          </a:p>
+          <a:p>
+            <a:r>
+              <a:rPr lang="en-US" dirty="0"/>
+              <a:t>Transformations</a:t>
+            </a:r>
+          </a:p>
+          <a:p>
+            <a:r>
+              <a:rPr lang="en-US" b="1" dirty="0"/>
+              <a:t>Aggregations (space, time, space and time)</a:t>
+            </a:r>
+          </a:p>
+          <a:p>
+            <a:r>
+              <a:rPr lang="en-US" b="1" dirty="0"/>
+              <a:t>Relative (compared to the average</a:t>
+            </a:r>
+            <a:r>
+              <a:rPr lang="mr-IN" b="1" dirty="0"/>
+              <a:t>…</a:t>
+            </a:r>
+            <a:r>
+              <a:rPr lang="en-US" b="1" dirty="0"/>
+              <a:t>)</a:t>
+            </a:r>
+          </a:p>
+          <a:p>
+            <a:r>
+              <a:rPr lang="en-US" dirty="0"/>
+              <a:t>Interactions</a:t>
+            </a:r>
+          </a:p>
+        </p:txBody>
+      </p:sp>
+    </p:spTree>
+    <p:extLst>
+      <p:ext uri="{BB962C8B-B14F-4D97-AF65-F5344CB8AC3E}">
+        <p14:creationId xmlns:p14="http://schemas.microsoft.com/office/powerpoint/2010/main" val="273184349"/>
+      </p:ext>
+    </p:extLst>
+  </p:cSld>
+  <p:clrMapOvr>
+    <a:masterClrMapping/>
+  </p:clrMapOvr>
+</p:sld>
+</file>
+
+<file path=ppt/slides/slide11.xml><?xml version="1.0" encoding="utf-8"?>
+<p:sld xmlns:a="http://schemas.openxmlformats.org/drawingml/2006/main" xmlns:r="http://schemas.openxmlformats.org/officeDocument/2006/relationships" xmlns:p="http://schemas.openxmlformats.org/presentationml/2006/main">
+  <p:cSld>
+    <p:spTree>
+      <p:nvGrpSpPr>
+        <p:cNvPr id="1" name=""/>
+        <p:cNvGrpSpPr/>
+        <p:nvPr/>
+      </p:nvGrpSpPr>
+      <p:grpSpPr>
+        <a:xfrm>
+          <a:off x="0" y="0"/>
+          <a:ext cx="0" cy="0"/>
+          <a:chOff x="0" y="0"/>
+          <a:chExt cx="0" cy="0"/>
+        </a:xfrm>
+      </p:grpSpPr>
+      <p:sp>
+        <p:nvSpPr>
+          <p:cNvPr id="3" name="Title 2"/>
+          <p:cNvSpPr>
+            <a:spLocks noGrp="1"/>
+          </p:cNvSpPr>
+          <p:nvPr>
+            <p:ph type="title"/>
+          </p:nvPr>
+        </p:nvSpPr>
+        <p:spPr/>
+        <p:txBody>
+          <a:bodyPr/>
+          <a:lstStyle/>
+          <a:p>
+            <a:r>
+              <a:rPr lang="en-US" dirty="0"/>
+              <a:t>Categorical to Binary</a:t>
+            </a:r>
+          </a:p>
+        </p:txBody>
+      </p:sp>
+      <p:sp>
+        <p:nvSpPr>
+          <p:cNvPr id="2" name="Content Placeholder 1"/>
+          <p:cNvSpPr>
+            <a:spLocks noGrp="1"/>
+          </p:cNvSpPr>
+          <p:nvPr>
+            <p:ph type="body" idx="1"/>
+          </p:nvPr>
+        </p:nvSpPr>
+        <p:spPr/>
+        <p:txBody>
+          <a:bodyPr/>
+          <a:lstStyle/>
+          <a:p>
+            <a:endParaRPr lang="en-US" dirty="0"/>
+          </a:p>
+          <a:p>
+            <a:r>
+              <a:rPr lang="en-US" dirty="0"/>
+              <a:t>One vs All (Dummy Variables)</a:t>
+            </a:r>
+            <a:br>
+              <a:rPr lang="en-US" dirty="0"/>
+            </a:br>
+            <a:endParaRPr lang="en-US" dirty="0"/>
+          </a:p>
+          <a:p>
+            <a:r>
+              <a:rPr lang="en-US" dirty="0"/>
+              <a:t>Groups</a:t>
+            </a:r>
+            <a:br>
+              <a:rPr lang="en-US" dirty="0"/>
+            </a:br>
+            <a:endParaRPr lang="en-US" dirty="0"/>
+          </a:p>
+          <a:p>
+            <a:r>
+              <a:rPr lang="en-US" dirty="0"/>
+              <a:t>Presence vs Absence</a:t>
+            </a:r>
+          </a:p>
+        </p:txBody>
+      </p:sp>
+    </p:spTree>
+    <p:extLst>
+      <p:ext uri="{BB962C8B-B14F-4D97-AF65-F5344CB8AC3E}">
+        <p14:creationId xmlns:p14="http://schemas.microsoft.com/office/powerpoint/2010/main" val="2419787205"/>
+      </p:ext>
+    </p:extLst>
+  </p:cSld>
+  <p:clrMapOvr>
+    <a:masterClrMapping/>
+  </p:clrMapOvr>
+</p:sld>
+</file>
+
+<file path=ppt/slides/slide12.xml><?xml version="1.0" encoding="utf-8"?>
+<p:sld xmlns:a="http://schemas.openxmlformats.org/drawingml/2006/main" xmlns:r="http://schemas.openxmlformats.org/officeDocument/2006/relationships" xmlns:p="http://schemas.openxmlformats.org/presentationml/2006/main">
+  <p:cSld>
+    <p:spTree>
+      <p:nvGrpSpPr>
+        <p:cNvPr id="1" name=""/>
+        <p:cNvGrpSpPr/>
+        <p:nvPr/>
+      </p:nvGrpSpPr>
+      <p:grpSpPr>
+        <a:xfrm>
+          <a:off x="0" y="0"/>
+          <a:ext cx="0" cy="0"/>
+          <a:chOff x="0" y="0"/>
+          <a:chExt cx="0" cy="0"/>
+        </a:xfrm>
+      </p:grpSpPr>
+      <p:sp>
+        <p:nvSpPr>
+          <p:cNvPr id="3" name="Title 2"/>
+          <p:cNvSpPr>
+            <a:spLocks noGrp="1"/>
+          </p:cNvSpPr>
+          <p:nvPr>
+            <p:ph type="title"/>
+          </p:nvPr>
+        </p:nvSpPr>
+        <p:spPr/>
+        <p:txBody>
+          <a:bodyPr/>
+          <a:lstStyle/>
+          <a:p>
+            <a:r>
+              <a:rPr lang="en-US" dirty="0"/>
               <a:t>Discretization</a:t>
             </a:r>
           </a:p>
@@ -10516,7 +10747,7 @@
 </p:sld>
 </file>
 
-<file path=ppt/slides/slide11.xml><?xml version="1.0" encoding="utf-8"?>
+<file path=ppt/slides/slide13.xml><?xml version="1.0" encoding="utf-8"?>
 <p:sld xmlns:a="http://schemas.openxmlformats.org/drawingml/2006/main" xmlns:r="http://schemas.openxmlformats.org/officeDocument/2006/relationships" xmlns:p="http://schemas.openxmlformats.org/presentationml/2006/main">
   <p:cSld>
     <p:spTree>
@@ -10656,7 +10887,7 @@
 </p:sld>
 </file>
 
-<file path=ppt/slides/slide12.xml><?xml version="1.0" encoding="utf-8"?>
+<file path=ppt/slides/slide14.xml><?xml version="1.0" encoding="utf-8"?>
 <p:sld xmlns:a="http://schemas.openxmlformats.org/drawingml/2006/main" xmlns:r="http://schemas.openxmlformats.org/officeDocument/2006/relationships" xmlns:p="http://schemas.openxmlformats.org/presentationml/2006/main">
   <p:cSld>
     <p:spTree>
@@ -10685,8 +10916,8 @@
         </p:nvSpPr>
         <p:spPr>
           <a:xfrm>
-            <a:off x="-107576" y="367459"/>
-            <a:ext cx="12299576" cy="763500"/>
+            <a:off x="111210" y="367459"/>
+            <a:ext cx="12080789" cy="763500"/>
           </a:xfrm>
         </p:spPr>
         <p:txBody>
@@ -10695,7 +10926,7 @@
           <a:p>
             <a:r>
               <a:rPr lang="en-US" dirty="0"/>
-              <a:t>Question for class discussion:  Is Scaling Important for…</a:t>
+              <a:t>Is Scaling Important for…</a:t>
             </a:r>
           </a:p>
         </p:txBody>
@@ -10777,7 +11008,7 @@
 </p:sld>
 </file>
 
-<file path=ppt/slides/slide13.xml><?xml version="1.0" encoding="utf-8"?>
+<file path=ppt/slides/slide15.xml><?xml version="1.0" encoding="utf-8"?>
 <p:sld xmlns:a="http://schemas.openxmlformats.org/drawingml/2006/main" xmlns:r="http://schemas.openxmlformats.org/officeDocument/2006/relationships" xmlns:p="http://schemas.openxmlformats.org/presentationml/2006/main">
   <p:cSld>
     <p:spTree>
@@ -10957,7 +11188,7 @@
 </p:sld>
 </file>
 
-<file path=ppt/slides/slide14.xml><?xml version="1.0" encoding="utf-8"?>
+<file path=ppt/slides/slide16.xml><?xml version="1.0" encoding="utf-8"?>
 <p:sld xmlns:a="http://schemas.openxmlformats.org/drawingml/2006/main" xmlns:r="http://schemas.openxmlformats.org/officeDocument/2006/relationships" xmlns:p="http://schemas.openxmlformats.org/presentationml/2006/main">
   <p:cSld>
     <p:spTree>
@@ -11101,207 +11332,6 @@
     <p:extLst>
       <p:ext uri="{BB962C8B-B14F-4D97-AF65-F5344CB8AC3E}">
         <p14:creationId xmlns:p14="http://schemas.microsoft.com/office/powerpoint/2010/main" val="3227679789"/>
-      </p:ext>
-    </p:extLst>
-  </p:cSld>
-  <p:clrMapOvr>
-    <a:masterClrMapping/>
-  </p:clrMapOvr>
-</p:sld>
-</file>
-
-<file path=ppt/slides/slide15.xml><?xml version="1.0" encoding="utf-8"?>
-<p:sld xmlns:a="http://schemas.openxmlformats.org/drawingml/2006/main" xmlns:r="http://schemas.openxmlformats.org/officeDocument/2006/relationships" xmlns:p="http://schemas.openxmlformats.org/presentationml/2006/main">
-  <p:cSld>
-    <p:spTree>
-      <p:nvGrpSpPr>
-        <p:cNvPr id="1" name=""/>
-        <p:cNvGrpSpPr/>
-        <p:nvPr/>
-      </p:nvGrpSpPr>
-      <p:grpSpPr>
-        <a:xfrm>
-          <a:off x="0" y="0"/>
-          <a:ext cx="0" cy="0"/>
-          <a:chOff x="0" y="0"/>
-          <a:chExt cx="0" cy="0"/>
-        </a:xfrm>
-      </p:grpSpPr>
-      <p:sp>
-        <p:nvSpPr>
-          <p:cNvPr id="3" name="Title 2"/>
-          <p:cNvSpPr>
-            <a:spLocks noGrp="1"/>
-          </p:cNvSpPr>
-          <p:nvPr>
-            <p:ph type="title"/>
-          </p:nvPr>
-        </p:nvSpPr>
-        <p:spPr/>
-        <p:txBody>
-          <a:bodyPr/>
-          <a:lstStyle/>
-          <a:p>
-            <a:r>
-              <a:rPr lang="en-US" dirty="0"/>
-              <a:t>Feature Interactions</a:t>
-            </a:r>
-          </a:p>
-        </p:txBody>
-      </p:sp>
-      <p:sp>
-        <p:nvSpPr>
-          <p:cNvPr id="2" name="Content Placeholder 1"/>
-          <p:cNvSpPr>
-            <a:spLocks noGrp="1"/>
-          </p:cNvSpPr>
-          <p:nvPr>
-            <p:ph type="body" idx="1"/>
-          </p:nvPr>
-        </p:nvSpPr>
-        <p:spPr/>
-        <p:txBody>
-          <a:bodyPr/>
-          <a:lstStyle/>
-          <a:p>
-            <a:r>
-              <a:rPr lang="en-US" dirty="0"/>
-              <a:t>Generate features for combination of features</a:t>
-            </a:r>
-          </a:p>
-          <a:p>
-            <a:pPr lvl="1"/>
-            <a:r>
-              <a:rPr lang="en-US" dirty="0"/>
-              <a:t>Age x gender</a:t>
-            </a:r>
-          </a:p>
-          <a:p>
-            <a:pPr lvl="1"/>
-            <a:endParaRPr lang="en-US" dirty="0"/>
-          </a:p>
-          <a:p>
-            <a:r>
-              <a:rPr lang="en-US" dirty="0"/>
-              <a:t>Allows you to use linear models but still model non linear relationships</a:t>
-            </a:r>
-          </a:p>
-          <a:p>
-            <a:endParaRPr lang="en-US" dirty="0"/>
-          </a:p>
-          <a:p>
-            <a:r>
-              <a:rPr lang="en-US" dirty="0"/>
-              <a:t>Random Forests are one way of discovering useful interactions</a:t>
-            </a:r>
-          </a:p>
-        </p:txBody>
-      </p:sp>
-    </p:spTree>
-    <p:extLst>
-      <p:ext uri="{BB962C8B-B14F-4D97-AF65-F5344CB8AC3E}">
-        <p14:creationId xmlns:p14="http://schemas.microsoft.com/office/powerpoint/2010/main" val="2835794600"/>
-      </p:ext>
-    </p:extLst>
-  </p:cSld>
-  <p:clrMapOvr>
-    <a:masterClrMapping/>
-  </p:clrMapOvr>
-</p:sld>
-</file>
-
-<file path=ppt/slides/slide16.xml><?xml version="1.0" encoding="utf-8"?>
-<p:sld xmlns:a="http://schemas.openxmlformats.org/drawingml/2006/main" xmlns:r="http://schemas.openxmlformats.org/officeDocument/2006/relationships" xmlns:p="http://schemas.openxmlformats.org/presentationml/2006/main">
-  <p:cSld>
-    <p:spTree>
-      <p:nvGrpSpPr>
-        <p:cNvPr id="1" name=""/>
-        <p:cNvGrpSpPr/>
-        <p:nvPr/>
-      </p:nvGrpSpPr>
-      <p:grpSpPr>
-        <a:xfrm>
-          <a:off x="0" y="0"/>
-          <a:ext cx="0" cy="0"/>
-          <a:chOff x="0" y="0"/>
-          <a:chExt cx="0" cy="0"/>
-        </a:xfrm>
-      </p:grpSpPr>
-      <p:sp>
-        <p:nvSpPr>
-          <p:cNvPr id="3" name="Title 2"/>
-          <p:cNvSpPr>
-            <a:spLocks noGrp="1"/>
-          </p:cNvSpPr>
-          <p:nvPr>
-            <p:ph type="title"/>
-          </p:nvPr>
-        </p:nvSpPr>
-        <p:spPr>
-          <a:xfrm>
-            <a:off x="415600" y="120028"/>
-            <a:ext cx="11360700" cy="763500"/>
-          </a:xfrm>
-        </p:spPr>
-        <p:txBody>
-          <a:bodyPr/>
-          <a:lstStyle/>
-          <a:p>
-            <a:r>
-              <a:rPr lang="en-US" dirty="0"/>
-              <a:t>Question for class discussion: Features are also model-dependent</a:t>
-            </a:r>
-          </a:p>
-        </p:txBody>
-      </p:sp>
-      <p:sp>
-        <p:nvSpPr>
-          <p:cNvPr id="2" name="Content Placeholder 1"/>
-          <p:cNvSpPr>
-            <a:spLocks noGrp="1"/>
-          </p:cNvSpPr>
-          <p:nvPr>
-            <p:ph type="body" idx="1"/>
-          </p:nvPr>
-        </p:nvSpPr>
-        <p:spPr/>
-        <p:txBody>
-          <a:bodyPr/>
-          <a:lstStyle/>
-          <a:p>
-            <a:endParaRPr lang="en-US" dirty="0"/>
-          </a:p>
-          <a:p>
-            <a:pPr marL="76200" indent="0">
-              <a:buNone/>
-            </a:pPr>
-            <a:endParaRPr lang="en-US" dirty="0"/>
-          </a:p>
-          <a:p>
-            <a:r>
-              <a:rPr lang="en-US" dirty="0"/>
-              <a:t>Linear models may need … ?</a:t>
-            </a:r>
-            <a:br>
-              <a:rPr lang="en-US" dirty="0"/>
-            </a:br>
-            <a:endParaRPr lang="en-US" dirty="0"/>
-          </a:p>
-          <a:p>
-            <a:r>
-              <a:rPr lang="en-US" dirty="0"/>
-              <a:t>Non-linear models may need …?</a:t>
-            </a:r>
-          </a:p>
-          <a:p>
-            <a:endParaRPr lang="en-US" dirty="0"/>
-          </a:p>
-        </p:txBody>
-      </p:sp>
-    </p:spTree>
-    <p:extLst>
-      <p:ext uri="{BB962C8B-B14F-4D97-AF65-F5344CB8AC3E}">
-        <p14:creationId xmlns:p14="http://schemas.microsoft.com/office/powerpoint/2010/main" val="466559840"/>
       </p:ext>
     </p:extLst>
   </p:cSld>
@@ -11345,7 +11375,7 @@
           <a:p>
             <a:r>
               <a:rPr lang="en-US" dirty="0"/>
-              <a:t>Missing Values</a:t>
+              <a:t>Feature Interactions</a:t>
             </a:r>
           </a:p>
         </p:txBody>
@@ -11367,28 +11397,14 @@
           <a:p>
             <a:r>
               <a:rPr lang="en-US" dirty="0"/>
-              <a:t>Impute (Fill in) missing values based on why you think they may be missing and what you want the model to do with those missing values</a:t>
+              <a:t>Generate features for combination of features</a:t>
             </a:r>
           </a:p>
           <a:p>
             <a:pPr lvl="1"/>
             <a:r>
               <a:rPr lang="en-US" dirty="0"/>
-              <a:t>Missing Completely at Random</a:t>
-            </a:r>
-          </a:p>
-          <a:p>
-            <a:pPr lvl="1"/>
-            <a:r>
-              <a:rPr lang="en-US" dirty="0"/>
-              <a:t>Missing at Random</a:t>
-            </a:r>
-          </a:p>
-          <a:p>
-            <a:pPr lvl="1"/>
-            <a:r>
-              <a:rPr lang="en-US" dirty="0"/>
-              <a:t>Missing Not at Random</a:t>
+              <a:t>Age x gender</a:t>
             </a:r>
           </a:p>
           <a:p>
@@ -11398,15 +11414,16 @@
           <a:p>
             <a:r>
               <a:rPr lang="en-US" dirty="0"/>
-              <a:t>Typically, also add binary feature (dummy) for missing vs not missing in case “</a:t>
-            </a:r>
-            <a:r>
-              <a:rPr lang="en-US" dirty="0" err="1"/>
-              <a:t>missingness</a:t>
-            </a:r>
-            <a:r>
-              <a:rPr lang="en-US" dirty="0"/>
-              <a:t>” is predictive of the outcome</a:t>
+              <a:t>Allows you to use linear models but still model non linear relationships</a:t>
+            </a:r>
+          </a:p>
+          <a:p>
+            <a:endParaRPr lang="en-US" dirty="0"/>
+          </a:p>
+          <a:p>
+            <a:r>
+              <a:rPr lang="en-US" dirty="0"/>
+              <a:t>Random Forests are one way of discovering useful interactions</a:t>
             </a:r>
           </a:p>
         </p:txBody>
@@ -11414,7 +11431,7 @@
     </p:spTree>
     <p:extLst>
       <p:ext uri="{BB962C8B-B14F-4D97-AF65-F5344CB8AC3E}">
-        <p14:creationId xmlns:p14="http://schemas.microsoft.com/office/powerpoint/2010/main" val="3357099955"/>
+        <p14:creationId xmlns:p14="http://schemas.microsoft.com/office/powerpoint/2010/main" val="2835794600"/>
       </p:ext>
     </p:extLst>
   </p:cSld>
@@ -11451,14 +11468,19 @@
             <p:ph type="title"/>
           </p:nvPr>
         </p:nvSpPr>
-        <p:spPr/>
+        <p:spPr>
+          <a:xfrm>
+            <a:off x="180821" y="293023"/>
+            <a:ext cx="11360700" cy="763500"/>
+          </a:xfrm>
+        </p:spPr>
         <p:txBody>
           <a:bodyPr/>
           <a:lstStyle/>
           <a:p>
             <a:r>
               <a:rPr lang="en-US" dirty="0"/>
-              <a:t>Imputing Missing Values: Some Options</a:t>
+              <a:t>Features are also model-dependent</a:t>
             </a:r>
           </a:p>
         </p:txBody>
@@ -11478,9 +11500,18 @@
           <a:bodyPr/>
           <a:lstStyle/>
           <a:p>
-            <a:r>
-              <a:rPr lang="en-US" dirty="0"/>
-              <a:t>Central Tendency: Mean / Median / Mode</a:t>
+            <a:endParaRPr lang="en-US" dirty="0"/>
+          </a:p>
+          <a:p>
+            <a:pPr marL="76200" indent="0">
+              <a:buNone/>
+            </a:pPr>
+            <a:endParaRPr lang="en-US" dirty="0"/>
+          </a:p>
+          <a:p>
+            <a:r>
+              <a:rPr lang="en-US" dirty="0"/>
+              <a:t>Linear models may need … ?</a:t>
             </a:r>
             <a:br>
               <a:rPr lang="en-US" dirty="0"/>
@@ -11490,53 +11521,18 @@
           <a:p>
             <a:r>
               <a:rPr lang="en-US" dirty="0"/>
-              <a:t>Regression</a:t>
-            </a:r>
-            <a:br>
-              <a:rPr lang="en-US" dirty="0"/>
-            </a:br>
+              <a:t>Non-linear models may need …?</a:t>
+            </a:r>
+          </a:p>
+          <a:p>
             <a:endParaRPr lang="en-US" dirty="0"/>
-          </a:p>
-          <a:p>
-            <a:r>
-              <a:rPr lang="en-US" dirty="0"/>
-              <a:t>k-Nearest Neighbor</a:t>
-            </a:r>
-            <a:br>
-              <a:rPr lang="en-US" dirty="0"/>
-            </a:br>
-            <a:endParaRPr lang="en-US" dirty="0"/>
-          </a:p>
-          <a:p>
-            <a:r>
-              <a:rPr lang="en-US" dirty="0"/>
-              <a:t>Multiple Imputation</a:t>
-            </a:r>
-            <a:br>
-              <a:rPr lang="en-US" dirty="0"/>
-            </a:br>
-            <a:endParaRPr lang="en-US" dirty="0"/>
-          </a:p>
-          <a:p>
-            <a:r>
-              <a:rPr lang="en-US" dirty="0"/>
-              <a:t>ML methods that handle missing data (e.g., </a:t>
-            </a:r>
-            <a:r>
-              <a:rPr lang="en-US" dirty="0" err="1"/>
-              <a:t>xgboost</a:t>
-            </a:r>
-            <a:r>
-              <a:rPr lang="en-US" dirty="0"/>
-              <a:t>)</a:t>
-            </a:r>
           </a:p>
         </p:txBody>
       </p:sp>
     </p:spTree>
     <p:extLst>
       <p:ext uri="{BB962C8B-B14F-4D97-AF65-F5344CB8AC3E}">
-        <p14:creationId xmlns:p14="http://schemas.microsoft.com/office/powerpoint/2010/main" val="1168414506"/>
+        <p14:creationId xmlns:p14="http://schemas.microsoft.com/office/powerpoint/2010/main" val="466559840"/>
       </p:ext>
     </p:extLst>
   </p:cSld>
@@ -11580,7 +11576,7 @@
           <a:p>
             <a:r>
               <a:rPr lang="en-US" dirty="0"/>
-              <a:t>Imputing – Central Tendency</a:t>
+              <a:t>Missing Values</a:t>
             </a:r>
           </a:p>
         </p:txBody>
@@ -11602,37 +11598,46 @@
           <a:p>
             <a:r>
               <a:rPr lang="en-US" dirty="0"/>
-              <a:t>Simple to calculate and computationally fast</a:t>
-            </a:r>
-            <a:br>
-              <a:rPr lang="en-US" dirty="0"/>
-            </a:br>
+              <a:t>Impute (Fill in) missing values based on why you think they may be missing and what you want the model to do with those missing values</a:t>
+            </a:r>
+          </a:p>
+          <a:p>
+            <a:pPr lvl="1"/>
+            <a:r>
+              <a:rPr lang="en-US" dirty="0"/>
+              <a:t>Missing Completely at Random</a:t>
+            </a:r>
+          </a:p>
+          <a:p>
+            <a:pPr lvl="1"/>
+            <a:r>
+              <a:rPr lang="en-US" dirty="0"/>
+              <a:t>Missing at Random</a:t>
+            </a:r>
+          </a:p>
+          <a:p>
+            <a:pPr lvl="1"/>
+            <a:r>
+              <a:rPr lang="en-US" dirty="0"/>
+              <a:t>Missing Not at Random</a:t>
+            </a:r>
+          </a:p>
+          <a:p>
+            <a:pPr lvl="1"/>
             <a:endParaRPr lang="en-US" dirty="0"/>
           </a:p>
           <a:p>
             <a:r>
               <a:rPr lang="en-US" dirty="0"/>
-              <a:t>Often a reasonable starting point</a:t>
-            </a:r>
-            <a:br>
-              <a:rPr lang="en-US" dirty="0"/>
-            </a:br>
-            <a:endParaRPr lang="en-US" dirty="0"/>
-          </a:p>
-          <a:p>
-            <a:r>
-              <a:rPr lang="en-US" dirty="0"/>
-              <a:t>May be able to capture more nuance by using other, correlated data to help fill in missing values</a:t>
-            </a:r>
-            <a:br>
-              <a:rPr lang="en-US" dirty="0"/>
-            </a:br>
-            <a:endParaRPr lang="en-US" dirty="0"/>
-          </a:p>
-          <a:p>
-            <a:r>
-              <a:rPr lang="en-US" dirty="0"/>
-              <a:t>Under-represents variance/covariance of data</a:t>
+              <a:t>Typically, also add binary feature (dummy) for missing vs not missing in case “</a:t>
+            </a:r>
+            <a:r>
+              <a:rPr lang="en-US" dirty="0" err="1"/>
+              <a:t>missingness</a:t>
+            </a:r>
+            <a:r>
+              <a:rPr lang="en-US" dirty="0"/>
+              <a:t>” is predictive of the outcome</a:t>
             </a:r>
           </a:p>
         </p:txBody>
@@ -11640,91 +11645,13 @@
     </p:spTree>
     <p:extLst>
       <p:ext uri="{BB962C8B-B14F-4D97-AF65-F5344CB8AC3E}">
-        <p14:creationId xmlns:p14="http://schemas.microsoft.com/office/powerpoint/2010/main" val="2396215195"/>
+        <p14:creationId xmlns:p14="http://schemas.microsoft.com/office/powerpoint/2010/main" val="3357099955"/>
       </p:ext>
     </p:extLst>
   </p:cSld>
   <p:clrMapOvr>
     <a:masterClrMapping/>
   </p:clrMapOvr>
-  <p:timing>
-    <p:tnLst>
-      <p:par>
-        <p:cTn id="1" dur="indefinite" restart="never" nodeType="tmRoot">
-          <p:childTnLst>
-            <p:seq concurrent="1" nextAc="seek">
-              <p:cTn id="2" dur="indefinite" nodeType="mainSeq">
-                <p:childTnLst>
-                  <p:par>
-                    <p:cTn id="3" fill="hold">
-                      <p:stCondLst>
-                        <p:cond delay="indefinite"/>
-                      </p:stCondLst>
-                      <p:childTnLst>
-                        <p:par>
-                          <p:cTn id="4" fill="hold">
-                            <p:stCondLst>
-                              <p:cond delay="0"/>
-                            </p:stCondLst>
-                            <p:childTnLst>
-                              <p:par>
-                                <p:cTn id="5" presetID="1" presetClass="entr" presetSubtype="0" fill="hold" grpId="0" nodeType="clickEffect">
-                                  <p:stCondLst>
-                                    <p:cond delay="0"/>
-                                  </p:stCondLst>
-                                  <p:childTnLst>
-                                    <p:set>
-                                      <p:cBhvr>
-                                        <p:cTn id="6" dur="1" fill="hold">
-                                          <p:stCondLst>
-                                            <p:cond delay="0"/>
-                                          </p:stCondLst>
-                                        </p:cTn>
-                                        <p:tgtEl>
-                                          <p:spTgt spid="2"/>
-                                        </p:tgtEl>
-                                        <p:attrNameLst>
-                                          <p:attrName>style.visibility</p:attrName>
-                                        </p:attrNameLst>
-                                      </p:cBhvr>
-                                      <p:to>
-                                        <p:strVal val="visible"/>
-                                      </p:to>
-                                    </p:set>
-                                  </p:childTnLst>
-                                </p:cTn>
-                              </p:par>
-                            </p:childTnLst>
-                          </p:cTn>
-                        </p:par>
-                      </p:childTnLst>
-                    </p:cTn>
-                  </p:par>
-                </p:childTnLst>
-              </p:cTn>
-              <p:prevCondLst>
-                <p:cond evt="onPrev" delay="0">
-                  <p:tgtEl>
-                    <p:sldTgt/>
-                  </p:tgtEl>
-                </p:cond>
-              </p:prevCondLst>
-              <p:nextCondLst>
-                <p:cond evt="onNext" delay="0">
-                  <p:tgtEl>
-                    <p:sldTgt/>
-                  </p:tgtEl>
-                </p:cond>
-              </p:nextCondLst>
-            </p:seq>
-          </p:childTnLst>
-        </p:cTn>
-      </p:par>
-    </p:tnLst>
-    <p:bldLst>
-      <p:bldP spid="2" grpId="0"/>
-    </p:bldLst>
-  </p:timing>
 </p:sld>
 </file>
 
@@ -11747,10 +11674,10 @@
       </p:grpSpPr>
       <p:sp>
         <p:nvSpPr>
-          <p:cNvPr id="2" name="Title 1">
+          <p:cNvPr id="3" name="Title 2">
             <a:extLst>
               <a:ext uri="{FF2B5EF4-FFF2-40B4-BE49-F238E27FC236}">
-                <a16:creationId xmlns:a16="http://schemas.microsoft.com/office/drawing/2014/main" id="{21359BA9-BA2B-D148-89DA-A99081B1FF81}"/>
+                <a16:creationId xmlns:a16="http://schemas.microsoft.com/office/drawing/2014/main" id="{9323871C-7CA8-1448-8FFC-1AE6E1838941}"/>
               </a:ext>
             </a:extLst>
           </p:cNvPr>
@@ -11768,17 +11695,17 @@
           <a:p>
             <a:r>
               <a:rPr lang="en-US" dirty="0"/>
-              <a:t>What We’ll Cover Today</a:t>
+              <a:t>Reminders</a:t>
             </a:r>
           </a:p>
         </p:txBody>
       </p:sp>
       <p:sp>
         <p:nvSpPr>
-          <p:cNvPr id="3" name="Text Placeholder 2">
+          <p:cNvPr id="5" name="Text Placeholder 4">
             <a:extLst>
               <a:ext uri="{FF2B5EF4-FFF2-40B4-BE49-F238E27FC236}">
-                <a16:creationId xmlns:a16="http://schemas.microsoft.com/office/drawing/2014/main" id="{DDA03E0F-5F3D-5B4D-8232-BF72B84A198E}"/>
+                <a16:creationId xmlns:a16="http://schemas.microsoft.com/office/drawing/2014/main" id="{F4E0A5F0-1D89-954D-91FB-596CD9E690F2}"/>
               </a:ext>
             </a:extLst>
           </p:cNvPr>
@@ -11794,9 +11721,50 @@
           <a:bodyPr/>
           <a:lstStyle/>
           <a:p>
-            <a:r>
-              <a:rPr lang="en-US" dirty="0"/>
-              <a:t>Feature Creation/Engineering</a:t>
+            <a:pPr marL="76200" indent="0">
+              <a:buNone/>
+            </a:pPr>
+            <a:r>
+              <a:rPr lang="en-US" b="1" dirty="0"/>
+              <a:t>This week:</a:t>
+            </a:r>
+          </a:p>
+          <a:p>
+            <a:r>
+              <a:rPr lang="en-US" dirty="0">
+                <a:solidFill>
+                  <a:srgbClr val="C00000"/>
+                </a:solidFill>
+              </a:rPr>
+              <a:t>Tomorrow: Wednesday Deep Dive Session on Modeling and Validation Plans</a:t>
+            </a:r>
+            <a:endParaRPr lang="en-US" b="1" dirty="0"/>
+          </a:p>
+          <a:p>
+            <a:pPr marL="76200" indent="0">
+              <a:buNone/>
+            </a:pPr>
+            <a:endParaRPr lang="en-US" b="1" dirty="0"/>
+          </a:p>
+          <a:p>
+            <a:pPr marL="76200" indent="0">
+              <a:buNone/>
+            </a:pPr>
+            <a:endParaRPr lang="en-US" b="1" dirty="0"/>
+          </a:p>
+          <a:p>
+            <a:pPr marL="76200" indent="0">
+              <a:buNone/>
+            </a:pPr>
+            <a:r>
+              <a:rPr lang="en-US" b="1" dirty="0"/>
+              <a:t>Coming up next week:</a:t>
+            </a:r>
+          </a:p>
+          <a:p>
+            <a:r>
+              <a:rPr lang="en-US" dirty="0"/>
+              <a:t>Monday: Project Update 3</a:t>
             </a:r>
             <a:br>
               <a:rPr lang="en-US" dirty="0"/>
@@ -11806,7 +11774,7 @@
           <a:p>
             <a:r>
               <a:rPr lang="en-US" dirty="0"/>
-              <a:t>Introducing Bias in Feature Development</a:t>
+              <a:t>Tuesday: Weekly Feedback Form</a:t>
             </a:r>
             <a:br>
               <a:rPr lang="en-US" dirty="0"/>
@@ -11816,18 +11784,23 @@
           <a:p>
             <a:r>
               <a:rPr lang="en-US" dirty="0"/>
-              <a:t>Dealing with Missing Data</a:t>
-            </a:r>
-          </a:p>
-          <a:p>
-            <a:endParaRPr lang="en-US" dirty="0"/>
+              <a:t>Thursday: Reading on </a:t>
+            </a:r>
+            <a:r>
+              <a:rPr lang="en-US" dirty="0" err="1"/>
+              <a:t>Transductive</a:t>
+            </a:r>
+            <a:r>
+              <a:rPr lang="en-US" dirty="0"/>
+              <a:t> Top-k</a:t>
+            </a:r>
           </a:p>
         </p:txBody>
       </p:sp>
     </p:spTree>
     <p:extLst>
       <p:ext uri="{BB962C8B-B14F-4D97-AF65-F5344CB8AC3E}">
-        <p14:creationId xmlns:p14="http://schemas.microsoft.com/office/powerpoint/2010/main" val="1721185332"/>
+        <p14:creationId xmlns:p14="http://schemas.microsoft.com/office/powerpoint/2010/main" val="186046226"/>
       </p:ext>
     </p:extLst>
   </p:cSld>
@@ -11871,7 +11844,7 @@
           <a:p>
             <a:r>
               <a:rPr lang="en-US" dirty="0"/>
-              <a:t>Imputing – Regression</a:t>
+              <a:t>Imputing Missing Values: Some Options</a:t>
             </a:r>
           </a:p>
         </p:txBody>
@@ -11893,7 +11866,7 @@
           <a:p>
             <a:r>
               <a:rPr lang="en-US" dirty="0"/>
-              <a:t>Make use of information in correlated features, more flexible than central tendency</a:t>
+              <a:t>Central Tendency: Mean / Median / Mode</a:t>
             </a:r>
             <a:br>
               <a:rPr lang="en-US" dirty="0"/>
@@ -11903,7 +11876,7 @@
           <a:p>
             <a:r>
               <a:rPr lang="en-US" dirty="0"/>
-              <a:t>However, may not be flexible enough to capture complex relationships or interactions</a:t>
+              <a:t>Regression</a:t>
             </a:r>
             <a:br>
               <a:rPr lang="en-US" dirty="0"/>
@@ -11913,7 +11886,7 @@
           <a:p>
             <a:r>
               <a:rPr lang="en-US" dirty="0"/>
-              <a:t>May be somewhat more computationally expensive </a:t>
+              <a:t>k-Nearest Neighbor</a:t>
             </a:r>
             <a:br>
               <a:rPr lang="en-US" dirty="0"/>
@@ -11923,7 +11896,25 @@
           <a:p>
             <a:r>
               <a:rPr lang="en-US" dirty="0"/>
-              <a:t>Generally will still underestimate variation in data</a:t>
+              <a:t>Multiple Imputation</a:t>
+            </a:r>
+            <a:br>
+              <a:rPr lang="en-US" dirty="0"/>
+            </a:br>
+            <a:endParaRPr lang="en-US" dirty="0"/>
+          </a:p>
+          <a:p>
+            <a:r>
+              <a:rPr lang="en-US" dirty="0"/>
+              <a:t>ML methods that handle missing data (e.g., </a:t>
+            </a:r>
+            <a:r>
+              <a:rPr lang="en-US" dirty="0" err="1"/>
+              <a:t>xgboost</a:t>
+            </a:r>
+            <a:r>
+              <a:rPr lang="en-US" dirty="0"/>
+              <a:t>)</a:t>
             </a:r>
           </a:p>
         </p:txBody>
@@ -11931,91 +11922,13 @@
     </p:spTree>
     <p:extLst>
       <p:ext uri="{BB962C8B-B14F-4D97-AF65-F5344CB8AC3E}">
-        <p14:creationId xmlns:p14="http://schemas.microsoft.com/office/powerpoint/2010/main" val="3808227576"/>
+        <p14:creationId xmlns:p14="http://schemas.microsoft.com/office/powerpoint/2010/main" val="1168414506"/>
       </p:ext>
     </p:extLst>
   </p:cSld>
   <p:clrMapOvr>
     <a:masterClrMapping/>
   </p:clrMapOvr>
-  <p:timing>
-    <p:tnLst>
-      <p:par>
-        <p:cTn id="1" dur="indefinite" restart="never" nodeType="tmRoot">
-          <p:childTnLst>
-            <p:seq concurrent="1" nextAc="seek">
-              <p:cTn id="2" dur="indefinite" nodeType="mainSeq">
-                <p:childTnLst>
-                  <p:par>
-                    <p:cTn id="3" fill="hold">
-                      <p:stCondLst>
-                        <p:cond delay="indefinite"/>
-                      </p:stCondLst>
-                      <p:childTnLst>
-                        <p:par>
-                          <p:cTn id="4" fill="hold">
-                            <p:stCondLst>
-                              <p:cond delay="0"/>
-                            </p:stCondLst>
-                            <p:childTnLst>
-                              <p:par>
-                                <p:cTn id="5" presetID="1" presetClass="entr" presetSubtype="0" fill="hold" grpId="0" nodeType="clickEffect">
-                                  <p:stCondLst>
-                                    <p:cond delay="0"/>
-                                  </p:stCondLst>
-                                  <p:childTnLst>
-                                    <p:set>
-                                      <p:cBhvr>
-                                        <p:cTn id="6" dur="1" fill="hold">
-                                          <p:stCondLst>
-                                            <p:cond delay="0"/>
-                                          </p:stCondLst>
-                                        </p:cTn>
-                                        <p:tgtEl>
-                                          <p:spTgt spid="2"/>
-                                        </p:tgtEl>
-                                        <p:attrNameLst>
-                                          <p:attrName>style.visibility</p:attrName>
-                                        </p:attrNameLst>
-                                      </p:cBhvr>
-                                      <p:to>
-                                        <p:strVal val="visible"/>
-                                      </p:to>
-                                    </p:set>
-                                  </p:childTnLst>
-                                </p:cTn>
-                              </p:par>
-                            </p:childTnLst>
-                          </p:cTn>
-                        </p:par>
-                      </p:childTnLst>
-                    </p:cTn>
-                  </p:par>
-                </p:childTnLst>
-              </p:cTn>
-              <p:prevCondLst>
-                <p:cond evt="onPrev" delay="0">
-                  <p:tgtEl>
-                    <p:sldTgt/>
-                  </p:tgtEl>
-                </p:cond>
-              </p:prevCondLst>
-              <p:nextCondLst>
-                <p:cond evt="onNext" delay="0">
-                  <p:tgtEl>
-                    <p:sldTgt/>
-                  </p:tgtEl>
-                </p:cond>
-              </p:nextCondLst>
-            </p:seq>
-          </p:childTnLst>
-        </p:cTn>
-      </p:par>
-    </p:tnLst>
-    <p:bldLst>
-      <p:bldP spid="2" grpId="0"/>
-    </p:bldLst>
-  </p:timing>
 </p:sld>
 </file>
 
@@ -12053,7 +11966,7 @@
           <a:p>
             <a:r>
               <a:rPr lang="en-US" dirty="0"/>
-              <a:t>Imputing – k-Nearest Neighbor</a:t>
+              <a:t>Imputing – Central Tendency</a:t>
             </a:r>
           </a:p>
         </p:txBody>
@@ -12075,7 +11988,7 @@
           <a:p>
             <a:r>
               <a:rPr lang="en-US" dirty="0"/>
-              <a:t>More flexible option, capture more complexity in relationships in data</a:t>
+              <a:t>Simple to calculate and computationally fast</a:t>
             </a:r>
             <a:br>
               <a:rPr lang="en-US" dirty="0"/>
@@ -12085,7 +11998,7 @@
           <a:p>
             <a:r>
               <a:rPr lang="en-US" dirty="0"/>
-              <a:t>Difficult to choose appropriate distance metric, value of k</a:t>
+              <a:t>Often a reasonable starting point</a:t>
             </a:r>
             <a:br>
               <a:rPr lang="en-US" dirty="0"/>
@@ -12095,7 +12008,7 @@
           <a:p>
             <a:r>
               <a:rPr lang="en-US" dirty="0"/>
-              <a:t>More computationally expensive than other methods of imputation</a:t>
+              <a:t>May be able to capture more nuance by using other, correlated data to help fill in missing values</a:t>
             </a:r>
             <a:br>
               <a:rPr lang="en-US" dirty="0"/>
@@ -12105,7 +12018,7 @@
           <a:p>
             <a:r>
               <a:rPr lang="en-US" dirty="0"/>
-              <a:t>Requires entire training set to calculate imputed values for new examples</a:t>
+              <a:t>Under-represents variance/covariance of data</a:t>
             </a:r>
           </a:p>
         </p:txBody>
@@ -12113,7 +12026,7 @@
     </p:spTree>
     <p:extLst>
       <p:ext uri="{BB962C8B-B14F-4D97-AF65-F5344CB8AC3E}">
-        <p14:creationId xmlns:p14="http://schemas.microsoft.com/office/powerpoint/2010/main" val="3729575760"/>
+        <p14:creationId xmlns:p14="http://schemas.microsoft.com/office/powerpoint/2010/main" val="2396215195"/>
       </p:ext>
     </p:extLst>
   </p:cSld>
@@ -12235,7 +12148,7 @@
           <a:p>
             <a:r>
               <a:rPr lang="en-US" dirty="0"/>
-              <a:t>Imputing – Multiple Imputation</a:t>
+              <a:t>Imputing – Regression</a:t>
             </a:r>
           </a:p>
         </p:txBody>
@@ -12257,7 +12170,7 @@
           <a:p>
             <a:r>
               <a:rPr lang="en-US" dirty="0"/>
-              <a:t>Create multiple “complete” datasets with different values using different regression models</a:t>
+              <a:t>Make use of information in correlated features, more flexible than central tendency</a:t>
             </a:r>
             <a:br>
               <a:rPr lang="en-US" dirty="0"/>
@@ -12267,7 +12180,7 @@
           <a:p>
             <a:r>
               <a:rPr lang="en-US" dirty="0"/>
-              <a:t>Helps analyze sensitivity to handling of missing values</a:t>
+              <a:t>However, may not be flexible enough to capture complex relationships or interactions</a:t>
             </a:r>
             <a:br>
               <a:rPr lang="en-US" dirty="0"/>
@@ -12277,7 +12190,7 @@
           <a:p>
             <a:r>
               <a:rPr lang="en-US" dirty="0"/>
-              <a:t>Much more computationally expensive, both for imputation and downstream modeling</a:t>
+              <a:t>May be somewhat more computationally expensive </a:t>
             </a:r>
             <a:br>
               <a:rPr lang="en-US" dirty="0"/>
@@ -12287,7 +12200,7 @@
           <a:p>
             <a:r>
               <a:rPr lang="en-US" dirty="0"/>
-              <a:t>Can provide better representation of variability in data</a:t>
+              <a:t>Generally will still underestimate variation in data</a:t>
             </a:r>
           </a:p>
         </p:txBody>
@@ -12295,7 +12208,7 @@
     </p:spTree>
     <p:extLst>
       <p:ext uri="{BB962C8B-B14F-4D97-AF65-F5344CB8AC3E}">
-        <p14:creationId xmlns:p14="http://schemas.microsoft.com/office/powerpoint/2010/main" val="2069799902"/>
+        <p14:creationId xmlns:p14="http://schemas.microsoft.com/office/powerpoint/2010/main" val="3808227576"/>
       </p:ext>
     </p:extLst>
   </p:cSld>
@@ -12417,7 +12330,7 @@
           <a:p>
             <a:r>
               <a:rPr lang="en-US" dirty="0"/>
-              <a:t>Imputing – ML Methods with Missing Data Handling</a:t>
+              <a:t>Imputing – k-Nearest Neighbor</a:t>
             </a:r>
           </a:p>
         </p:txBody>
@@ -12439,15 +12352,7 @@
           <a:p>
             <a:r>
               <a:rPr lang="en-US" dirty="0"/>
-              <a:t>Some models have built-in handling of missing data, such as </a:t>
-            </a:r>
-            <a:r>
-              <a:rPr lang="en-US" dirty="0" err="1"/>
-              <a:t>xgboost</a:t>
-            </a:r>
-            <a:r>
-              <a:rPr lang="en-US" dirty="0"/>
-              <a:t> (which decides which direction to send missing values at each split)</a:t>
+              <a:t>More flexible option, capture more complexity in relationships in data</a:t>
             </a:r>
             <a:br>
               <a:rPr lang="en-US" dirty="0"/>
@@ -12457,7 +12362,7 @@
           <a:p>
             <a:r>
               <a:rPr lang="en-US" dirty="0"/>
-              <a:t>May not be the best modeling method for your problem, don’t want to be locked into certain type of model</a:t>
+              <a:t>Difficult to choose appropriate distance metric, value of k</a:t>
             </a:r>
             <a:br>
               <a:rPr lang="en-US" dirty="0"/>
@@ -12467,7 +12372,17 @@
           <a:p>
             <a:r>
               <a:rPr lang="en-US" dirty="0"/>
-              <a:t>Nevertheless, worth exploring performance of other imputation methods even when using these models as well</a:t>
+              <a:t>More computationally expensive than other methods of imputation</a:t>
+            </a:r>
+            <a:br>
+              <a:rPr lang="en-US" dirty="0"/>
+            </a:br>
+            <a:endParaRPr lang="en-US" dirty="0"/>
+          </a:p>
+          <a:p>
+            <a:r>
+              <a:rPr lang="en-US" dirty="0"/>
+              <a:t>Requires entire training set to calculate imputed values for new examples</a:t>
             </a:r>
           </a:p>
         </p:txBody>
@@ -12475,7 +12390,7 @@
     </p:spTree>
     <p:extLst>
       <p:ext uri="{BB962C8B-B14F-4D97-AF65-F5344CB8AC3E}">
-        <p14:creationId xmlns:p14="http://schemas.microsoft.com/office/powerpoint/2010/main" val="2521997284"/>
+        <p14:creationId xmlns:p14="http://schemas.microsoft.com/office/powerpoint/2010/main" val="3729575760"/>
       </p:ext>
     </p:extLst>
   </p:cSld>
@@ -12582,6 +12497,368 @@
       </p:grpSpPr>
       <p:sp>
         <p:nvSpPr>
+          <p:cNvPr id="3" name="Title 2"/>
+          <p:cNvSpPr>
+            <a:spLocks noGrp="1"/>
+          </p:cNvSpPr>
+          <p:nvPr>
+            <p:ph type="title"/>
+          </p:nvPr>
+        </p:nvSpPr>
+        <p:spPr/>
+        <p:txBody>
+          <a:bodyPr/>
+          <a:lstStyle/>
+          <a:p>
+            <a:r>
+              <a:rPr lang="en-US" dirty="0"/>
+              <a:t>Imputing – Multiple Imputation</a:t>
+            </a:r>
+          </a:p>
+        </p:txBody>
+      </p:sp>
+      <p:sp>
+        <p:nvSpPr>
+          <p:cNvPr id="2" name="Content Placeholder 1"/>
+          <p:cNvSpPr>
+            <a:spLocks noGrp="1"/>
+          </p:cNvSpPr>
+          <p:nvPr>
+            <p:ph type="body" idx="1"/>
+          </p:nvPr>
+        </p:nvSpPr>
+        <p:spPr/>
+        <p:txBody>
+          <a:bodyPr/>
+          <a:lstStyle/>
+          <a:p>
+            <a:r>
+              <a:rPr lang="en-US" dirty="0"/>
+              <a:t>Create multiple “complete” datasets with different values using different regression models</a:t>
+            </a:r>
+            <a:br>
+              <a:rPr lang="en-US" dirty="0"/>
+            </a:br>
+            <a:endParaRPr lang="en-US" dirty="0"/>
+          </a:p>
+          <a:p>
+            <a:r>
+              <a:rPr lang="en-US" dirty="0"/>
+              <a:t>Helps analyze sensitivity to handling of missing values</a:t>
+            </a:r>
+            <a:br>
+              <a:rPr lang="en-US" dirty="0"/>
+            </a:br>
+            <a:endParaRPr lang="en-US" dirty="0"/>
+          </a:p>
+          <a:p>
+            <a:r>
+              <a:rPr lang="en-US" dirty="0"/>
+              <a:t>Much more computationally expensive, both for imputation and downstream modeling</a:t>
+            </a:r>
+            <a:br>
+              <a:rPr lang="en-US" dirty="0"/>
+            </a:br>
+            <a:endParaRPr lang="en-US" dirty="0"/>
+          </a:p>
+          <a:p>
+            <a:r>
+              <a:rPr lang="en-US" dirty="0"/>
+              <a:t>Can provide better representation of variability in data</a:t>
+            </a:r>
+          </a:p>
+        </p:txBody>
+      </p:sp>
+    </p:spTree>
+    <p:extLst>
+      <p:ext uri="{BB962C8B-B14F-4D97-AF65-F5344CB8AC3E}">
+        <p14:creationId xmlns:p14="http://schemas.microsoft.com/office/powerpoint/2010/main" val="2069799902"/>
+      </p:ext>
+    </p:extLst>
+  </p:cSld>
+  <p:clrMapOvr>
+    <a:masterClrMapping/>
+  </p:clrMapOvr>
+  <p:timing>
+    <p:tnLst>
+      <p:par>
+        <p:cTn id="1" dur="indefinite" restart="never" nodeType="tmRoot">
+          <p:childTnLst>
+            <p:seq concurrent="1" nextAc="seek">
+              <p:cTn id="2" dur="indefinite" nodeType="mainSeq">
+                <p:childTnLst>
+                  <p:par>
+                    <p:cTn id="3" fill="hold">
+                      <p:stCondLst>
+                        <p:cond delay="indefinite"/>
+                      </p:stCondLst>
+                      <p:childTnLst>
+                        <p:par>
+                          <p:cTn id="4" fill="hold">
+                            <p:stCondLst>
+                              <p:cond delay="0"/>
+                            </p:stCondLst>
+                            <p:childTnLst>
+                              <p:par>
+                                <p:cTn id="5" presetID="1" presetClass="entr" presetSubtype="0" fill="hold" grpId="0" nodeType="clickEffect">
+                                  <p:stCondLst>
+                                    <p:cond delay="0"/>
+                                  </p:stCondLst>
+                                  <p:childTnLst>
+                                    <p:set>
+                                      <p:cBhvr>
+                                        <p:cTn id="6" dur="1" fill="hold">
+                                          <p:stCondLst>
+                                            <p:cond delay="0"/>
+                                          </p:stCondLst>
+                                        </p:cTn>
+                                        <p:tgtEl>
+                                          <p:spTgt spid="2"/>
+                                        </p:tgtEl>
+                                        <p:attrNameLst>
+                                          <p:attrName>style.visibility</p:attrName>
+                                        </p:attrNameLst>
+                                      </p:cBhvr>
+                                      <p:to>
+                                        <p:strVal val="visible"/>
+                                      </p:to>
+                                    </p:set>
+                                  </p:childTnLst>
+                                </p:cTn>
+                              </p:par>
+                            </p:childTnLst>
+                          </p:cTn>
+                        </p:par>
+                      </p:childTnLst>
+                    </p:cTn>
+                  </p:par>
+                </p:childTnLst>
+              </p:cTn>
+              <p:prevCondLst>
+                <p:cond evt="onPrev" delay="0">
+                  <p:tgtEl>
+                    <p:sldTgt/>
+                  </p:tgtEl>
+                </p:cond>
+              </p:prevCondLst>
+              <p:nextCondLst>
+                <p:cond evt="onNext" delay="0">
+                  <p:tgtEl>
+                    <p:sldTgt/>
+                  </p:tgtEl>
+                </p:cond>
+              </p:nextCondLst>
+            </p:seq>
+          </p:childTnLst>
+        </p:cTn>
+      </p:par>
+    </p:tnLst>
+    <p:bldLst>
+      <p:bldP spid="2" grpId="0"/>
+    </p:bldLst>
+  </p:timing>
+</p:sld>
+</file>
+
+<file path=ppt/slides/slide25.xml><?xml version="1.0" encoding="utf-8"?>
+<p:sld xmlns:a="http://schemas.openxmlformats.org/drawingml/2006/main" xmlns:r="http://schemas.openxmlformats.org/officeDocument/2006/relationships" xmlns:p="http://schemas.openxmlformats.org/presentationml/2006/main">
+  <p:cSld>
+    <p:spTree>
+      <p:nvGrpSpPr>
+        <p:cNvPr id="1" name=""/>
+        <p:cNvGrpSpPr/>
+        <p:nvPr/>
+      </p:nvGrpSpPr>
+      <p:grpSpPr>
+        <a:xfrm>
+          <a:off x="0" y="0"/>
+          <a:ext cx="0" cy="0"/>
+          <a:chOff x="0" y="0"/>
+          <a:chExt cx="0" cy="0"/>
+        </a:xfrm>
+      </p:grpSpPr>
+      <p:sp>
+        <p:nvSpPr>
+          <p:cNvPr id="3" name="Title 2"/>
+          <p:cNvSpPr>
+            <a:spLocks noGrp="1"/>
+          </p:cNvSpPr>
+          <p:nvPr>
+            <p:ph type="title"/>
+          </p:nvPr>
+        </p:nvSpPr>
+        <p:spPr/>
+        <p:txBody>
+          <a:bodyPr/>
+          <a:lstStyle/>
+          <a:p>
+            <a:r>
+              <a:rPr lang="en-US" dirty="0"/>
+              <a:t>Imputing – ML Methods with Missing Data Handling</a:t>
+            </a:r>
+          </a:p>
+        </p:txBody>
+      </p:sp>
+      <p:sp>
+        <p:nvSpPr>
+          <p:cNvPr id="2" name="Content Placeholder 1"/>
+          <p:cNvSpPr>
+            <a:spLocks noGrp="1"/>
+          </p:cNvSpPr>
+          <p:nvPr>
+            <p:ph type="body" idx="1"/>
+          </p:nvPr>
+        </p:nvSpPr>
+        <p:spPr/>
+        <p:txBody>
+          <a:bodyPr/>
+          <a:lstStyle/>
+          <a:p>
+            <a:r>
+              <a:rPr lang="en-US" dirty="0"/>
+              <a:t>Some models have built-in handling of missing data, such as </a:t>
+            </a:r>
+            <a:r>
+              <a:rPr lang="en-US" dirty="0" err="1"/>
+              <a:t>xgboost</a:t>
+            </a:r>
+            <a:r>
+              <a:rPr lang="en-US" dirty="0"/>
+              <a:t> (which decides which direction to send missing values at each split)</a:t>
+            </a:r>
+            <a:br>
+              <a:rPr lang="en-US" dirty="0"/>
+            </a:br>
+            <a:endParaRPr lang="en-US" dirty="0"/>
+          </a:p>
+          <a:p>
+            <a:r>
+              <a:rPr lang="en-US" dirty="0"/>
+              <a:t>May not be the best modeling method for your problem, don’t want to be locked into certain type of model</a:t>
+            </a:r>
+            <a:br>
+              <a:rPr lang="en-US" dirty="0"/>
+            </a:br>
+            <a:endParaRPr lang="en-US" dirty="0"/>
+          </a:p>
+          <a:p>
+            <a:r>
+              <a:rPr lang="en-US" dirty="0"/>
+              <a:t>Nevertheless, worth exploring performance of other imputation methods even when using these models as well</a:t>
+            </a:r>
+          </a:p>
+        </p:txBody>
+      </p:sp>
+    </p:spTree>
+    <p:extLst>
+      <p:ext uri="{BB962C8B-B14F-4D97-AF65-F5344CB8AC3E}">
+        <p14:creationId xmlns:p14="http://schemas.microsoft.com/office/powerpoint/2010/main" val="2521997284"/>
+      </p:ext>
+    </p:extLst>
+  </p:cSld>
+  <p:clrMapOvr>
+    <a:masterClrMapping/>
+  </p:clrMapOvr>
+  <p:timing>
+    <p:tnLst>
+      <p:par>
+        <p:cTn id="1" dur="indefinite" restart="never" nodeType="tmRoot">
+          <p:childTnLst>
+            <p:seq concurrent="1" nextAc="seek">
+              <p:cTn id="2" dur="indefinite" nodeType="mainSeq">
+                <p:childTnLst>
+                  <p:par>
+                    <p:cTn id="3" fill="hold">
+                      <p:stCondLst>
+                        <p:cond delay="indefinite"/>
+                      </p:stCondLst>
+                      <p:childTnLst>
+                        <p:par>
+                          <p:cTn id="4" fill="hold">
+                            <p:stCondLst>
+                              <p:cond delay="0"/>
+                            </p:stCondLst>
+                            <p:childTnLst>
+                              <p:par>
+                                <p:cTn id="5" presetID="1" presetClass="entr" presetSubtype="0" fill="hold" grpId="0" nodeType="clickEffect">
+                                  <p:stCondLst>
+                                    <p:cond delay="0"/>
+                                  </p:stCondLst>
+                                  <p:childTnLst>
+                                    <p:set>
+                                      <p:cBhvr>
+                                        <p:cTn id="6" dur="1" fill="hold">
+                                          <p:stCondLst>
+                                            <p:cond delay="0"/>
+                                          </p:stCondLst>
+                                        </p:cTn>
+                                        <p:tgtEl>
+                                          <p:spTgt spid="2"/>
+                                        </p:tgtEl>
+                                        <p:attrNameLst>
+                                          <p:attrName>style.visibility</p:attrName>
+                                        </p:attrNameLst>
+                                      </p:cBhvr>
+                                      <p:to>
+                                        <p:strVal val="visible"/>
+                                      </p:to>
+                                    </p:set>
+                                  </p:childTnLst>
+                                </p:cTn>
+                              </p:par>
+                            </p:childTnLst>
+                          </p:cTn>
+                        </p:par>
+                      </p:childTnLst>
+                    </p:cTn>
+                  </p:par>
+                </p:childTnLst>
+              </p:cTn>
+              <p:prevCondLst>
+                <p:cond evt="onPrev" delay="0">
+                  <p:tgtEl>
+                    <p:sldTgt/>
+                  </p:tgtEl>
+                </p:cond>
+              </p:prevCondLst>
+              <p:nextCondLst>
+                <p:cond evt="onNext" delay="0">
+                  <p:tgtEl>
+                    <p:sldTgt/>
+                  </p:tgtEl>
+                </p:cond>
+              </p:nextCondLst>
+            </p:seq>
+          </p:childTnLst>
+        </p:cTn>
+      </p:par>
+    </p:tnLst>
+    <p:bldLst>
+      <p:bldP spid="2" grpId="0"/>
+    </p:bldLst>
+  </p:timing>
+</p:sld>
+</file>
+
+<file path=ppt/slides/slide26.xml><?xml version="1.0" encoding="utf-8"?>
+<p:sld xmlns:a="http://schemas.openxmlformats.org/drawingml/2006/main" xmlns:r="http://schemas.openxmlformats.org/officeDocument/2006/relationships" xmlns:p="http://schemas.openxmlformats.org/presentationml/2006/main">
+  <p:cSld>
+    <p:spTree>
+      <p:nvGrpSpPr>
+        <p:cNvPr id="1" name=""/>
+        <p:cNvGrpSpPr/>
+        <p:nvPr/>
+      </p:nvGrpSpPr>
+      <p:grpSpPr>
+        <a:xfrm>
+          <a:off x="0" y="0"/>
+          <a:ext cx="0" cy="0"/>
+          <a:chOff x="0" y="0"/>
+          <a:chExt cx="0" cy="0"/>
+        </a:xfrm>
+      </p:grpSpPr>
+      <p:sp>
+        <p:nvSpPr>
           <p:cNvPr id="2" name="Title 1">
             <a:extLst>
               <a:ext uri="{FF2B5EF4-FFF2-40B4-BE49-F238E27FC236}">
@@ -12676,7 +12953,7 @@
 </p:sld>
 </file>
 
-<file path=ppt/slides/slide25.xml><?xml version="1.0" encoding="utf-8"?>
+<file path=ppt/slides/slide27.xml><?xml version="1.0" encoding="utf-8"?>
 <p:sld xmlns:a="http://schemas.openxmlformats.org/drawingml/2006/main" xmlns:r="http://schemas.openxmlformats.org/officeDocument/2006/relationships" xmlns:p="http://schemas.openxmlformats.org/presentationml/2006/main">
   <p:cSld>
     <p:spTree>
@@ -12716,17 +12993,17 @@
           <a:p>
             <a:r>
               <a:rPr lang="en-US" dirty="0"/>
-              <a:t>Discussion Question for Tuesday</a:t>
+              <a:t>Reminders</a:t>
             </a:r>
           </a:p>
         </p:txBody>
       </p:sp>
       <p:sp>
         <p:nvSpPr>
-          <p:cNvPr id="4" name="Text Placeholder 3">
+          <p:cNvPr id="5" name="Text Placeholder 4">
             <a:extLst>
               <a:ext uri="{FF2B5EF4-FFF2-40B4-BE49-F238E27FC236}">
-                <a16:creationId xmlns:a16="http://schemas.microsoft.com/office/drawing/2014/main" id="{5E600BA7-FA45-884F-9820-9E5F2CB7AA48}"/>
+                <a16:creationId xmlns:a16="http://schemas.microsoft.com/office/drawing/2014/main" id="{F4E0A5F0-1D89-954D-91FB-596CD9E690F2}"/>
               </a:ext>
             </a:extLst>
           </p:cNvPr>
@@ -12745,30 +13022,75 @@
             <a:pPr marL="76200" indent="0">
               <a:buNone/>
             </a:pPr>
+            <a:r>
+              <a:rPr lang="en-US" b="1" dirty="0"/>
+              <a:t>This week:</a:t>
+            </a:r>
+          </a:p>
+          <a:p>
+            <a:r>
+              <a:rPr lang="en-US" dirty="0">
+                <a:solidFill>
+                  <a:srgbClr val="C00000"/>
+                </a:solidFill>
+              </a:rPr>
+              <a:t>Tomorrow: Wednesday Deep Dive Session on Modeling and Validation Plans</a:t>
+            </a:r>
+            <a:endParaRPr lang="en-US" b="1" dirty="0"/>
+          </a:p>
+          <a:p>
+            <a:pPr marL="76200" indent="0">
+              <a:buNone/>
+            </a:pPr>
+            <a:endParaRPr lang="en-US" b="1" dirty="0"/>
+          </a:p>
+          <a:p>
+            <a:pPr marL="76200" indent="0">
+              <a:buNone/>
+            </a:pPr>
+            <a:endParaRPr lang="en-US" b="1" dirty="0"/>
+          </a:p>
+          <a:p>
+            <a:pPr marL="76200" indent="0">
+              <a:buNone/>
+            </a:pPr>
+            <a:r>
+              <a:rPr lang="en-US" b="1" dirty="0"/>
+              <a:t>Coming up next week:</a:t>
+            </a:r>
+          </a:p>
+          <a:p>
+            <a:r>
+              <a:rPr lang="en-US" dirty="0"/>
+              <a:t>Monday: Project Update 3</a:t>
+            </a:r>
+            <a:br>
+              <a:rPr lang="en-US" dirty="0"/>
+            </a:br>
             <a:endParaRPr lang="en-US" dirty="0"/>
           </a:p>
           <a:p>
-            <a:pPr marL="76200" indent="0">
-              <a:buNone/>
-            </a:pPr>
+            <a:r>
+              <a:rPr lang="en-US" dirty="0"/>
+              <a:t>Tuesday: Weekly Feedback Form</a:t>
+            </a:r>
+            <a:br>
+              <a:rPr lang="en-US" dirty="0"/>
+            </a:br>
             <a:endParaRPr lang="en-US" dirty="0"/>
           </a:p>
           <a:p>
-            <a:pPr marL="76200" indent="0" algn="ctr">
-              <a:buNone/>
-            </a:pPr>
-            <a:r>
-              <a:rPr lang="en-US" sz="3600" dirty="0"/>
-              <a:t>In your class project, what are two ways bias might </a:t>
-            </a:r>
-          </a:p>
-          <a:p>
-            <a:pPr marL="76200" indent="0" algn="ctr">
-              <a:buNone/>
-            </a:pPr>
-            <a:r>
-              <a:rPr lang="en-US" sz="3600" dirty="0"/>
-              <a:t>be introduced in your feature development?</a:t>
+            <a:r>
+              <a:rPr lang="en-US" dirty="0"/>
+              <a:t>Thursday: Reading on </a:t>
+            </a:r>
+            <a:r>
+              <a:rPr lang="en-US" dirty="0" err="1"/>
+              <a:t>Transductive</a:t>
+            </a:r>
+            <a:r>
+              <a:rPr lang="en-US" dirty="0"/>
+              <a:t> Top-k</a:t>
             </a:r>
           </a:p>
         </p:txBody>
@@ -12776,7 +13098,7 @@
     </p:spTree>
     <p:extLst>
       <p:ext uri="{BB962C8B-B14F-4D97-AF65-F5344CB8AC3E}">
-        <p14:creationId xmlns:p14="http://schemas.microsoft.com/office/powerpoint/2010/main" val="3940342555"/>
+        <p14:creationId xmlns:p14="http://schemas.microsoft.com/office/powerpoint/2010/main" val="1220840346"/>
       </p:ext>
     </p:extLst>
   </p:cSld>
@@ -12805,7 +13127,13 @@
       </p:grpSpPr>
       <p:sp>
         <p:nvSpPr>
-          <p:cNvPr id="3" name="Title 2"/>
+          <p:cNvPr id="2" name="Title 1">
+            <a:extLst>
+              <a:ext uri="{FF2B5EF4-FFF2-40B4-BE49-F238E27FC236}">
+                <a16:creationId xmlns:a16="http://schemas.microsoft.com/office/drawing/2014/main" id="{21359BA9-BA2B-D148-89DA-A99081B1FF81}"/>
+              </a:ext>
+            </a:extLst>
+          </p:cNvPr>
           <p:cNvSpPr>
             <a:spLocks noGrp="1"/>
           </p:cNvSpPr>
@@ -12820,14 +13148,20 @@
           <a:p>
             <a:r>
               <a:rPr lang="en-US" dirty="0"/>
-              <a:t>Why do we care?</a:t>
+              <a:t>What We’ll Cover Today</a:t>
             </a:r>
           </a:p>
         </p:txBody>
       </p:sp>
       <p:sp>
         <p:nvSpPr>
-          <p:cNvPr id="2" name="Content Placeholder 1"/>
+          <p:cNvPr id="3" name="Text Placeholder 2">
+            <a:extLst>
+              <a:ext uri="{FF2B5EF4-FFF2-40B4-BE49-F238E27FC236}">
+                <a16:creationId xmlns:a16="http://schemas.microsoft.com/office/drawing/2014/main" id="{DDA03E0F-5F3D-5B4D-8232-BF72B84A198E}"/>
+              </a:ext>
+            </a:extLst>
+          </p:cNvPr>
           <p:cNvSpPr>
             <a:spLocks noGrp="1"/>
           </p:cNvSpPr>
@@ -12837,43 +13171,33 @@
         </p:nvSpPr>
         <p:spPr/>
         <p:txBody>
-          <a:bodyPr>
-            <a:normAutofit/>
-          </a:bodyPr>
+          <a:bodyPr/>
           <a:lstStyle/>
           <a:p>
             <a:r>
               <a:rPr lang="en-US" dirty="0"/>
-              <a:t>Features are hints/rules of thumb you give your model</a:t>
-            </a:r>
-          </a:p>
-          <a:p>
-            <a:pPr lvl="1"/>
-            <a:r>
-              <a:rPr lang="en-US" sz="2000" dirty="0"/>
-              <a:t>Encoding domain knowledge for the model to use</a:t>
-            </a:r>
-          </a:p>
-          <a:p>
+              <a:t>Feature Creation/Engineering</a:t>
+            </a:r>
+            <a:br>
+              <a:rPr lang="en-US" dirty="0"/>
+            </a:br>
             <a:endParaRPr lang="en-US" dirty="0"/>
           </a:p>
           <a:p>
             <a:r>
               <a:rPr lang="en-US" dirty="0"/>
-              <a:t>Feature generation is one of the most important part of the machine learning modeling process.</a:t>
-            </a:r>
-          </a:p>
-          <a:p>
+              <a:t>Introducing Bias in Feature Development</a:t>
+            </a:r>
+            <a:br>
+              <a:rPr lang="en-US" dirty="0"/>
+            </a:br>
             <a:endParaRPr lang="en-US" dirty="0"/>
           </a:p>
           <a:p>
             <a:r>
               <a:rPr lang="en-US" dirty="0"/>
-              <a:t>Complexity in features may allow us to use less complex models that are faster to run, easier to understand and easier to maintain.</a:t>
-            </a:r>
-          </a:p>
-          <a:p>
-            <a:endParaRPr lang="en-US" dirty="0"/>
+              <a:t>Dealing with Missing Data</a:t>
+            </a:r>
           </a:p>
           <a:p>
             <a:endParaRPr lang="en-US" dirty="0"/>
@@ -12883,7 +13207,7 @@
     </p:spTree>
     <p:extLst>
       <p:ext uri="{BB962C8B-B14F-4D97-AF65-F5344CB8AC3E}">
-        <p14:creationId xmlns:p14="http://schemas.microsoft.com/office/powerpoint/2010/main" val="837826461"/>
+        <p14:creationId xmlns:p14="http://schemas.microsoft.com/office/powerpoint/2010/main" val="1721185332"/>
       </p:ext>
     </p:extLst>
   </p:cSld>
@@ -12927,7 +13251,7 @@
           <a:p>
             <a:r>
               <a:rPr lang="en-US" dirty="0"/>
-              <a:t>Practical Pointers</a:t>
+              <a:t>Why do we care?</a:t>
             </a:r>
           </a:p>
         </p:txBody>
@@ -12951,6 +13275,113 @@
           <a:p>
             <a:r>
               <a:rPr lang="en-US" dirty="0"/>
+              <a:t>Features are hints/rules of thumb you give your model</a:t>
+            </a:r>
+          </a:p>
+          <a:p>
+            <a:pPr lvl="1"/>
+            <a:r>
+              <a:rPr lang="en-US" sz="2000" dirty="0"/>
+              <a:t>Encoding domain knowledge for the model to use</a:t>
+            </a:r>
+          </a:p>
+          <a:p>
+            <a:endParaRPr lang="en-US" dirty="0"/>
+          </a:p>
+          <a:p>
+            <a:r>
+              <a:rPr lang="en-US" dirty="0"/>
+              <a:t>Feature generation is one of the most important part of the machine learning modeling process.</a:t>
+            </a:r>
+          </a:p>
+          <a:p>
+            <a:endParaRPr lang="en-US" dirty="0"/>
+          </a:p>
+          <a:p>
+            <a:r>
+              <a:rPr lang="en-US" dirty="0"/>
+              <a:t>Complexity in features may allow us to use less complex models that are faster to run, easier to understand and easier to maintain.</a:t>
+            </a:r>
+          </a:p>
+          <a:p>
+            <a:endParaRPr lang="en-US" dirty="0"/>
+          </a:p>
+          <a:p>
+            <a:endParaRPr lang="en-US" dirty="0"/>
+          </a:p>
+        </p:txBody>
+      </p:sp>
+    </p:spTree>
+    <p:extLst>
+      <p:ext uri="{BB962C8B-B14F-4D97-AF65-F5344CB8AC3E}">
+        <p14:creationId xmlns:p14="http://schemas.microsoft.com/office/powerpoint/2010/main" val="837826461"/>
+      </p:ext>
+    </p:extLst>
+  </p:cSld>
+  <p:clrMapOvr>
+    <a:masterClrMapping/>
+  </p:clrMapOvr>
+</p:sld>
+</file>
+
+<file path=ppt/slides/slide5.xml><?xml version="1.0" encoding="utf-8"?>
+<p:sld xmlns:a="http://schemas.openxmlformats.org/drawingml/2006/main" xmlns:r="http://schemas.openxmlformats.org/officeDocument/2006/relationships" xmlns:p="http://schemas.openxmlformats.org/presentationml/2006/main">
+  <p:cSld>
+    <p:spTree>
+      <p:nvGrpSpPr>
+        <p:cNvPr id="1" name=""/>
+        <p:cNvGrpSpPr/>
+        <p:nvPr/>
+      </p:nvGrpSpPr>
+      <p:grpSpPr>
+        <a:xfrm>
+          <a:off x="0" y="0"/>
+          <a:ext cx="0" cy="0"/>
+          <a:chOff x="0" y="0"/>
+          <a:chExt cx="0" cy="0"/>
+        </a:xfrm>
+      </p:grpSpPr>
+      <p:sp>
+        <p:nvSpPr>
+          <p:cNvPr id="3" name="Title 2"/>
+          <p:cNvSpPr>
+            <a:spLocks noGrp="1"/>
+          </p:cNvSpPr>
+          <p:nvPr>
+            <p:ph type="title"/>
+          </p:nvPr>
+        </p:nvSpPr>
+        <p:spPr/>
+        <p:txBody>
+          <a:bodyPr/>
+          <a:lstStyle/>
+          <a:p>
+            <a:r>
+              <a:rPr lang="en-US" dirty="0"/>
+              <a:t>Practical Pointers</a:t>
+            </a:r>
+          </a:p>
+        </p:txBody>
+      </p:sp>
+      <p:sp>
+        <p:nvSpPr>
+          <p:cNvPr id="2" name="Content Placeholder 1"/>
+          <p:cNvSpPr>
+            <a:spLocks noGrp="1"/>
+          </p:cNvSpPr>
+          <p:nvPr>
+            <p:ph type="body" idx="1"/>
+          </p:nvPr>
+        </p:nvSpPr>
+        <p:spPr/>
+        <p:txBody>
+          <a:bodyPr>
+            <a:normAutofit/>
+          </a:bodyPr>
+          <a:lstStyle/>
+          <a:p>
+            <a:r>
+              <a:rPr lang="en-US" dirty="0"/>
               <a:t>When generating a feature, what did you know and </a:t>
             </a:r>
             <a:r>
@@ -13009,7 +13440,7 @@
 </p:sld>
 </file>
 
-<file path=ppt/slides/slide5.xml><?xml version="1.0" encoding="utf-8"?>
+<file path=ppt/slides/slide6.xml><?xml version="1.0" encoding="utf-8"?>
 <p:sld xmlns:a="http://schemas.openxmlformats.org/drawingml/2006/main" xmlns:r="http://schemas.openxmlformats.org/officeDocument/2006/relationships" xmlns:p="http://schemas.openxmlformats.org/presentationml/2006/main">
   <p:cSld>
     <p:spTree>
@@ -13138,110 +13569,6 @@
 </p:sld>
 </file>
 
-<file path=ppt/slides/slide6.xml><?xml version="1.0" encoding="utf-8"?>
-<p:sld xmlns:a="http://schemas.openxmlformats.org/drawingml/2006/main" xmlns:r="http://schemas.openxmlformats.org/officeDocument/2006/relationships" xmlns:p="http://schemas.openxmlformats.org/presentationml/2006/main">
-  <p:cSld>
-    <p:spTree>
-      <p:nvGrpSpPr>
-        <p:cNvPr id="1" name=""/>
-        <p:cNvGrpSpPr/>
-        <p:nvPr/>
-      </p:nvGrpSpPr>
-      <p:grpSpPr>
-        <a:xfrm>
-          <a:off x="0" y="0"/>
-          <a:ext cx="0" cy="0"/>
-          <a:chOff x="0" y="0"/>
-          <a:chExt cx="0" cy="0"/>
-        </a:xfrm>
-      </p:grpSpPr>
-      <p:sp>
-        <p:nvSpPr>
-          <p:cNvPr id="3" name="Title 2"/>
-          <p:cNvSpPr>
-            <a:spLocks noGrp="1"/>
-          </p:cNvSpPr>
-          <p:nvPr>
-            <p:ph type="title"/>
-          </p:nvPr>
-        </p:nvSpPr>
-        <p:spPr/>
-        <p:txBody>
-          <a:bodyPr/>
-          <a:lstStyle/>
-          <a:p>
-            <a:r>
-              <a:rPr lang="en-US" dirty="0"/>
-              <a:t>Bias in Feature Development</a:t>
-            </a:r>
-          </a:p>
-        </p:txBody>
-      </p:sp>
-      <p:sp>
-        <p:nvSpPr>
-          <p:cNvPr id="2" name="Content Placeholder 1"/>
-          <p:cNvSpPr>
-            <a:spLocks noGrp="1"/>
-          </p:cNvSpPr>
-          <p:nvPr>
-            <p:ph type="body" idx="1"/>
-          </p:nvPr>
-        </p:nvSpPr>
-        <p:spPr/>
-        <p:txBody>
-          <a:bodyPr/>
-          <a:lstStyle/>
-          <a:p>
-            <a:r>
-              <a:rPr lang="en-US" dirty="0"/>
-              <a:t>Is your feature directly measuring what you want it to or a proxy? Is it an equally good proxy across groups?</a:t>
-            </a:r>
-            <a:br>
-              <a:rPr lang="en-US" dirty="0"/>
-            </a:br>
-            <a:endParaRPr lang="en-US" dirty="0"/>
-          </a:p>
-          <a:p>
-            <a:r>
-              <a:rPr lang="en-US" dirty="0"/>
-              <a:t>Is measurement error correlated to group membership?</a:t>
-            </a:r>
-            <a:br>
-              <a:rPr lang="en-US" dirty="0"/>
-            </a:br>
-            <a:endParaRPr lang="en-US" dirty="0"/>
-          </a:p>
-          <a:p>
-            <a:r>
-              <a:rPr lang="en-US" dirty="0"/>
-              <a:t>Does missingness vary across groups?</a:t>
-            </a:r>
-            <a:br>
-              <a:rPr lang="en-US" dirty="0"/>
-            </a:br>
-            <a:endParaRPr lang="en-US" dirty="0"/>
-          </a:p>
-          <a:p>
-            <a:r>
-              <a:rPr lang="en-US" dirty="0"/>
-              <a:t>How does predictiveness of your feature vary by group?</a:t>
-            </a:r>
-          </a:p>
-        </p:txBody>
-      </p:sp>
-    </p:spTree>
-    <p:extLst>
-      <p:ext uri="{BB962C8B-B14F-4D97-AF65-F5344CB8AC3E}">
-        <p14:creationId xmlns:p14="http://schemas.microsoft.com/office/powerpoint/2010/main" val="3586805378"/>
-      </p:ext>
-    </p:extLst>
-  </p:cSld>
-  <p:clrMapOvr>
-    <a:masterClrMapping/>
-  </p:clrMapOvr>
-</p:sld>
-</file>
-
 <file path=ppt/slides/slide7.xml><?xml version="1.0" encoding="utf-8"?>
 <p:sld xmlns:a="http://schemas.openxmlformats.org/drawingml/2006/main" xmlns:r="http://schemas.openxmlformats.org/officeDocument/2006/relationships" xmlns:p="http://schemas.openxmlformats.org/presentationml/2006/main">
   <p:cSld>
@@ -13276,7 +13603,111 @@
           <a:p>
             <a:r>
               <a:rPr lang="en-US" dirty="0"/>
-              <a:t>Bias in Feature Development</a:t>
+              <a:t>Bias in Feature Development: Mechanisms</a:t>
+            </a:r>
+          </a:p>
+        </p:txBody>
+      </p:sp>
+      <p:sp>
+        <p:nvSpPr>
+          <p:cNvPr id="2" name="Content Placeholder 1"/>
+          <p:cNvSpPr>
+            <a:spLocks noGrp="1"/>
+          </p:cNvSpPr>
+          <p:nvPr>
+            <p:ph type="body" idx="1"/>
+          </p:nvPr>
+        </p:nvSpPr>
+        <p:spPr/>
+        <p:txBody>
+          <a:bodyPr/>
+          <a:lstStyle/>
+          <a:p>
+            <a:r>
+              <a:rPr lang="en-US" dirty="0"/>
+              <a:t>Is your feature directly measuring what you want it to or a proxy? Is it an equally good proxy across groups?</a:t>
+            </a:r>
+            <a:br>
+              <a:rPr lang="en-US" dirty="0"/>
+            </a:br>
+            <a:endParaRPr lang="en-US" dirty="0"/>
+          </a:p>
+          <a:p>
+            <a:r>
+              <a:rPr lang="en-US" dirty="0"/>
+              <a:t>Is measurement error correlated to group membership?</a:t>
+            </a:r>
+            <a:br>
+              <a:rPr lang="en-US" dirty="0"/>
+            </a:br>
+            <a:endParaRPr lang="en-US" dirty="0"/>
+          </a:p>
+          <a:p>
+            <a:r>
+              <a:rPr lang="en-US" dirty="0"/>
+              <a:t>Does missingness vary across groups?</a:t>
+            </a:r>
+            <a:br>
+              <a:rPr lang="en-US" dirty="0"/>
+            </a:br>
+            <a:endParaRPr lang="en-US" dirty="0"/>
+          </a:p>
+          <a:p>
+            <a:r>
+              <a:rPr lang="en-US" dirty="0"/>
+              <a:t>How does predictiveness of your feature vary by group?</a:t>
+            </a:r>
+          </a:p>
+        </p:txBody>
+      </p:sp>
+    </p:spTree>
+    <p:extLst>
+      <p:ext uri="{BB962C8B-B14F-4D97-AF65-F5344CB8AC3E}">
+        <p14:creationId xmlns:p14="http://schemas.microsoft.com/office/powerpoint/2010/main" val="3586805378"/>
+      </p:ext>
+    </p:extLst>
+  </p:cSld>
+  <p:clrMapOvr>
+    <a:masterClrMapping/>
+  </p:clrMapOvr>
+</p:sld>
+</file>
+
+<file path=ppt/slides/slide8.xml><?xml version="1.0" encoding="utf-8"?>
+<p:sld xmlns:a="http://schemas.openxmlformats.org/drawingml/2006/main" xmlns:r="http://schemas.openxmlformats.org/officeDocument/2006/relationships" xmlns:p="http://schemas.openxmlformats.org/presentationml/2006/main">
+  <p:cSld>
+    <p:spTree>
+      <p:nvGrpSpPr>
+        <p:cNvPr id="1" name=""/>
+        <p:cNvGrpSpPr/>
+        <p:nvPr/>
+      </p:nvGrpSpPr>
+      <p:grpSpPr>
+        <a:xfrm>
+          <a:off x="0" y="0"/>
+          <a:ext cx="0" cy="0"/>
+          <a:chOff x="0" y="0"/>
+          <a:chExt cx="0" cy="0"/>
+        </a:xfrm>
+      </p:grpSpPr>
+      <p:sp>
+        <p:nvSpPr>
+          <p:cNvPr id="3" name="Title 2"/>
+          <p:cNvSpPr>
+            <a:spLocks noGrp="1"/>
+          </p:cNvSpPr>
+          <p:nvPr>
+            <p:ph type="title"/>
+          </p:nvPr>
+        </p:nvSpPr>
+        <p:spPr/>
+        <p:txBody>
+          <a:bodyPr/>
+          <a:lstStyle/>
+          <a:p>
+            <a:r>
+              <a:rPr lang="en-US" dirty="0"/>
+              <a:t>Bias in Feature Development: Examples</a:t>
             </a:r>
           </a:p>
         </p:txBody>
@@ -13424,138 +13855,6 @@
 </p:sld>
 </file>
 
-<file path=ppt/slides/slide8.xml><?xml version="1.0" encoding="utf-8"?>
-<p:sld xmlns:a="http://schemas.openxmlformats.org/drawingml/2006/main" xmlns:r="http://schemas.openxmlformats.org/officeDocument/2006/relationships" xmlns:p="http://schemas.openxmlformats.org/presentationml/2006/main">
-  <p:cSld>
-    <p:spTree>
-      <p:nvGrpSpPr>
-        <p:cNvPr id="1" name=""/>
-        <p:cNvGrpSpPr/>
-        <p:nvPr/>
-      </p:nvGrpSpPr>
-      <p:grpSpPr>
-        <a:xfrm>
-          <a:off x="0" y="0"/>
-          <a:ext cx="0" cy="0"/>
-          <a:chOff x="0" y="0"/>
-          <a:chExt cx="0" cy="0"/>
-        </a:xfrm>
-      </p:grpSpPr>
-      <p:sp>
-        <p:nvSpPr>
-          <p:cNvPr id="3" name="Title 2"/>
-          <p:cNvSpPr>
-            <a:spLocks noGrp="1"/>
-          </p:cNvSpPr>
-          <p:nvPr>
-            <p:ph type="title"/>
-          </p:nvPr>
-        </p:nvSpPr>
-        <p:spPr/>
-        <p:txBody>
-          <a:bodyPr/>
-          <a:lstStyle/>
-          <a:p>
-            <a:r>
-              <a:rPr lang="en-US" dirty="0"/>
-              <a:t>Feature Generation</a:t>
-            </a:r>
-          </a:p>
-        </p:txBody>
-      </p:sp>
-      <p:sp>
-        <p:nvSpPr>
-          <p:cNvPr id="2" name="Content Placeholder 1"/>
-          <p:cNvSpPr>
-            <a:spLocks noGrp="1"/>
-          </p:cNvSpPr>
-          <p:nvPr>
-            <p:ph type="body" idx="1"/>
-          </p:nvPr>
-        </p:nvSpPr>
-        <p:spPr/>
-        <p:txBody>
-          <a:bodyPr>
-            <a:normAutofit/>
-          </a:bodyPr>
-          <a:lstStyle/>
-          <a:p>
-            <a:r>
-              <a:rPr lang="en-US" dirty="0"/>
-              <a:t>Categorical to Binary (Dummies)</a:t>
-            </a:r>
-          </a:p>
-          <a:p>
-            <a:r>
-              <a:rPr lang="en-US" dirty="0"/>
-              <a:t>Features for missing values</a:t>
-            </a:r>
-          </a:p>
-          <a:p>
-            <a:r>
-              <a:rPr lang="en-US" dirty="0"/>
-              <a:t>Discretization</a:t>
-            </a:r>
-          </a:p>
-          <a:p>
-            <a:r>
-              <a:rPr lang="en-US" dirty="0"/>
-              <a:t>Date/Time Features</a:t>
-            </a:r>
-          </a:p>
-          <a:p>
-            <a:r>
-              <a:rPr lang="en-US" dirty="0"/>
-              <a:t>Scaling/Normalizing</a:t>
-            </a:r>
-          </a:p>
-          <a:p>
-            <a:r>
-              <a:rPr lang="en-US" dirty="0"/>
-              <a:t>Transformations</a:t>
-            </a:r>
-          </a:p>
-          <a:p>
-            <a:r>
-              <a:rPr lang="en-US" b="1" dirty="0"/>
-              <a:t>Aggregations (space, time, space and time)</a:t>
-            </a:r>
-          </a:p>
-          <a:p>
-            <a:r>
-              <a:rPr lang="en-US" b="1" dirty="0"/>
-              <a:t>Relative (compared to the average</a:t>
-            </a:r>
-            <a:r>
-              <a:rPr lang="mr-IN" b="1" dirty="0"/>
-              <a:t>…</a:t>
-            </a:r>
-            <a:r>
-              <a:rPr lang="en-US" b="1" dirty="0"/>
-              <a:t>)</a:t>
-            </a:r>
-          </a:p>
-          <a:p>
-            <a:r>
-              <a:rPr lang="en-US" dirty="0"/>
-              <a:t>Interactions</a:t>
-            </a:r>
-          </a:p>
-        </p:txBody>
-      </p:sp>
-    </p:spTree>
-    <p:extLst>
-      <p:ext uri="{BB962C8B-B14F-4D97-AF65-F5344CB8AC3E}">
-        <p14:creationId xmlns:p14="http://schemas.microsoft.com/office/powerpoint/2010/main" val="273184349"/>
-      </p:ext>
-    </p:extLst>
-  </p:cSld>
-  <p:clrMapOvr>
-    <a:masterClrMapping/>
-  </p:clrMapOvr>
-</p:sld>
-</file>
-
 <file path=ppt/slides/slide9.xml><?xml version="1.0" encoding="utf-8"?>
 <p:sld xmlns:a="http://schemas.openxmlformats.org/drawingml/2006/main" xmlns:r="http://schemas.openxmlformats.org/officeDocument/2006/relationships" xmlns:p="http://schemas.openxmlformats.org/presentationml/2006/main">
   <p:cSld>
@@ -13575,7 +13874,13 @@
       </p:grpSpPr>
       <p:sp>
         <p:nvSpPr>
-          <p:cNvPr id="3" name="Title 2"/>
+          <p:cNvPr id="3" name="Title 2">
+            <a:extLst>
+              <a:ext uri="{FF2B5EF4-FFF2-40B4-BE49-F238E27FC236}">
+                <a16:creationId xmlns:a16="http://schemas.microsoft.com/office/drawing/2014/main" id="{9323871C-7CA8-1448-8FFC-1AE6E1838941}"/>
+              </a:ext>
+            </a:extLst>
+          </p:cNvPr>
           <p:cNvSpPr>
             <a:spLocks noGrp="1"/>
           </p:cNvSpPr>
@@ -13590,14 +13895,20 @@
           <a:p>
             <a:r>
               <a:rPr lang="en-US" dirty="0"/>
-              <a:t>Categorical to Binary</a:t>
+              <a:t>Discussion Question</a:t>
             </a:r>
           </a:p>
         </p:txBody>
       </p:sp>
       <p:sp>
         <p:nvSpPr>
-          <p:cNvPr id="2" name="Content Placeholder 1"/>
+          <p:cNvPr id="4" name="Text Placeholder 3">
+            <a:extLst>
+              <a:ext uri="{FF2B5EF4-FFF2-40B4-BE49-F238E27FC236}">
+                <a16:creationId xmlns:a16="http://schemas.microsoft.com/office/drawing/2014/main" id="{5E600BA7-FA45-884F-9820-9E5F2CB7AA48}"/>
+              </a:ext>
+            </a:extLst>
+          </p:cNvPr>
           <p:cNvSpPr>
             <a:spLocks noGrp="1"/>
           </p:cNvSpPr>
@@ -13610,32 +13921,33 @@
           <a:bodyPr/>
           <a:lstStyle/>
           <a:p>
+            <a:pPr marL="76200" indent="0">
+              <a:buNone/>
+            </a:pPr>
             <a:endParaRPr lang="en-US" dirty="0"/>
           </a:p>
           <a:p>
-            <a:r>
-              <a:rPr lang="en-US" dirty="0"/>
-              <a:t>One vs All (Dummy Variables)</a:t>
-            </a:r>
-            <a:br>
-              <a:rPr lang="en-US" dirty="0"/>
-            </a:br>
+            <a:pPr marL="76200" indent="0">
+              <a:buNone/>
+            </a:pPr>
             <a:endParaRPr lang="en-US" dirty="0"/>
           </a:p>
           <a:p>
-            <a:r>
-              <a:rPr lang="en-US" dirty="0"/>
-              <a:t>Groups</a:t>
-            </a:r>
-            <a:br>
-              <a:rPr lang="en-US" dirty="0"/>
-            </a:br>
-            <a:endParaRPr lang="en-US" dirty="0"/>
-          </a:p>
-          <a:p>
-            <a:r>
-              <a:rPr lang="en-US" dirty="0"/>
-              <a:t>Presence vs Absence</a:t>
+            <a:pPr marL="76200" indent="0" algn="ctr">
+              <a:buNone/>
+            </a:pPr>
+            <a:r>
+              <a:rPr lang="en-US" sz="3600" dirty="0"/>
+              <a:t>In the class project, what are two ways bias might </a:t>
+            </a:r>
+          </a:p>
+          <a:p>
+            <a:pPr marL="76200" indent="0" algn="ctr">
+              <a:buNone/>
+            </a:pPr>
+            <a:r>
+              <a:rPr lang="en-US" sz="3600" dirty="0"/>
+              <a:t>be introduced in your feature development?</a:t>
             </a:r>
           </a:p>
         </p:txBody>
@@ -13643,7 +13955,7 @@
     </p:spTree>
     <p:extLst>
       <p:ext uri="{BB962C8B-B14F-4D97-AF65-F5344CB8AC3E}">
-        <p14:creationId xmlns:p14="http://schemas.microsoft.com/office/powerpoint/2010/main" val="2419787205"/>
+        <p14:creationId xmlns:p14="http://schemas.microsoft.com/office/powerpoint/2010/main" val="3940342555"/>
       </p:ext>
     </p:extLst>
   </p:cSld>

--- a/Lectures/Lecture7-Features.pptx
+++ b/Lectures/Lecture7-Features.pptx
@@ -5,7 +5,7 @@
     <p:sldMasterId id="2147483648" r:id="rId1"/>
   </p:sldMasterIdLst>
   <p:notesMasterIdLst>
-    <p:notesMasterId r:id="rId29"/>
+    <p:notesMasterId r:id="rId30"/>
   </p:notesMasterIdLst>
   <p:sldIdLst>
     <p:sldId id="256" r:id="rId2"/>
@@ -34,7 +34,8 @@
     <p:sldId id="315" r:id="rId25"/>
     <p:sldId id="317" r:id="rId26"/>
     <p:sldId id="322" r:id="rId27"/>
-    <p:sldId id="472" r:id="rId28"/>
+    <p:sldId id="473" r:id="rId28"/>
+    <p:sldId id="472" r:id="rId29"/>
   </p:sldIdLst>
   <p:sldSz cx="12192000" cy="6858000"/>
   <p:notesSz cx="6858000" cy="9144000"/>
@@ -272,7 +273,7 @@
       <p15:sldGuideLst xmlns:p15="http://schemas.microsoft.com/office/powerpoint/2012/main"/>
     </p:ext>
     <p:ext uri="http://customooxmlschemas.google.com/">
-      <go:slidesCustomData xmlns="" xmlns:mc="http://schemas.openxmlformats.org/markup-compatibility/2006" xmlns:mv="urn:schemas-microsoft-com:mac:vml" xmlns:c="http://schemas.openxmlformats.org/drawingml/2006/chart" xmlns:dgm="http://schemas.openxmlformats.org/drawingml/2006/diagram" xmlns:o="urn:schemas-microsoft-com:office:office" xmlns:v="urn:schemas-microsoft-com:vml" xmlns:pvml="urn:schemas-microsoft-com:office:powerpoint" xmlns:com="http://schemas.openxmlformats.org/drawingml/2006/compatibility" xmlns:p14="http://schemas.microsoft.com/office/powerpoint/2010/main" xmlns:p15="http://schemas.microsoft.com/office/powerpoint/2012/main" xmlns:go="http://customooxmlschemas.google.com/" r:id="rId40" roundtripDataSignature="AMtx7mjFyVUGRZWio+dc9dxzYsimUxNJbg=="/>
+      <go:slidesCustomData xmlns:go="http://customooxmlschemas.google.com/" xmlns:p15="http://schemas.microsoft.com/office/powerpoint/2012/main" xmlns:p14="http://schemas.microsoft.com/office/powerpoint/2010/main" xmlns:com="http://schemas.openxmlformats.org/drawingml/2006/compatibility" xmlns:pvml="urn:schemas-microsoft-com:office:powerpoint" xmlns:v="urn:schemas-microsoft-com:vml" xmlns:o="urn:schemas-microsoft-com:office:office" xmlns:dgm="http://schemas.openxmlformats.org/drawingml/2006/diagram" xmlns:c="http://schemas.openxmlformats.org/drawingml/2006/chart" xmlns:mv="urn:schemas-microsoft-com:mac:vml" xmlns:mc="http://schemas.openxmlformats.org/markup-compatibility/2006" xmlns="" r:id="rId40" roundtripDataSignature="AMtx7mjFyVUGRZWio+dc9dxzYsimUxNJbg=="/>
     </p:ext>
   </p:extLst>
 </p:presentation>
@@ -10557,7 +10558,7 @@
             <a:pPr lvl="1"/>
             <a:r>
               <a:rPr lang="en-US" dirty="0"/>
-              <a:t>Lead poisoning problem</a:t>
+              <a:t>Infant mortality</a:t>
             </a:r>
           </a:p>
         </p:txBody>
@@ -10831,13 +10832,9 @@
             </a:r>
           </a:p>
           <a:p>
-            <a:pPr marL="457200" lvl="1" indent="0">
+            <a:pPr marL="565150" lvl="1" indent="0">
               <a:buNone/>
             </a:pPr>
-            <a:endParaRPr lang="en-US" dirty="0"/>
-          </a:p>
-          <a:p>
-            <a:pPr lvl="1"/>
             <a:endParaRPr lang="en-US" dirty="0"/>
           </a:p>
           <a:p>
@@ -12972,6 +12969,89 @@
       </p:grpSpPr>
       <p:sp>
         <p:nvSpPr>
+          <p:cNvPr id="2" name="Title 1">
+            <a:extLst>
+              <a:ext uri="{FF2B5EF4-FFF2-40B4-BE49-F238E27FC236}">
+                <a16:creationId xmlns:a16="http://schemas.microsoft.com/office/drawing/2014/main" id="{98347210-B4BE-4047-93B4-3D7AA966D0F1}"/>
+              </a:ext>
+            </a:extLst>
+          </p:cNvPr>
+          <p:cNvSpPr>
+            <a:spLocks noGrp="1"/>
+          </p:cNvSpPr>
+          <p:nvPr>
+            <p:ph type="title"/>
+          </p:nvPr>
+        </p:nvSpPr>
+        <p:spPr/>
+        <p:txBody>
+          <a:bodyPr/>
+          <a:lstStyle/>
+          <a:p>
+            <a:r>
+              <a:rPr lang="en-US" dirty="0"/>
+              <a:t>How can imputation introduce bias in your models?</a:t>
+            </a:r>
+          </a:p>
+        </p:txBody>
+      </p:sp>
+      <p:sp>
+        <p:nvSpPr>
+          <p:cNvPr id="3" name="Text Placeholder 2">
+            <a:extLst>
+              <a:ext uri="{FF2B5EF4-FFF2-40B4-BE49-F238E27FC236}">
+                <a16:creationId xmlns:a16="http://schemas.microsoft.com/office/drawing/2014/main" id="{8B9D9112-B2A1-D142-B67C-41AA10739FF6}"/>
+              </a:ext>
+            </a:extLst>
+          </p:cNvPr>
+          <p:cNvSpPr>
+            <a:spLocks noGrp="1"/>
+          </p:cNvSpPr>
+          <p:nvPr>
+            <p:ph type="body" idx="1"/>
+          </p:nvPr>
+        </p:nvSpPr>
+        <p:spPr/>
+        <p:txBody>
+          <a:bodyPr/>
+          <a:lstStyle/>
+          <a:p>
+            <a:endParaRPr lang="en-US"/>
+          </a:p>
+        </p:txBody>
+      </p:sp>
+    </p:spTree>
+    <p:extLst>
+      <p:ext uri="{BB962C8B-B14F-4D97-AF65-F5344CB8AC3E}">
+        <p14:creationId xmlns:p14="http://schemas.microsoft.com/office/powerpoint/2010/main" val="2801915227"/>
+      </p:ext>
+    </p:extLst>
+  </p:cSld>
+  <p:clrMapOvr>
+    <a:masterClrMapping/>
+  </p:clrMapOvr>
+</p:sld>
+</file>
+
+<file path=ppt/slides/slide28.xml><?xml version="1.0" encoding="utf-8"?>
+<p:sld xmlns:a="http://schemas.openxmlformats.org/drawingml/2006/main" xmlns:r="http://schemas.openxmlformats.org/officeDocument/2006/relationships" xmlns:p="http://schemas.openxmlformats.org/presentationml/2006/main">
+  <p:cSld>
+    <p:spTree>
+      <p:nvGrpSpPr>
+        <p:cNvPr id="1" name=""/>
+        <p:cNvGrpSpPr/>
+        <p:nvPr/>
+      </p:nvGrpSpPr>
+      <p:grpSpPr>
+        <a:xfrm>
+          <a:off x="0" y="0"/>
+          <a:ext cx="0" cy="0"/>
+          <a:chOff x="0" y="0"/>
+          <a:chExt cx="0" cy="0"/>
+        </a:xfrm>
+      </p:grpSpPr>
+      <p:sp>
+        <p:nvSpPr>
           <p:cNvPr id="3" name="Title 2">
             <a:extLst>
               <a:ext uri="{FF2B5EF4-FFF2-40B4-BE49-F238E27FC236}">
@@ -13282,7 +13362,7 @@
             <a:pPr lvl="1"/>
             <a:r>
               <a:rPr lang="en-US" sz="2000" dirty="0"/>
-              <a:t>Encoding domain knowledge for the model to use</a:t>
+              <a:t>Encoding domain knowledge and context for the model to use</a:t>
             </a:r>
           </a:p>
           <a:p>
@@ -13291,7 +13371,7 @@
           <a:p>
             <a:r>
               <a:rPr lang="en-US" dirty="0"/>
-              <a:t>Feature generation is one of the most important part of the machine learning modeling process.</a:t>
+              <a:t>Feature generation is a critical part of the machine learning modeling process, especially with structured data.</a:t>
             </a:r>
           </a:p>
           <a:p>
@@ -13397,7 +13477,7 @@
             <a:pPr lvl="1"/>
             <a:r>
               <a:rPr lang="en-US" dirty="0"/>
-              <a:t>You can only create features form information available </a:t>
+              <a:t>You can only create features from information available </a:t>
             </a:r>
             <a:r>
               <a:rPr lang="en-US" sz="3200" b="1" dirty="0">
@@ -13419,7 +13499,7 @@
           <a:p>
             <a:r>
               <a:rPr lang="en-US" dirty="0"/>
-              <a:t>Domain / expert knowledge and prior research in the field can help a lot!</a:t>
+              <a:t>Domain/expert knowledge and prior research in the field can help a lot!</a:t>
             </a:r>
           </a:p>
           <a:p>

--- a/Lectures/Lecture7-Features.pptx
+++ b/Lectures/Lecture7-Features.pptx
@@ -29,10 +29,10 @@
     <p:sldId id="310" r:id="rId20"/>
     <p:sldId id="312" r:id="rId21"/>
     <p:sldId id="313" r:id="rId22"/>
-    <p:sldId id="314" r:id="rId23"/>
-    <p:sldId id="316" r:id="rId24"/>
-    <p:sldId id="315" r:id="rId25"/>
-    <p:sldId id="317" r:id="rId26"/>
+    <p:sldId id="317" r:id="rId23"/>
+    <p:sldId id="314" r:id="rId24"/>
+    <p:sldId id="316" r:id="rId25"/>
+    <p:sldId id="315" r:id="rId26"/>
     <p:sldId id="322" r:id="rId27"/>
     <p:sldId id="473" r:id="rId28"/>
     <p:sldId id="472" r:id="rId29"/>
@@ -273,7 +273,7 @@
       <p15:sldGuideLst xmlns:p15="http://schemas.microsoft.com/office/powerpoint/2012/main"/>
     </p:ext>
     <p:ext uri="http://customooxmlschemas.google.com/">
-      <go:slidesCustomData xmlns:go="http://customooxmlschemas.google.com/" xmlns:p15="http://schemas.microsoft.com/office/powerpoint/2012/main" xmlns:p14="http://schemas.microsoft.com/office/powerpoint/2010/main" xmlns:com="http://schemas.openxmlformats.org/drawingml/2006/compatibility" xmlns:pvml="urn:schemas-microsoft-com:office:powerpoint" xmlns:v="urn:schemas-microsoft-com:vml" xmlns:o="urn:schemas-microsoft-com:office:office" xmlns:dgm="http://schemas.openxmlformats.org/drawingml/2006/diagram" xmlns:c="http://schemas.openxmlformats.org/drawingml/2006/chart" xmlns:mv="urn:schemas-microsoft-com:mac:vml" xmlns:mc="http://schemas.openxmlformats.org/markup-compatibility/2006" xmlns="" r:id="rId40" roundtripDataSignature="AMtx7mjFyVUGRZWio+dc9dxzYsimUxNJbg=="/>
+      <go:slidesCustomData xmlns="" xmlns:mc="http://schemas.openxmlformats.org/markup-compatibility/2006" xmlns:mv="urn:schemas-microsoft-com:mac:vml" xmlns:c="http://schemas.openxmlformats.org/drawingml/2006/chart" xmlns:dgm="http://schemas.openxmlformats.org/drawingml/2006/diagram" xmlns:o="urn:schemas-microsoft-com:office:office" xmlns:v="urn:schemas-microsoft-com:vml" xmlns:pvml="urn:schemas-microsoft-com:office:powerpoint" xmlns:com="http://schemas.openxmlformats.org/drawingml/2006/compatibility" xmlns:p14="http://schemas.microsoft.com/office/powerpoint/2010/main" xmlns:p15="http://schemas.microsoft.com/office/powerpoint/2012/main" xmlns:go="http://customooxmlschemas.google.com/" r:id="rId40" roundtripDataSignature="AMtx7mjFyVUGRZWio+dc9dxzYsimUxNJbg=="/>
     </p:ext>
   </p:extLst>
 </p:presentation>
@@ -11856,13 +11856,27 @@
             <p:ph type="body" idx="1"/>
           </p:nvPr>
         </p:nvSpPr>
-        <p:spPr/>
+        <p:spPr>
+          <a:xfrm>
+            <a:off x="415600" y="1601179"/>
+            <a:ext cx="11360700" cy="4555200"/>
+          </a:xfrm>
+        </p:spPr>
         <p:txBody>
           <a:bodyPr/>
           <a:lstStyle/>
           <a:p>
             <a:r>
               <a:rPr lang="en-US" dirty="0"/>
+              <a:t>Nothing?</a:t>
+            </a:r>
+          </a:p>
+          <a:p>
+            <a:endParaRPr lang="en-US" dirty="0"/>
+          </a:p>
+          <a:p>
+            <a:r>
+              <a:rPr lang="en-US" dirty="0"/>
               <a:t>Central Tendency: Mean / Median / Mode</a:t>
             </a:r>
             <a:br>
@@ -11873,46 +11887,50 @@
           <a:p>
             <a:r>
               <a:rPr lang="en-US" dirty="0"/>
+              <a:t>ML methods that handle missing data (e.g., </a:t>
+            </a:r>
+            <a:r>
+              <a:rPr lang="en-US" dirty="0" err="1"/>
+              <a:t>xgboost</a:t>
+            </a:r>
+            <a:r>
+              <a:rPr lang="en-US" dirty="0"/>
+              <a:t>)</a:t>
+            </a:r>
+          </a:p>
+          <a:p>
+            <a:endParaRPr lang="en-US" dirty="0"/>
+          </a:p>
+          <a:p>
+            <a:r>
+              <a:rPr lang="en-US" dirty="0"/>
+              <a:t>Others</a:t>
+            </a:r>
+          </a:p>
+          <a:p>
+            <a:pPr lvl="1"/>
+            <a:r>
+              <a:rPr lang="en-US" dirty="0"/>
               <a:t>Regression</a:t>
+            </a:r>
+          </a:p>
+          <a:p>
+            <a:pPr lvl="1"/>
+            <a:r>
+              <a:rPr lang="en-US" dirty="0"/>
+              <a:t>k-Nearest Neighbor</a:t>
+            </a:r>
+          </a:p>
+          <a:p>
+            <a:pPr lvl="1"/>
+            <a:r>
+              <a:rPr lang="en-US" dirty="0"/>
+              <a:t>Multiple Imputation</a:t>
             </a:r>
             <a:br>
               <a:rPr lang="en-US" dirty="0"/>
             </a:br>
             <a:endParaRPr lang="en-US" dirty="0"/>
-          </a:p>
-          <a:p>
-            <a:r>
-              <a:rPr lang="en-US" dirty="0"/>
-              <a:t>k-Nearest Neighbor</a:t>
-            </a:r>
-            <a:br>
-              <a:rPr lang="en-US" dirty="0"/>
-            </a:br>
-            <a:endParaRPr lang="en-US" dirty="0"/>
-          </a:p>
-          <a:p>
-            <a:r>
-              <a:rPr lang="en-US" dirty="0"/>
-              <a:t>Multiple Imputation</a:t>
-            </a:r>
-            <a:br>
-              <a:rPr lang="en-US" dirty="0"/>
-            </a:br>
-            <a:endParaRPr lang="en-US" dirty="0"/>
-          </a:p>
-          <a:p>
-            <a:r>
-              <a:rPr lang="en-US" dirty="0"/>
-              <a:t>ML methods that handle missing data (e.g., </a:t>
-            </a:r>
-            <a:r>
-              <a:rPr lang="en-US" dirty="0" err="1"/>
-              <a:t>xgboost</a:t>
-            </a:r>
-            <a:r>
-              <a:rPr lang="en-US" dirty="0"/>
-              <a:t>)</a:t>
-            </a:r>
           </a:p>
         </p:txBody>
       </p:sp>
@@ -12145,7 +12163,7 @@
           <a:p>
             <a:r>
               <a:rPr lang="en-US" dirty="0"/>
-              <a:t>Imputing – Regression</a:t>
+              <a:t>Imputing – ML Methods with Missing Data Handling</a:t>
             </a:r>
           </a:p>
         </p:txBody>
@@ -12167,7 +12185,15 @@
           <a:p>
             <a:r>
               <a:rPr lang="en-US" dirty="0"/>
-              <a:t>Make use of information in correlated features, more flexible than central tendency</a:t>
+              <a:t>Some models have built-in handling of missing data, such as </a:t>
+            </a:r>
+            <a:r>
+              <a:rPr lang="en-US" dirty="0" err="1"/>
+              <a:t>xgboost</a:t>
+            </a:r>
+            <a:r>
+              <a:rPr lang="en-US" dirty="0"/>
+              <a:t> (which decides which direction to send missing values at each split)</a:t>
             </a:r>
             <a:br>
               <a:rPr lang="en-US" dirty="0"/>
@@ -12177,7 +12203,7 @@
           <a:p>
             <a:r>
               <a:rPr lang="en-US" dirty="0"/>
-              <a:t>However, may not be flexible enough to capture complex relationships or interactions</a:t>
+              <a:t>May not be the best modeling method for your problem, don’t want to be locked into certain type of model</a:t>
             </a:r>
             <a:br>
               <a:rPr lang="en-US" dirty="0"/>
@@ -12187,17 +12213,7 @@
           <a:p>
             <a:r>
               <a:rPr lang="en-US" dirty="0"/>
-              <a:t>May be somewhat more computationally expensive </a:t>
-            </a:r>
-            <a:br>
-              <a:rPr lang="en-US" dirty="0"/>
-            </a:br>
-            <a:endParaRPr lang="en-US" dirty="0"/>
-          </a:p>
-          <a:p>
-            <a:r>
-              <a:rPr lang="en-US" dirty="0"/>
-              <a:t>Generally will still underestimate variation in data</a:t>
+              <a:t>Nevertheless, worth exploring performance of other imputation methods even when using these models as well</a:t>
             </a:r>
           </a:p>
         </p:txBody>
@@ -12205,7 +12221,7 @@
     </p:spTree>
     <p:extLst>
       <p:ext uri="{BB962C8B-B14F-4D97-AF65-F5344CB8AC3E}">
-        <p14:creationId xmlns:p14="http://schemas.microsoft.com/office/powerpoint/2010/main" val="3808227576"/>
+        <p14:creationId xmlns:p14="http://schemas.microsoft.com/office/powerpoint/2010/main" val="2521997284"/>
       </p:ext>
     </p:extLst>
   </p:cSld>
@@ -12327,7 +12343,7 @@
           <a:p>
             <a:r>
               <a:rPr lang="en-US" dirty="0"/>
-              <a:t>Imputing – k-Nearest Neighbor</a:t>
+              <a:t>Imputing – Regression</a:t>
             </a:r>
           </a:p>
         </p:txBody>
@@ -12349,7 +12365,7 @@
           <a:p>
             <a:r>
               <a:rPr lang="en-US" dirty="0"/>
-              <a:t>More flexible option, capture more complexity in relationships in data</a:t>
+              <a:t>Make use of information in correlated features, more flexible than central tendency</a:t>
             </a:r>
             <a:br>
               <a:rPr lang="en-US" dirty="0"/>
@@ -12359,7 +12375,7 @@
           <a:p>
             <a:r>
               <a:rPr lang="en-US" dirty="0"/>
-              <a:t>Difficult to choose appropriate distance metric, value of k</a:t>
+              <a:t>However, may not be flexible enough to capture complex relationships or interactions</a:t>
             </a:r>
             <a:br>
               <a:rPr lang="en-US" dirty="0"/>
@@ -12369,7 +12385,7 @@
           <a:p>
             <a:r>
               <a:rPr lang="en-US" dirty="0"/>
-              <a:t>More computationally expensive than other methods of imputation</a:t>
+              <a:t>May be somewhat more computationally expensive </a:t>
             </a:r>
             <a:br>
               <a:rPr lang="en-US" dirty="0"/>
@@ -12379,7 +12395,7 @@
           <a:p>
             <a:r>
               <a:rPr lang="en-US" dirty="0"/>
-              <a:t>Requires entire training set to calculate imputed values for new examples</a:t>
+              <a:t>Generally will still underestimate variation in data</a:t>
             </a:r>
           </a:p>
         </p:txBody>
@@ -12387,7 +12403,7 @@
     </p:spTree>
     <p:extLst>
       <p:ext uri="{BB962C8B-B14F-4D97-AF65-F5344CB8AC3E}">
-        <p14:creationId xmlns:p14="http://schemas.microsoft.com/office/powerpoint/2010/main" val="3729575760"/>
+        <p14:creationId xmlns:p14="http://schemas.microsoft.com/office/powerpoint/2010/main" val="3808227576"/>
       </p:ext>
     </p:extLst>
   </p:cSld>
@@ -12509,7 +12525,7 @@
           <a:p>
             <a:r>
               <a:rPr lang="en-US" dirty="0"/>
-              <a:t>Imputing – Multiple Imputation</a:t>
+              <a:t>Imputing – k-Nearest Neighbor</a:t>
             </a:r>
           </a:p>
         </p:txBody>
@@ -12531,7 +12547,7 @@
           <a:p>
             <a:r>
               <a:rPr lang="en-US" dirty="0"/>
-              <a:t>Create multiple “complete” datasets with different values using different regression models</a:t>
+              <a:t>More flexible option, capture more complexity in relationships in data</a:t>
             </a:r>
             <a:br>
               <a:rPr lang="en-US" dirty="0"/>
@@ -12541,7 +12557,7 @@
           <a:p>
             <a:r>
               <a:rPr lang="en-US" dirty="0"/>
-              <a:t>Helps analyze sensitivity to handling of missing values</a:t>
+              <a:t>Difficult to choose appropriate distance metric, value of k</a:t>
             </a:r>
             <a:br>
               <a:rPr lang="en-US" dirty="0"/>
@@ -12551,7 +12567,7 @@
           <a:p>
             <a:r>
               <a:rPr lang="en-US" dirty="0"/>
-              <a:t>Much more computationally expensive, both for imputation and downstream modeling</a:t>
+              <a:t>More computationally expensive than other methods of imputation</a:t>
             </a:r>
             <a:br>
               <a:rPr lang="en-US" dirty="0"/>
@@ -12561,7 +12577,7 @@
           <a:p>
             <a:r>
               <a:rPr lang="en-US" dirty="0"/>
-              <a:t>Can provide better representation of variability in data</a:t>
+              <a:t>Requires entire training set to calculate imputed values for new examples</a:t>
             </a:r>
           </a:p>
         </p:txBody>
@@ -12569,7 +12585,7 @@
     </p:spTree>
     <p:extLst>
       <p:ext uri="{BB962C8B-B14F-4D97-AF65-F5344CB8AC3E}">
-        <p14:creationId xmlns:p14="http://schemas.microsoft.com/office/powerpoint/2010/main" val="2069799902"/>
+        <p14:creationId xmlns:p14="http://schemas.microsoft.com/office/powerpoint/2010/main" val="3729575760"/>
       </p:ext>
     </p:extLst>
   </p:cSld>
@@ -12691,7 +12707,7 @@
           <a:p>
             <a:r>
               <a:rPr lang="en-US" dirty="0"/>
-              <a:t>Imputing – ML Methods with Missing Data Handling</a:t>
+              <a:t>Imputing – Multiple Imputation</a:t>
             </a:r>
           </a:p>
         </p:txBody>
@@ -12713,15 +12729,7 @@
           <a:p>
             <a:r>
               <a:rPr lang="en-US" dirty="0"/>
-              <a:t>Some models have built-in handling of missing data, such as </a:t>
-            </a:r>
-            <a:r>
-              <a:rPr lang="en-US" dirty="0" err="1"/>
-              <a:t>xgboost</a:t>
-            </a:r>
-            <a:r>
-              <a:rPr lang="en-US" dirty="0"/>
-              <a:t> (which decides which direction to send missing values at each split)</a:t>
+              <a:t>Create multiple “complete” datasets with different values using different regression models</a:t>
             </a:r>
             <a:br>
               <a:rPr lang="en-US" dirty="0"/>
@@ -12731,7 +12739,7 @@
           <a:p>
             <a:r>
               <a:rPr lang="en-US" dirty="0"/>
-              <a:t>May not be the best modeling method for your problem, don’t want to be locked into certain type of model</a:t>
+              <a:t>Helps analyze sensitivity to handling of missing values</a:t>
             </a:r>
             <a:br>
               <a:rPr lang="en-US" dirty="0"/>
@@ -12741,7 +12749,17 @@
           <a:p>
             <a:r>
               <a:rPr lang="en-US" dirty="0"/>
-              <a:t>Nevertheless, worth exploring performance of other imputation methods even when using these models as well</a:t>
+              <a:t>Much more computationally expensive, both for imputation and downstream modeling</a:t>
+            </a:r>
+            <a:br>
+              <a:rPr lang="en-US" dirty="0"/>
+            </a:br>
+            <a:endParaRPr lang="en-US" dirty="0"/>
+          </a:p>
+          <a:p>
+            <a:r>
+              <a:rPr lang="en-US" dirty="0"/>
+              <a:t>Can provide better representation of variability in data</a:t>
             </a:r>
           </a:p>
         </p:txBody>
@@ -12749,7 +12767,7 @@
     </p:spTree>
     <p:extLst>
       <p:ext uri="{BB962C8B-B14F-4D97-AF65-F5344CB8AC3E}">
-        <p14:creationId xmlns:p14="http://schemas.microsoft.com/office/powerpoint/2010/main" val="2521997284"/>
+        <p14:creationId xmlns:p14="http://schemas.microsoft.com/office/powerpoint/2010/main" val="2069799902"/>
       </p:ext>
     </p:extLst>
   </p:cSld>
@@ -13720,13 +13738,6 @@
             <a:br>
               <a:rPr lang="en-US" dirty="0"/>
             </a:br>
-            <a:endParaRPr lang="en-US" dirty="0"/>
-          </a:p>
-          <a:p>
-            <a:r>
-              <a:rPr lang="en-US" dirty="0"/>
-              <a:t>Does missingness vary across groups?</a:t>
-            </a:r>
             <a:br>
               <a:rPr lang="en-US" dirty="0"/>
             </a:br>
@@ -13736,6 +13747,15 @@
             <a:r>
               <a:rPr lang="en-US" dirty="0"/>
               <a:t>How does predictiveness of your feature vary by group?</a:t>
+            </a:r>
+          </a:p>
+          <a:p>
+            <a:endParaRPr lang="en-US" dirty="0"/>
+          </a:p>
+          <a:p>
+            <a:r>
+              <a:rPr lang="en-US" dirty="0"/>
+              <a:t>Does missingness vary across groups?</a:t>
             </a:r>
           </a:p>
         </p:txBody>

--- a/Lectures/Lecture7-Features.pptx
+++ b/Lectures/Lecture7-Features.pptx
@@ -5,37 +5,43 @@
     <p:sldMasterId id="2147483648" r:id="rId1"/>
   </p:sldMasterIdLst>
   <p:notesMasterIdLst>
-    <p:notesMasterId r:id="rId30"/>
+    <p:notesMasterId r:id="rId36"/>
   </p:notesMasterIdLst>
   <p:sldIdLst>
     <p:sldId id="256" r:id="rId2"/>
-    <p:sldId id="471" r:id="rId3"/>
+    <p:sldId id="474" r:id="rId3"/>
     <p:sldId id="282" r:id="rId4"/>
-    <p:sldId id="274" r:id="rId5"/>
-    <p:sldId id="309" r:id="rId6"/>
-    <p:sldId id="301" r:id="rId7"/>
-    <p:sldId id="303" r:id="rId8"/>
-    <p:sldId id="320" r:id="rId9"/>
-    <p:sldId id="295" r:id="rId10"/>
-    <p:sldId id="300" r:id="rId11"/>
-    <p:sldId id="302" r:id="rId12"/>
-    <p:sldId id="304" r:id="rId13"/>
-    <p:sldId id="277" r:id="rId14"/>
-    <p:sldId id="321" r:id="rId15"/>
-    <p:sldId id="278" r:id="rId16"/>
-    <p:sldId id="280" r:id="rId17"/>
-    <p:sldId id="279" r:id="rId18"/>
-    <p:sldId id="306" r:id="rId19"/>
-    <p:sldId id="310" r:id="rId20"/>
-    <p:sldId id="312" r:id="rId21"/>
-    <p:sldId id="313" r:id="rId22"/>
-    <p:sldId id="317" r:id="rId23"/>
-    <p:sldId id="314" r:id="rId24"/>
-    <p:sldId id="316" r:id="rId25"/>
-    <p:sldId id="315" r:id="rId26"/>
-    <p:sldId id="322" r:id="rId27"/>
-    <p:sldId id="473" r:id="rId28"/>
-    <p:sldId id="472" r:id="rId29"/>
+    <p:sldId id="428" r:id="rId5"/>
+    <p:sldId id="475" r:id="rId6"/>
+    <p:sldId id="476" r:id="rId7"/>
+    <p:sldId id="477" r:id="rId8"/>
+    <p:sldId id="274" r:id="rId9"/>
+    <p:sldId id="309" r:id="rId10"/>
+    <p:sldId id="301" r:id="rId11"/>
+    <p:sldId id="303" r:id="rId12"/>
+    <p:sldId id="320" r:id="rId13"/>
+    <p:sldId id="295" r:id="rId14"/>
+    <p:sldId id="300" r:id="rId15"/>
+    <p:sldId id="478" r:id="rId16"/>
+    <p:sldId id="479" r:id="rId17"/>
+    <p:sldId id="302" r:id="rId18"/>
+    <p:sldId id="304" r:id="rId19"/>
+    <p:sldId id="277" r:id="rId20"/>
+    <p:sldId id="321" r:id="rId21"/>
+    <p:sldId id="278" r:id="rId22"/>
+    <p:sldId id="280" r:id="rId23"/>
+    <p:sldId id="279" r:id="rId24"/>
+    <p:sldId id="306" r:id="rId25"/>
+    <p:sldId id="310" r:id="rId26"/>
+    <p:sldId id="312" r:id="rId27"/>
+    <p:sldId id="313" r:id="rId28"/>
+    <p:sldId id="317" r:id="rId29"/>
+    <p:sldId id="314" r:id="rId30"/>
+    <p:sldId id="316" r:id="rId31"/>
+    <p:sldId id="315" r:id="rId32"/>
+    <p:sldId id="322" r:id="rId33"/>
+    <p:sldId id="473" r:id="rId34"/>
+    <p:sldId id="471" r:id="rId35"/>
   </p:sldIdLst>
   <p:sldSz cx="12192000" cy="6858000"/>
   <p:notesSz cx="6858000" cy="9144000"/>
@@ -273,7 +279,7 @@
       <p15:sldGuideLst xmlns:p15="http://schemas.microsoft.com/office/powerpoint/2012/main"/>
     </p:ext>
     <p:ext uri="http://customooxmlschemas.google.com/">
-      <go:slidesCustomData xmlns="" xmlns:mc="http://schemas.openxmlformats.org/markup-compatibility/2006" xmlns:mv="urn:schemas-microsoft-com:mac:vml" xmlns:c="http://schemas.openxmlformats.org/drawingml/2006/chart" xmlns:dgm="http://schemas.openxmlformats.org/drawingml/2006/diagram" xmlns:o="urn:schemas-microsoft-com:office:office" xmlns:v="urn:schemas-microsoft-com:vml" xmlns:pvml="urn:schemas-microsoft-com:office:powerpoint" xmlns:com="http://schemas.openxmlformats.org/drawingml/2006/compatibility" xmlns:p14="http://schemas.microsoft.com/office/powerpoint/2010/main" xmlns:p15="http://schemas.microsoft.com/office/powerpoint/2012/main" xmlns:go="http://customooxmlschemas.google.com/" r:id="rId40" roundtripDataSignature="AMtx7mjFyVUGRZWio+dc9dxzYsimUxNJbg=="/>
+      <go:slidesCustomData xmlns:go="http://customooxmlschemas.google.com/" xmlns:p15="http://schemas.microsoft.com/office/powerpoint/2012/main" xmlns:p14="http://schemas.microsoft.com/office/powerpoint/2010/main" xmlns:com="http://schemas.openxmlformats.org/drawingml/2006/compatibility" xmlns:pvml="urn:schemas-microsoft-com:office:powerpoint" xmlns:v="urn:schemas-microsoft-com:vml" xmlns:o="urn:schemas-microsoft-com:office:office" xmlns:dgm="http://schemas.openxmlformats.org/drawingml/2006/diagram" xmlns:c="http://schemas.openxmlformats.org/drawingml/2006/chart" xmlns:mv="urn:schemas-microsoft-com:mac:vml" xmlns:mc="http://schemas.openxmlformats.org/markup-compatibility/2006" xmlns="" r:id="rId40" roundtripDataSignature="AMtx7mjFyVUGRZWio+dc9dxzYsimUxNJbg=="/>
     </p:ext>
   </p:extLst>
 </p:presentation>
@@ -4554,7 +4560,7 @@
           <a:p>
             <a:fld id="{87916DAE-669F-3546-9A68-DB1260F5EB98}" type="slidenum">
               <a:rPr lang="en-US" smtClean="0"/>
-              <a:t>4</a:t>
+              <a:t>8</a:t>
             </a:fld>
             <a:endParaRPr lang="en-US"/>
           </a:p>
@@ -4638,7 +4644,7 @@
           <a:p>
             <a:fld id="{87916DAE-669F-3546-9A68-DB1260F5EB98}" type="slidenum">
               <a:rPr lang="en-US" smtClean="0"/>
-              <a:t>5</a:t>
+              <a:t>9</a:t>
             </a:fld>
             <a:endParaRPr lang="en-US"/>
           </a:p>
@@ -10254,102 +10260,99 @@
             <p:ph type="title"/>
           </p:nvPr>
         </p:nvSpPr>
-        <p:spPr/>
+        <p:spPr>
+          <a:xfrm>
+            <a:off x="415600" y="86585"/>
+            <a:ext cx="11360700" cy="763500"/>
+          </a:xfrm>
+        </p:spPr>
         <p:txBody>
           <a:bodyPr/>
           <a:lstStyle/>
           <a:p>
             <a:r>
               <a:rPr lang="en-US" dirty="0"/>
-              <a:t>Feature Generation</a:t>
+              <a:t>Feature development is an </a:t>
+            </a:r>
+            <a:r>
+              <a:rPr lang="en-US" b="1" dirty="0"/>
+              <a:t>iterative</a:t>
+            </a:r>
+            <a:r>
+              <a:rPr lang="en-US" dirty="0"/>
+              <a:t> process</a:t>
             </a:r>
           </a:p>
         </p:txBody>
       </p:sp>
+      <p:graphicFrame>
+        <p:nvGraphicFramePr>
+          <p:cNvPr id="4" name="Content Placeholder 3"/>
+          <p:cNvGraphicFramePr>
+            <a:graphicFrameLocks noGrp="1"/>
+          </p:cNvGraphicFramePr>
+          <p:nvPr>
+            <p:ph idx="4294967295"/>
+            <p:extLst>
+              <p:ext uri="{D42A27DB-BD31-4B8C-83A1-F6EECF244321}">
+                <p14:modId xmlns:p14="http://schemas.microsoft.com/office/powerpoint/2010/main" val="2865556934"/>
+              </p:ext>
+            </p:extLst>
+          </p:nvPr>
+        </p:nvGraphicFramePr>
+        <p:xfrm>
+          <a:off x="1990675" y="2420472"/>
+          <a:ext cx="7013476" cy="4142572"/>
+        </p:xfrm>
+        <a:graphic>
+          <a:graphicData uri="http://schemas.openxmlformats.org/drawingml/2006/diagram">
+            <dgm:relIds xmlns:dgm="http://schemas.openxmlformats.org/drawingml/2006/diagram" xmlns:r="http://schemas.openxmlformats.org/officeDocument/2006/relationships" r:dm="rId2" r:lo="rId3" r:qs="rId4" r:cs="rId5"/>
+          </a:graphicData>
+        </a:graphic>
+      </p:graphicFrame>
       <p:sp>
         <p:nvSpPr>
-          <p:cNvPr id="2" name="Content Placeholder 1"/>
-          <p:cNvSpPr>
-            <a:spLocks noGrp="1"/>
-          </p:cNvSpPr>
-          <p:nvPr>
-            <p:ph type="body" idx="1"/>
-          </p:nvPr>
+          <p:cNvPr id="2" name="Rectangle 1">
+            <a:extLst>
+              <a:ext uri="{FF2B5EF4-FFF2-40B4-BE49-F238E27FC236}">
+                <a16:creationId xmlns:a16="http://schemas.microsoft.com/office/drawing/2014/main" id="{62AA2596-889F-CA4A-81F2-861C7AF734E0}"/>
+              </a:ext>
+            </a:extLst>
+          </p:cNvPr>
+          <p:cNvSpPr/>
+          <p:nvPr/>
         </p:nvSpPr>
-        <p:spPr/>
+        <p:spPr>
+          <a:xfrm>
+            <a:off x="347830" y="1530907"/>
+            <a:ext cx="11360699" cy="1015663"/>
+          </a:xfrm>
+          <a:prstGeom prst="rect">
+            <a:avLst/>
+          </a:prstGeom>
+        </p:spPr>
         <p:txBody>
-          <a:bodyPr>
-            <a:normAutofit/>
+          <a:bodyPr wrap="square">
+            <a:spAutoFit/>
           </a:bodyPr>
           <a:lstStyle/>
           <a:p>
-            <a:r>
-              <a:rPr lang="en-US" dirty="0"/>
-              <a:t>Categorical to Binary (Dummies)</a:t>
-            </a:r>
-          </a:p>
-          <a:p>
-            <a:r>
-              <a:rPr lang="en-US" dirty="0"/>
-              <a:t>Features for missing values</a:t>
-            </a:r>
-          </a:p>
-          <a:p>
-            <a:r>
-              <a:rPr lang="en-US" dirty="0"/>
-              <a:t>Discretization</a:t>
-            </a:r>
-          </a:p>
-          <a:p>
-            <a:r>
-              <a:rPr lang="en-US" dirty="0"/>
-              <a:t>Date/Time Features</a:t>
-            </a:r>
-          </a:p>
-          <a:p>
-            <a:r>
-              <a:rPr lang="en-US" dirty="0"/>
-              <a:t>Scaling/Normalizing</a:t>
-            </a:r>
-          </a:p>
-          <a:p>
-            <a:r>
-              <a:rPr lang="en-US" dirty="0"/>
-              <a:t>Transformations</a:t>
-            </a:r>
-          </a:p>
-          <a:p>
-            <a:r>
-              <a:rPr lang="en-US" b="1" dirty="0"/>
-              <a:t>Aggregations (space, time, space and time)</a:t>
-            </a:r>
-          </a:p>
-          <a:p>
-            <a:r>
-              <a:rPr lang="en-US" b="1" dirty="0"/>
-              <a:t>Relative (compared to the average</a:t>
-            </a:r>
-            <a:r>
-              <a:rPr lang="mr-IN" b="1" dirty="0"/>
-              <a:t>…</a:t>
-            </a:r>
-            <a:r>
-              <a:rPr lang="en-US" b="1" dirty="0"/>
-              <a:t>)</a:t>
-            </a:r>
-          </a:p>
-          <a:p>
-            <a:r>
-              <a:rPr lang="en-US" dirty="0"/>
-              <a:t>Interactions</a:t>
-            </a:r>
+            <a:pPr lvl="1"/>
+            <a:r>
+              <a:rPr lang="en-US" sz="2000" dirty="0"/>
+              <a:t>Start simple: build a couple features (from each data source) you think are most important and expand from there</a:t>
+            </a:r>
+            <a:br>
+              <a:rPr lang="en-US" sz="2000" dirty="0"/>
+            </a:br>
+            <a:endParaRPr lang="en-US" sz="2000" dirty="0"/>
           </a:p>
         </p:txBody>
       </p:sp>
     </p:spTree>
     <p:extLst>
       <p:ext uri="{BB962C8B-B14F-4D97-AF65-F5344CB8AC3E}">
-        <p14:creationId xmlns:p14="http://schemas.microsoft.com/office/powerpoint/2010/main" val="273184349"/>
+        <p14:creationId xmlns:p14="http://schemas.microsoft.com/office/powerpoint/2010/main" val="771801604"/>
       </p:ext>
     </p:extLst>
   </p:cSld>
@@ -10393,7 +10396,7 @@
           <a:p>
             <a:r>
               <a:rPr lang="en-US" dirty="0"/>
-              <a:t>Categorical to Binary</a:t>
+              <a:t>Bias in Feature Development: Mechanisms</a:t>
             </a:r>
           </a:p>
         </p:txBody>
@@ -10413,6 +10416,1391 @@
           <a:bodyPr/>
           <a:lstStyle/>
           <a:p>
+            <a:r>
+              <a:rPr lang="en-US" dirty="0"/>
+              <a:t>Is your feature directly measuring what you want it to or a proxy? Is it an equally good proxy across groups?</a:t>
+            </a:r>
+            <a:br>
+              <a:rPr lang="en-US" dirty="0"/>
+            </a:br>
+            <a:endParaRPr lang="en-US" dirty="0"/>
+          </a:p>
+          <a:p>
+            <a:r>
+              <a:rPr lang="en-US" dirty="0"/>
+              <a:t>Is measurement error correlated to group membership?</a:t>
+            </a:r>
+            <a:br>
+              <a:rPr lang="en-US" dirty="0"/>
+            </a:br>
+            <a:br>
+              <a:rPr lang="en-US" dirty="0"/>
+            </a:br>
+            <a:endParaRPr lang="en-US" dirty="0"/>
+          </a:p>
+          <a:p>
+            <a:r>
+              <a:rPr lang="en-US" dirty="0"/>
+              <a:t>How does predictiveness of your feature vary by group?</a:t>
+            </a:r>
+          </a:p>
+          <a:p>
+            <a:endParaRPr lang="en-US" dirty="0"/>
+          </a:p>
+          <a:p>
+            <a:r>
+              <a:rPr lang="en-US" dirty="0"/>
+              <a:t>Does missingness vary across groups?</a:t>
+            </a:r>
+          </a:p>
+        </p:txBody>
+      </p:sp>
+    </p:spTree>
+    <p:extLst>
+      <p:ext uri="{BB962C8B-B14F-4D97-AF65-F5344CB8AC3E}">
+        <p14:creationId xmlns:p14="http://schemas.microsoft.com/office/powerpoint/2010/main" val="3586805378"/>
+      </p:ext>
+    </p:extLst>
+  </p:cSld>
+  <p:clrMapOvr>
+    <a:masterClrMapping/>
+  </p:clrMapOvr>
+</p:sld>
+</file>
+
+<file path=ppt/slides/slide12.xml><?xml version="1.0" encoding="utf-8"?>
+<p:sld xmlns:a="http://schemas.openxmlformats.org/drawingml/2006/main" xmlns:r="http://schemas.openxmlformats.org/officeDocument/2006/relationships" xmlns:p="http://schemas.openxmlformats.org/presentationml/2006/main">
+  <p:cSld>
+    <p:spTree>
+      <p:nvGrpSpPr>
+        <p:cNvPr id="1" name=""/>
+        <p:cNvGrpSpPr/>
+        <p:nvPr/>
+      </p:nvGrpSpPr>
+      <p:grpSpPr>
+        <a:xfrm>
+          <a:off x="0" y="0"/>
+          <a:ext cx="0" cy="0"/>
+          <a:chOff x="0" y="0"/>
+          <a:chExt cx="0" cy="0"/>
+        </a:xfrm>
+      </p:grpSpPr>
+      <p:sp>
+        <p:nvSpPr>
+          <p:cNvPr id="3" name="Title 2"/>
+          <p:cNvSpPr>
+            <a:spLocks noGrp="1"/>
+          </p:cNvSpPr>
+          <p:nvPr>
+            <p:ph type="title"/>
+          </p:nvPr>
+        </p:nvSpPr>
+        <p:spPr/>
+        <p:txBody>
+          <a:bodyPr/>
+          <a:lstStyle/>
+          <a:p>
+            <a:r>
+              <a:rPr lang="en-US" dirty="0"/>
+              <a:t>Bias in Feature Development: Examples</a:t>
+            </a:r>
+          </a:p>
+        </p:txBody>
+      </p:sp>
+      <p:sp>
+        <p:nvSpPr>
+          <p:cNvPr id="2" name="Content Placeholder 1"/>
+          <p:cNvSpPr>
+            <a:spLocks noGrp="1"/>
+          </p:cNvSpPr>
+          <p:nvPr>
+            <p:ph type="body" idx="1"/>
+          </p:nvPr>
+        </p:nvSpPr>
+        <p:spPr/>
+        <p:txBody>
+          <a:bodyPr/>
+          <a:lstStyle/>
+          <a:p>
+            <a:r>
+              <a:rPr lang="en-US" dirty="0"/>
+              <a:t>Inferring age/gender from name</a:t>
+            </a:r>
+            <a:br>
+              <a:rPr lang="en-US" dirty="0"/>
+            </a:br>
+            <a:endParaRPr lang="en-US" dirty="0"/>
+          </a:p>
+          <a:p>
+            <a:r>
+              <a:rPr lang="en-US" dirty="0"/>
+              <a:t>Creating "other" categories, e.g., multi-racial or non-binary gender</a:t>
+            </a:r>
+            <a:br>
+              <a:rPr lang="en-US" dirty="0"/>
+            </a:br>
+            <a:endParaRPr lang="en-US" dirty="0"/>
+          </a:p>
+          <a:p>
+            <a:r>
+              <a:rPr lang="en-US" dirty="0"/>
+              <a:t>How are race and ethnicity collected? Self-reported? Recorded by third party? Inferred from other data?</a:t>
+            </a:r>
+            <a:br>
+              <a:rPr lang="en-US" dirty="0"/>
+            </a:br>
+            <a:endParaRPr lang="en-US" dirty="0"/>
+          </a:p>
+          <a:p>
+            <a:r>
+              <a:rPr lang="en-US" dirty="0"/>
+              <a:t>Geocoding for distance or geographic features –– how are homeless and more mobile populations handled?</a:t>
+            </a:r>
+          </a:p>
+        </p:txBody>
+      </p:sp>
+    </p:spTree>
+    <p:extLst>
+      <p:ext uri="{BB962C8B-B14F-4D97-AF65-F5344CB8AC3E}">
+        <p14:creationId xmlns:p14="http://schemas.microsoft.com/office/powerpoint/2010/main" val="456302494"/>
+      </p:ext>
+    </p:extLst>
+  </p:cSld>
+  <p:clrMapOvr>
+    <a:masterClrMapping/>
+  </p:clrMapOvr>
+  <p:timing>
+    <p:tnLst>
+      <p:par>
+        <p:cTn id="1" dur="indefinite" restart="never" nodeType="tmRoot">
+          <p:childTnLst>
+            <p:seq concurrent="1" nextAc="seek">
+              <p:cTn id="2" dur="indefinite" nodeType="mainSeq">
+                <p:childTnLst>
+                  <p:par>
+                    <p:cTn id="3" fill="hold">
+                      <p:stCondLst>
+                        <p:cond delay="indefinite"/>
+                      </p:stCondLst>
+                      <p:childTnLst>
+                        <p:par>
+                          <p:cTn id="4" fill="hold">
+                            <p:stCondLst>
+                              <p:cond delay="0"/>
+                            </p:stCondLst>
+                            <p:childTnLst>
+                              <p:par>
+                                <p:cTn id="5" presetID="1" presetClass="entr" presetSubtype="0" fill="hold" grpId="0" nodeType="clickEffect">
+                                  <p:stCondLst>
+                                    <p:cond delay="0"/>
+                                  </p:stCondLst>
+                                  <p:childTnLst>
+                                    <p:set>
+                                      <p:cBhvr>
+                                        <p:cTn id="6" dur="1" fill="hold">
+                                          <p:stCondLst>
+                                            <p:cond delay="0"/>
+                                          </p:stCondLst>
+                                        </p:cTn>
+                                        <p:tgtEl>
+                                          <p:spTgt spid="2"/>
+                                        </p:tgtEl>
+                                        <p:attrNameLst>
+                                          <p:attrName>style.visibility</p:attrName>
+                                        </p:attrNameLst>
+                                      </p:cBhvr>
+                                      <p:to>
+                                        <p:strVal val="visible"/>
+                                      </p:to>
+                                    </p:set>
+                                  </p:childTnLst>
+                                </p:cTn>
+                              </p:par>
+                            </p:childTnLst>
+                          </p:cTn>
+                        </p:par>
+                      </p:childTnLst>
+                    </p:cTn>
+                  </p:par>
+                </p:childTnLst>
+              </p:cTn>
+              <p:prevCondLst>
+                <p:cond evt="onPrev" delay="0">
+                  <p:tgtEl>
+                    <p:sldTgt/>
+                  </p:tgtEl>
+                </p:cond>
+              </p:prevCondLst>
+              <p:nextCondLst>
+                <p:cond evt="onNext" delay="0">
+                  <p:tgtEl>
+                    <p:sldTgt/>
+                  </p:tgtEl>
+                </p:cond>
+              </p:nextCondLst>
+            </p:seq>
+          </p:childTnLst>
+        </p:cTn>
+      </p:par>
+    </p:tnLst>
+    <p:bldLst>
+      <p:bldP spid="2" grpId="0" uiExpand="1"/>
+    </p:bldLst>
+  </p:timing>
+</p:sld>
+</file>
+
+<file path=ppt/slides/slide13.xml><?xml version="1.0" encoding="utf-8"?>
+<p:sld xmlns:a="http://schemas.openxmlformats.org/drawingml/2006/main" xmlns:r="http://schemas.openxmlformats.org/officeDocument/2006/relationships" xmlns:p="http://schemas.openxmlformats.org/presentationml/2006/main">
+  <p:cSld>
+    <p:spTree>
+      <p:nvGrpSpPr>
+        <p:cNvPr id="1" name=""/>
+        <p:cNvGrpSpPr/>
+        <p:nvPr/>
+      </p:nvGrpSpPr>
+      <p:grpSpPr>
+        <a:xfrm>
+          <a:off x="0" y="0"/>
+          <a:ext cx="0" cy="0"/>
+          <a:chOff x="0" y="0"/>
+          <a:chExt cx="0" cy="0"/>
+        </a:xfrm>
+      </p:grpSpPr>
+      <p:sp>
+        <p:nvSpPr>
+          <p:cNvPr id="3" name="Title 2">
+            <a:extLst>
+              <a:ext uri="{FF2B5EF4-FFF2-40B4-BE49-F238E27FC236}">
+                <a16:creationId xmlns:a16="http://schemas.microsoft.com/office/drawing/2014/main" id="{9323871C-7CA8-1448-8FFC-1AE6E1838941}"/>
+              </a:ext>
+            </a:extLst>
+          </p:cNvPr>
+          <p:cNvSpPr>
+            <a:spLocks noGrp="1"/>
+          </p:cNvSpPr>
+          <p:nvPr>
+            <p:ph type="title"/>
+          </p:nvPr>
+        </p:nvSpPr>
+        <p:spPr/>
+        <p:txBody>
+          <a:bodyPr/>
+          <a:lstStyle/>
+          <a:p>
+            <a:r>
+              <a:rPr lang="en-US" dirty="0"/>
+              <a:t>Discussion Question</a:t>
+            </a:r>
+          </a:p>
+        </p:txBody>
+      </p:sp>
+      <p:sp>
+        <p:nvSpPr>
+          <p:cNvPr id="4" name="Text Placeholder 3">
+            <a:extLst>
+              <a:ext uri="{FF2B5EF4-FFF2-40B4-BE49-F238E27FC236}">
+                <a16:creationId xmlns:a16="http://schemas.microsoft.com/office/drawing/2014/main" id="{5E600BA7-FA45-884F-9820-9E5F2CB7AA48}"/>
+              </a:ext>
+            </a:extLst>
+          </p:cNvPr>
+          <p:cNvSpPr>
+            <a:spLocks noGrp="1"/>
+          </p:cNvSpPr>
+          <p:nvPr>
+            <p:ph type="body" idx="1"/>
+          </p:nvPr>
+        </p:nvSpPr>
+        <p:spPr/>
+        <p:txBody>
+          <a:bodyPr/>
+          <a:lstStyle/>
+          <a:p>
+            <a:pPr marL="76200" indent="0">
+              <a:buNone/>
+            </a:pPr>
+            <a:endParaRPr lang="en-US" dirty="0"/>
+          </a:p>
+          <a:p>
+            <a:pPr marL="76200" indent="0">
+              <a:buNone/>
+            </a:pPr>
+            <a:endParaRPr lang="en-US" dirty="0"/>
+          </a:p>
+          <a:p>
+            <a:pPr marL="76200" indent="0" algn="ctr">
+              <a:buNone/>
+            </a:pPr>
+            <a:r>
+              <a:rPr lang="en-US" sz="3600" dirty="0"/>
+              <a:t>In the class project, what are two ways bias might </a:t>
+            </a:r>
+          </a:p>
+          <a:p>
+            <a:pPr marL="76200" indent="0" algn="ctr">
+              <a:buNone/>
+            </a:pPr>
+            <a:r>
+              <a:rPr lang="en-US" sz="3600" dirty="0"/>
+              <a:t>be introduced in your feature development?</a:t>
+            </a:r>
+          </a:p>
+        </p:txBody>
+      </p:sp>
+    </p:spTree>
+    <p:extLst>
+      <p:ext uri="{BB962C8B-B14F-4D97-AF65-F5344CB8AC3E}">
+        <p14:creationId xmlns:p14="http://schemas.microsoft.com/office/powerpoint/2010/main" val="3940342555"/>
+      </p:ext>
+    </p:extLst>
+  </p:cSld>
+  <p:clrMapOvr>
+    <a:masterClrMapping/>
+  </p:clrMapOvr>
+</p:sld>
+</file>
+
+<file path=ppt/slides/slide14.xml><?xml version="1.0" encoding="utf-8"?>
+<p:sld xmlns:a="http://schemas.openxmlformats.org/drawingml/2006/main" xmlns:r="http://schemas.openxmlformats.org/officeDocument/2006/relationships" xmlns:p="http://schemas.openxmlformats.org/presentationml/2006/main">
+  <p:cSld>
+    <p:spTree>
+      <p:nvGrpSpPr>
+        <p:cNvPr id="1" name=""/>
+        <p:cNvGrpSpPr/>
+        <p:nvPr/>
+      </p:nvGrpSpPr>
+      <p:grpSpPr>
+        <a:xfrm>
+          <a:off x="0" y="0"/>
+          <a:ext cx="0" cy="0"/>
+          <a:chOff x="0" y="0"/>
+          <a:chExt cx="0" cy="0"/>
+        </a:xfrm>
+      </p:grpSpPr>
+      <p:sp>
+        <p:nvSpPr>
+          <p:cNvPr id="3" name="Title 2"/>
+          <p:cNvSpPr>
+            <a:spLocks noGrp="1"/>
+          </p:cNvSpPr>
+          <p:nvPr>
+            <p:ph type="title"/>
+          </p:nvPr>
+        </p:nvSpPr>
+        <p:spPr/>
+        <p:txBody>
+          <a:bodyPr/>
+          <a:lstStyle/>
+          <a:p>
+            <a:r>
+              <a:rPr lang="en-US" dirty="0"/>
+              <a:t>Feature Generation: Practical Pointers</a:t>
+            </a:r>
+          </a:p>
+        </p:txBody>
+      </p:sp>
+      <p:sp>
+        <p:nvSpPr>
+          <p:cNvPr id="2" name="Content Placeholder 1"/>
+          <p:cNvSpPr>
+            <a:spLocks noGrp="1"/>
+          </p:cNvSpPr>
+          <p:nvPr>
+            <p:ph type="body" idx="1"/>
+          </p:nvPr>
+        </p:nvSpPr>
+        <p:spPr>
+          <a:xfrm>
+            <a:off x="415600" y="1536632"/>
+            <a:ext cx="11360700" cy="5195471"/>
+          </a:xfrm>
+        </p:spPr>
+        <p:txBody>
+          <a:bodyPr>
+            <a:normAutofit fontScale="92500" lnSpcReduction="10000"/>
+          </a:bodyPr>
+          <a:lstStyle/>
+          <a:p>
+            <a:pPr>
+              <a:spcAft>
+                <a:spcPts val="1800"/>
+              </a:spcAft>
+            </a:pPr>
+            <a:r>
+              <a:rPr lang="en-US" sz="2800" dirty="0"/>
+              <a:t>Historical aggregations (especially of outcomes) are often the most predictive features (and give the model plenty of variations)</a:t>
+            </a:r>
+          </a:p>
+          <a:p>
+            <a:pPr>
+              <a:spcAft>
+                <a:spcPts val="1800"/>
+              </a:spcAft>
+            </a:pPr>
+            <a:r>
+              <a:rPr lang="en-US" sz="2800" dirty="0"/>
+              <a:t>Aggregate outcomes for similar entities (for various definitions of “similar” are often very useful as well)</a:t>
+            </a:r>
+          </a:p>
+          <a:p>
+            <a:pPr>
+              <a:spcAft>
+                <a:spcPts val="1800"/>
+              </a:spcAft>
+            </a:pPr>
+            <a:r>
+              <a:rPr lang="en-US" sz="2800" dirty="0"/>
+              <a:t>So are features that tell you how the current entity compares to the population</a:t>
+            </a:r>
+          </a:p>
+          <a:p>
+            <a:pPr>
+              <a:spcAft>
+                <a:spcPts val="1800"/>
+              </a:spcAft>
+            </a:pPr>
+            <a:r>
+              <a:rPr lang="en-US" sz="2800" dirty="0"/>
+              <a:t>Make sure you handle missing data, and do so thoughtfully (DON’T throw away the records)</a:t>
+            </a:r>
+          </a:p>
+          <a:p>
+            <a:pPr>
+              <a:spcAft>
+                <a:spcPts val="1800"/>
+              </a:spcAft>
+            </a:pPr>
+            <a:r>
+              <a:rPr lang="en-US" sz="2800" dirty="0"/>
+              <a:t>Remember to scale your features when necessary</a:t>
+            </a:r>
+          </a:p>
+        </p:txBody>
+      </p:sp>
+    </p:spTree>
+    <p:extLst>
+      <p:ext uri="{BB962C8B-B14F-4D97-AF65-F5344CB8AC3E}">
+        <p14:creationId xmlns:p14="http://schemas.microsoft.com/office/powerpoint/2010/main" val="273184349"/>
+      </p:ext>
+    </p:extLst>
+  </p:cSld>
+  <p:clrMapOvr>
+    <a:masterClrMapping/>
+  </p:clrMapOvr>
+  <p:timing>
+    <p:tnLst>
+      <p:par>
+        <p:cTn id="1" dur="indefinite" restart="never" nodeType="tmRoot">
+          <p:childTnLst>
+            <p:seq concurrent="1" nextAc="seek">
+              <p:cTn id="2" dur="indefinite" nodeType="mainSeq">
+                <p:childTnLst>
+                  <p:par>
+                    <p:cTn id="3" fill="hold">
+                      <p:stCondLst>
+                        <p:cond delay="indefinite"/>
+                      </p:stCondLst>
+                      <p:childTnLst>
+                        <p:par>
+                          <p:cTn id="4" fill="hold">
+                            <p:stCondLst>
+                              <p:cond delay="0"/>
+                            </p:stCondLst>
+                            <p:childTnLst>
+                              <p:par>
+                                <p:cTn id="5" presetID="1" presetClass="entr" presetSubtype="0" fill="hold" grpId="0" nodeType="clickEffect">
+                                  <p:stCondLst>
+                                    <p:cond delay="0"/>
+                                  </p:stCondLst>
+                                  <p:childTnLst>
+                                    <p:set>
+                                      <p:cBhvr>
+                                        <p:cTn id="6" dur="1" fill="hold">
+                                          <p:stCondLst>
+                                            <p:cond delay="0"/>
+                                          </p:stCondLst>
+                                        </p:cTn>
+                                        <p:tgtEl>
+                                          <p:spTgt spid="2">
+                                            <p:txEl>
+                                              <p:pRg st="0" end="0"/>
+                                            </p:txEl>
+                                          </p:spTgt>
+                                        </p:tgtEl>
+                                        <p:attrNameLst>
+                                          <p:attrName>style.visibility</p:attrName>
+                                        </p:attrNameLst>
+                                      </p:cBhvr>
+                                      <p:to>
+                                        <p:strVal val="visible"/>
+                                      </p:to>
+                                    </p:set>
+                                  </p:childTnLst>
+                                </p:cTn>
+                              </p:par>
+                            </p:childTnLst>
+                          </p:cTn>
+                        </p:par>
+                      </p:childTnLst>
+                    </p:cTn>
+                  </p:par>
+                  <p:par>
+                    <p:cTn id="7" fill="hold">
+                      <p:stCondLst>
+                        <p:cond delay="indefinite"/>
+                      </p:stCondLst>
+                      <p:childTnLst>
+                        <p:par>
+                          <p:cTn id="8" fill="hold">
+                            <p:stCondLst>
+                              <p:cond delay="0"/>
+                            </p:stCondLst>
+                            <p:childTnLst>
+                              <p:par>
+                                <p:cTn id="9" presetID="1" presetClass="entr" presetSubtype="0" fill="hold" grpId="0" nodeType="clickEffect">
+                                  <p:stCondLst>
+                                    <p:cond delay="0"/>
+                                  </p:stCondLst>
+                                  <p:childTnLst>
+                                    <p:set>
+                                      <p:cBhvr>
+                                        <p:cTn id="10" dur="1" fill="hold">
+                                          <p:stCondLst>
+                                            <p:cond delay="0"/>
+                                          </p:stCondLst>
+                                        </p:cTn>
+                                        <p:tgtEl>
+                                          <p:spTgt spid="2">
+                                            <p:txEl>
+                                              <p:pRg st="1" end="1"/>
+                                            </p:txEl>
+                                          </p:spTgt>
+                                        </p:tgtEl>
+                                        <p:attrNameLst>
+                                          <p:attrName>style.visibility</p:attrName>
+                                        </p:attrNameLst>
+                                      </p:cBhvr>
+                                      <p:to>
+                                        <p:strVal val="visible"/>
+                                      </p:to>
+                                    </p:set>
+                                  </p:childTnLst>
+                                </p:cTn>
+                              </p:par>
+                            </p:childTnLst>
+                          </p:cTn>
+                        </p:par>
+                      </p:childTnLst>
+                    </p:cTn>
+                  </p:par>
+                  <p:par>
+                    <p:cTn id="11" fill="hold">
+                      <p:stCondLst>
+                        <p:cond delay="indefinite"/>
+                      </p:stCondLst>
+                      <p:childTnLst>
+                        <p:par>
+                          <p:cTn id="12" fill="hold">
+                            <p:stCondLst>
+                              <p:cond delay="0"/>
+                            </p:stCondLst>
+                            <p:childTnLst>
+                              <p:par>
+                                <p:cTn id="13" presetID="1" presetClass="entr" presetSubtype="0" fill="hold" grpId="0" nodeType="clickEffect">
+                                  <p:stCondLst>
+                                    <p:cond delay="0"/>
+                                  </p:stCondLst>
+                                  <p:childTnLst>
+                                    <p:set>
+                                      <p:cBhvr>
+                                        <p:cTn id="14" dur="1" fill="hold">
+                                          <p:stCondLst>
+                                            <p:cond delay="0"/>
+                                          </p:stCondLst>
+                                        </p:cTn>
+                                        <p:tgtEl>
+                                          <p:spTgt spid="2">
+                                            <p:txEl>
+                                              <p:pRg st="2" end="2"/>
+                                            </p:txEl>
+                                          </p:spTgt>
+                                        </p:tgtEl>
+                                        <p:attrNameLst>
+                                          <p:attrName>style.visibility</p:attrName>
+                                        </p:attrNameLst>
+                                      </p:cBhvr>
+                                      <p:to>
+                                        <p:strVal val="visible"/>
+                                      </p:to>
+                                    </p:set>
+                                  </p:childTnLst>
+                                </p:cTn>
+                              </p:par>
+                            </p:childTnLst>
+                          </p:cTn>
+                        </p:par>
+                      </p:childTnLst>
+                    </p:cTn>
+                  </p:par>
+                  <p:par>
+                    <p:cTn id="15" fill="hold">
+                      <p:stCondLst>
+                        <p:cond delay="indefinite"/>
+                      </p:stCondLst>
+                      <p:childTnLst>
+                        <p:par>
+                          <p:cTn id="16" fill="hold">
+                            <p:stCondLst>
+                              <p:cond delay="0"/>
+                            </p:stCondLst>
+                            <p:childTnLst>
+                              <p:par>
+                                <p:cTn id="17" presetID="1" presetClass="entr" presetSubtype="0" fill="hold" grpId="0" nodeType="clickEffect">
+                                  <p:stCondLst>
+                                    <p:cond delay="0"/>
+                                  </p:stCondLst>
+                                  <p:childTnLst>
+                                    <p:set>
+                                      <p:cBhvr>
+                                        <p:cTn id="18" dur="1" fill="hold">
+                                          <p:stCondLst>
+                                            <p:cond delay="0"/>
+                                          </p:stCondLst>
+                                        </p:cTn>
+                                        <p:tgtEl>
+                                          <p:spTgt spid="2">
+                                            <p:txEl>
+                                              <p:pRg st="3" end="3"/>
+                                            </p:txEl>
+                                          </p:spTgt>
+                                        </p:tgtEl>
+                                        <p:attrNameLst>
+                                          <p:attrName>style.visibility</p:attrName>
+                                        </p:attrNameLst>
+                                      </p:cBhvr>
+                                      <p:to>
+                                        <p:strVal val="visible"/>
+                                      </p:to>
+                                    </p:set>
+                                  </p:childTnLst>
+                                </p:cTn>
+                              </p:par>
+                            </p:childTnLst>
+                          </p:cTn>
+                        </p:par>
+                      </p:childTnLst>
+                    </p:cTn>
+                  </p:par>
+                  <p:par>
+                    <p:cTn id="19" fill="hold">
+                      <p:stCondLst>
+                        <p:cond delay="indefinite"/>
+                      </p:stCondLst>
+                      <p:childTnLst>
+                        <p:par>
+                          <p:cTn id="20" fill="hold">
+                            <p:stCondLst>
+                              <p:cond delay="0"/>
+                            </p:stCondLst>
+                            <p:childTnLst>
+                              <p:par>
+                                <p:cTn id="21" presetID="1" presetClass="entr" presetSubtype="0" fill="hold" grpId="0" nodeType="clickEffect">
+                                  <p:stCondLst>
+                                    <p:cond delay="0"/>
+                                  </p:stCondLst>
+                                  <p:childTnLst>
+                                    <p:set>
+                                      <p:cBhvr>
+                                        <p:cTn id="22" dur="1" fill="hold">
+                                          <p:stCondLst>
+                                            <p:cond delay="0"/>
+                                          </p:stCondLst>
+                                        </p:cTn>
+                                        <p:tgtEl>
+                                          <p:spTgt spid="2">
+                                            <p:txEl>
+                                              <p:pRg st="4" end="4"/>
+                                            </p:txEl>
+                                          </p:spTgt>
+                                        </p:tgtEl>
+                                        <p:attrNameLst>
+                                          <p:attrName>style.visibility</p:attrName>
+                                        </p:attrNameLst>
+                                      </p:cBhvr>
+                                      <p:to>
+                                        <p:strVal val="visible"/>
+                                      </p:to>
+                                    </p:set>
+                                  </p:childTnLst>
+                                </p:cTn>
+                              </p:par>
+                            </p:childTnLst>
+                          </p:cTn>
+                        </p:par>
+                      </p:childTnLst>
+                    </p:cTn>
+                  </p:par>
+                </p:childTnLst>
+              </p:cTn>
+              <p:prevCondLst>
+                <p:cond evt="onPrev" delay="0">
+                  <p:tgtEl>
+                    <p:sldTgt/>
+                  </p:tgtEl>
+                </p:cond>
+              </p:prevCondLst>
+              <p:nextCondLst>
+                <p:cond evt="onNext" delay="0">
+                  <p:tgtEl>
+                    <p:sldTgt/>
+                  </p:tgtEl>
+                </p:cond>
+              </p:nextCondLst>
+            </p:seq>
+          </p:childTnLst>
+        </p:cTn>
+      </p:par>
+    </p:tnLst>
+    <p:bldLst>
+      <p:bldP spid="2" grpId="0" uiExpand="1" build="p"/>
+    </p:bldLst>
+  </p:timing>
+</p:sld>
+</file>
+
+<file path=ppt/slides/slide15.xml><?xml version="1.0" encoding="utf-8"?>
+<p:sld xmlns:a="http://schemas.openxmlformats.org/drawingml/2006/main" xmlns:r="http://schemas.openxmlformats.org/officeDocument/2006/relationships" xmlns:p="http://schemas.openxmlformats.org/presentationml/2006/main">
+  <p:cSld>
+    <p:spTree>
+      <p:nvGrpSpPr>
+        <p:cNvPr id="1" name=""/>
+        <p:cNvGrpSpPr/>
+        <p:nvPr/>
+      </p:nvGrpSpPr>
+      <p:grpSpPr>
+        <a:xfrm>
+          <a:off x="0" y="0"/>
+          <a:ext cx="0" cy="0"/>
+          <a:chOff x="0" y="0"/>
+          <a:chExt cx="0" cy="0"/>
+        </a:xfrm>
+      </p:grpSpPr>
+      <p:sp>
+        <p:nvSpPr>
+          <p:cNvPr id="3" name="Title 2"/>
+          <p:cNvSpPr>
+            <a:spLocks noGrp="1"/>
+          </p:cNvSpPr>
+          <p:nvPr>
+            <p:ph type="title"/>
+          </p:nvPr>
+        </p:nvSpPr>
+        <p:spPr>
+          <a:xfrm>
+            <a:off x="111210" y="367459"/>
+            <a:ext cx="12080789" cy="763500"/>
+          </a:xfrm>
+        </p:spPr>
+        <p:txBody>
+          <a:bodyPr/>
+          <a:lstStyle/>
+          <a:p>
+            <a:r>
+              <a:rPr lang="en-US" dirty="0"/>
+              <a:t>Is Scaling Important for…</a:t>
+            </a:r>
+          </a:p>
+        </p:txBody>
+      </p:sp>
+      <p:sp>
+        <p:nvSpPr>
+          <p:cNvPr id="2" name="Content Placeholder 1"/>
+          <p:cNvSpPr>
+            <a:spLocks noGrp="1"/>
+          </p:cNvSpPr>
+          <p:nvPr>
+            <p:ph type="body" idx="1"/>
+          </p:nvPr>
+        </p:nvSpPr>
+        <p:spPr>
+          <a:xfrm>
+            <a:off x="415600" y="1536633"/>
+            <a:ext cx="4235913" cy="4555200"/>
+          </a:xfrm>
+        </p:spPr>
+        <p:txBody>
+          <a:bodyPr/>
+          <a:lstStyle/>
+          <a:p>
+            <a:r>
+              <a:rPr lang="en-US" dirty="0"/>
+              <a:t>Decision Trees?</a:t>
+            </a:r>
+            <a:br>
+              <a:rPr lang="en-US" dirty="0"/>
+            </a:br>
+            <a:endParaRPr lang="en-US" dirty="0"/>
+          </a:p>
+          <a:p>
+            <a:r>
+              <a:rPr lang="en-US" dirty="0"/>
+              <a:t>k-Nearest Neighbors?</a:t>
+            </a:r>
+            <a:br>
+              <a:rPr lang="en-US" dirty="0"/>
+            </a:br>
+            <a:endParaRPr lang="en-US" dirty="0"/>
+          </a:p>
+          <a:p>
+            <a:r>
+              <a:rPr lang="en-US" dirty="0"/>
+              <a:t>Random Forest?</a:t>
+            </a:r>
+            <a:br>
+              <a:rPr lang="en-US" dirty="0"/>
+            </a:br>
+            <a:endParaRPr lang="en-US" dirty="0"/>
+          </a:p>
+          <a:p>
+            <a:r>
+              <a:rPr lang="en-US" dirty="0"/>
+              <a:t>Logistic Regression?</a:t>
+            </a:r>
+          </a:p>
+          <a:p>
+            <a:endParaRPr lang="en-US" dirty="0"/>
+          </a:p>
+          <a:p>
+            <a:r>
+              <a:rPr lang="en-US" dirty="0"/>
+              <a:t>Neural Nets?</a:t>
+            </a:r>
+          </a:p>
+          <a:p>
+            <a:endParaRPr lang="en-US" dirty="0"/>
+          </a:p>
+        </p:txBody>
+      </p:sp>
+      <p:sp>
+        <p:nvSpPr>
+          <p:cNvPr id="4" name="Content Placeholder 1">
+            <a:extLst>
+              <a:ext uri="{FF2B5EF4-FFF2-40B4-BE49-F238E27FC236}">
+                <a16:creationId xmlns:a16="http://schemas.microsoft.com/office/drawing/2014/main" id="{14BBE1C8-D8BC-2A41-A04B-7C6439BF19C4}"/>
+              </a:ext>
+            </a:extLst>
+          </p:cNvPr>
+          <p:cNvSpPr txBox="1">
+            <a:spLocks/>
+          </p:cNvSpPr>
+          <p:nvPr/>
+        </p:nvSpPr>
+        <p:spPr>
+          <a:xfrm>
+            <a:off x="6557983" y="2355190"/>
+            <a:ext cx="4235913" cy="3542027"/>
+          </a:xfrm>
+          <a:prstGeom prst="rect">
+            <a:avLst/>
+          </a:prstGeom>
+          <a:noFill/>
+          <a:ln>
+            <a:noFill/>
+          </a:ln>
+        </p:spPr>
+        <p:txBody>
+          <a:bodyPr spcFirstLastPara="1" wrap="square" lIns="121900" tIns="121900" rIns="121900" bIns="121900" anchor="t" anchorCtr="0">
+            <a:noAutofit/>
+          </a:bodyPr>
+          <a:lstStyle>
+            <a:defPPr marR="0" lvl="0" algn="l" rtl="0">
+              <a:lnSpc>
+                <a:spcPct val="100000"/>
+              </a:lnSpc>
+              <a:spcBef>
+                <a:spcPts val="0"/>
+              </a:spcBef>
+              <a:spcAft>
+                <a:spcPts val="0"/>
+              </a:spcAft>
+            </a:defPPr>
+            <a:lvl1pPr marL="457200" marR="0" lvl="0" indent="-381000" algn="l" rtl="0">
+              <a:lnSpc>
+                <a:spcPct val="115000"/>
+              </a:lnSpc>
+              <a:spcBef>
+                <a:spcPts val="0"/>
+              </a:spcBef>
+              <a:spcAft>
+                <a:spcPts val="0"/>
+              </a:spcAft>
+              <a:buClr>
+                <a:srgbClr val="434343"/>
+              </a:buClr>
+              <a:buSzPts val="2400"/>
+              <a:buFont typeface="Arial"/>
+              <a:buChar char="●"/>
+              <a:defRPr sz="2400" b="0" i="0" u="none" strike="noStrike" cap="none">
+                <a:solidFill>
+                  <a:srgbClr val="434343"/>
+                </a:solidFill>
+                <a:latin typeface="Arial"/>
+                <a:ea typeface="Arial"/>
+                <a:cs typeface="Arial"/>
+                <a:sym typeface="Arial"/>
+              </a:defRPr>
+            </a:lvl1pPr>
+            <a:lvl2pPr marL="914400" marR="0" lvl="1" indent="-349250" algn="l" rtl="0">
+              <a:lnSpc>
+                <a:spcPct val="115000"/>
+              </a:lnSpc>
+              <a:spcBef>
+                <a:spcPts val="2100"/>
+              </a:spcBef>
+              <a:spcAft>
+                <a:spcPts val="0"/>
+              </a:spcAft>
+              <a:buClr>
+                <a:srgbClr val="434343"/>
+              </a:buClr>
+              <a:buSzPts val="1900"/>
+              <a:buFont typeface="Arial"/>
+              <a:buChar char="○"/>
+              <a:defRPr sz="1900" b="0" i="0" u="none" strike="noStrike" cap="none">
+                <a:solidFill>
+                  <a:srgbClr val="434343"/>
+                </a:solidFill>
+                <a:latin typeface="Arial"/>
+                <a:ea typeface="Arial"/>
+                <a:cs typeface="Arial"/>
+                <a:sym typeface="Arial"/>
+              </a:defRPr>
+            </a:lvl2pPr>
+            <a:lvl3pPr marL="1371600" marR="0" lvl="2" indent="-349250" algn="l" rtl="0">
+              <a:lnSpc>
+                <a:spcPct val="115000"/>
+              </a:lnSpc>
+              <a:spcBef>
+                <a:spcPts val="2100"/>
+              </a:spcBef>
+              <a:spcAft>
+                <a:spcPts val="0"/>
+              </a:spcAft>
+              <a:buClr>
+                <a:srgbClr val="434343"/>
+              </a:buClr>
+              <a:buSzPts val="1900"/>
+              <a:buFont typeface="Arial"/>
+              <a:buChar char="■"/>
+              <a:defRPr sz="1900" b="0" i="0" u="none" strike="noStrike" cap="none">
+                <a:solidFill>
+                  <a:srgbClr val="434343"/>
+                </a:solidFill>
+                <a:latin typeface="Arial"/>
+                <a:ea typeface="Arial"/>
+                <a:cs typeface="Arial"/>
+                <a:sym typeface="Arial"/>
+              </a:defRPr>
+            </a:lvl3pPr>
+            <a:lvl4pPr marL="1828800" marR="0" lvl="3" indent="-349250" algn="l" rtl="0">
+              <a:lnSpc>
+                <a:spcPct val="115000"/>
+              </a:lnSpc>
+              <a:spcBef>
+                <a:spcPts val="2100"/>
+              </a:spcBef>
+              <a:spcAft>
+                <a:spcPts val="0"/>
+              </a:spcAft>
+              <a:buClr>
+                <a:srgbClr val="434343"/>
+              </a:buClr>
+              <a:buSzPts val="1900"/>
+              <a:buFont typeface="Arial"/>
+              <a:buChar char="●"/>
+              <a:defRPr sz="1900" b="0" i="0" u="none" strike="noStrike" cap="none">
+                <a:solidFill>
+                  <a:srgbClr val="434343"/>
+                </a:solidFill>
+                <a:latin typeface="Arial"/>
+                <a:ea typeface="Arial"/>
+                <a:cs typeface="Arial"/>
+                <a:sym typeface="Arial"/>
+              </a:defRPr>
+            </a:lvl4pPr>
+            <a:lvl5pPr marL="2286000" marR="0" lvl="4" indent="-349250" algn="l" rtl="0">
+              <a:lnSpc>
+                <a:spcPct val="115000"/>
+              </a:lnSpc>
+              <a:spcBef>
+                <a:spcPts val="2100"/>
+              </a:spcBef>
+              <a:spcAft>
+                <a:spcPts val="0"/>
+              </a:spcAft>
+              <a:buClr>
+                <a:srgbClr val="434343"/>
+              </a:buClr>
+              <a:buSzPts val="1900"/>
+              <a:buFont typeface="Arial"/>
+              <a:buChar char="○"/>
+              <a:defRPr sz="1900" b="0" i="0" u="none" strike="noStrike" cap="none">
+                <a:solidFill>
+                  <a:srgbClr val="434343"/>
+                </a:solidFill>
+                <a:latin typeface="Arial"/>
+                <a:ea typeface="Arial"/>
+                <a:cs typeface="Arial"/>
+                <a:sym typeface="Arial"/>
+              </a:defRPr>
+            </a:lvl5pPr>
+            <a:lvl6pPr marL="2743200" marR="0" lvl="5" indent="-349250" algn="l" rtl="0">
+              <a:lnSpc>
+                <a:spcPct val="115000"/>
+              </a:lnSpc>
+              <a:spcBef>
+                <a:spcPts val="2100"/>
+              </a:spcBef>
+              <a:spcAft>
+                <a:spcPts val="0"/>
+              </a:spcAft>
+              <a:buClr>
+                <a:srgbClr val="434343"/>
+              </a:buClr>
+              <a:buSzPts val="1900"/>
+              <a:buFont typeface="Arial"/>
+              <a:buChar char="■"/>
+              <a:defRPr sz="1900" b="0" i="0" u="none" strike="noStrike" cap="none">
+                <a:solidFill>
+                  <a:srgbClr val="434343"/>
+                </a:solidFill>
+                <a:latin typeface="Arial"/>
+                <a:ea typeface="Arial"/>
+                <a:cs typeface="Arial"/>
+                <a:sym typeface="Arial"/>
+              </a:defRPr>
+            </a:lvl6pPr>
+            <a:lvl7pPr marL="3200400" marR="0" lvl="6" indent="-349250" algn="l" rtl="0">
+              <a:lnSpc>
+                <a:spcPct val="115000"/>
+              </a:lnSpc>
+              <a:spcBef>
+                <a:spcPts val="2100"/>
+              </a:spcBef>
+              <a:spcAft>
+                <a:spcPts val="0"/>
+              </a:spcAft>
+              <a:buClr>
+                <a:srgbClr val="434343"/>
+              </a:buClr>
+              <a:buSzPts val="1900"/>
+              <a:buFont typeface="Arial"/>
+              <a:buChar char="●"/>
+              <a:defRPr sz="1900" b="0" i="0" u="none" strike="noStrike" cap="none">
+                <a:solidFill>
+                  <a:srgbClr val="434343"/>
+                </a:solidFill>
+                <a:latin typeface="Arial"/>
+                <a:ea typeface="Arial"/>
+                <a:cs typeface="Arial"/>
+                <a:sym typeface="Arial"/>
+              </a:defRPr>
+            </a:lvl7pPr>
+            <a:lvl8pPr marL="3657600" marR="0" lvl="7" indent="-349250" algn="l" rtl="0">
+              <a:lnSpc>
+                <a:spcPct val="115000"/>
+              </a:lnSpc>
+              <a:spcBef>
+                <a:spcPts val="2100"/>
+              </a:spcBef>
+              <a:spcAft>
+                <a:spcPts val="0"/>
+              </a:spcAft>
+              <a:buClr>
+                <a:srgbClr val="434343"/>
+              </a:buClr>
+              <a:buSzPts val="1900"/>
+              <a:buFont typeface="Arial"/>
+              <a:buChar char="○"/>
+              <a:defRPr sz="1900" b="0" i="0" u="none" strike="noStrike" cap="none">
+                <a:solidFill>
+                  <a:srgbClr val="434343"/>
+                </a:solidFill>
+                <a:latin typeface="Arial"/>
+                <a:ea typeface="Arial"/>
+                <a:cs typeface="Arial"/>
+                <a:sym typeface="Arial"/>
+              </a:defRPr>
+            </a:lvl8pPr>
+            <a:lvl9pPr marL="4114800" marR="0" lvl="8" indent="-349250" algn="l" rtl="0">
+              <a:lnSpc>
+                <a:spcPct val="115000"/>
+              </a:lnSpc>
+              <a:spcBef>
+                <a:spcPts val="2100"/>
+              </a:spcBef>
+              <a:spcAft>
+                <a:spcPts val="2100"/>
+              </a:spcAft>
+              <a:buClr>
+                <a:srgbClr val="434343"/>
+              </a:buClr>
+              <a:buSzPts val="1900"/>
+              <a:buFont typeface="Arial"/>
+              <a:buChar char="■"/>
+              <a:defRPr sz="1900" b="0" i="0" u="none" strike="noStrike" cap="none">
+                <a:solidFill>
+                  <a:srgbClr val="434343"/>
+                </a:solidFill>
+                <a:latin typeface="Arial"/>
+                <a:ea typeface="Arial"/>
+                <a:cs typeface="Arial"/>
+                <a:sym typeface="Arial"/>
+              </a:defRPr>
+            </a:lvl9pPr>
+          </a:lstStyle>
+          <a:p>
+            <a:pPr marL="76200" indent="0" algn="ctr">
+              <a:buNone/>
+            </a:pPr>
+            <a:r>
+              <a:rPr lang="en-US" sz="5400" b="1" dirty="0" err="1">
+                <a:solidFill>
+                  <a:srgbClr val="C00000"/>
+                </a:solidFill>
+              </a:rPr>
+              <a:t>slido.com</a:t>
+            </a:r>
+            <a:endParaRPr lang="en-US" sz="5400" b="1" dirty="0">
+              <a:solidFill>
+                <a:srgbClr val="C00000"/>
+              </a:solidFill>
+            </a:endParaRPr>
+          </a:p>
+          <a:p>
+            <a:pPr marL="76200" indent="0" algn="ctr">
+              <a:buNone/>
+            </a:pPr>
+            <a:endParaRPr lang="en-US" sz="5400" b="1" dirty="0">
+              <a:solidFill>
+                <a:srgbClr val="C00000"/>
+              </a:solidFill>
+            </a:endParaRPr>
+          </a:p>
+          <a:p>
+            <a:pPr marL="76200" indent="0" algn="ctr">
+              <a:buNone/>
+            </a:pPr>
+            <a:r>
+              <a:rPr lang="en-US" sz="5400" b="1" dirty="0">
+                <a:solidFill>
+                  <a:srgbClr val="C00000"/>
+                </a:solidFill>
+              </a:rPr>
+              <a:t>#10718</a:t>
+            </a:r>
+          </a:p>
+        </p:txBody>
+      </p:sp>
+    </p:spTree>
+    <p:extLst>
+      <p:ext uri="{BB962C8B-B14F-4D97-AF65-F5344CB8AC3E}">
+        <p14:creationId xmlns:p14="http://schemas.microsoft.com/office/powerpoint/2010/main" val="838504151"/>
+      </p:ext>
+    </p:extLst>
+  </p:cSld>
+  <p:clrMapOvr>
+    <a:masterClrMapping/>
+  </p:clrMapOvr>
+</p:sld>
+</file>
+
+<file path=ppt/slides/slide16.xml><?xml version="1.0" encoding="utf-8"?>
+<p:sld xmlns:a="http://schemas.openxmlformats.org/drawingml/2006/main" xmlns:r="http://schemas.openxmlformats.org/officeDocument/2006/relationships" xmlns:p="http://schemas.openxmlformats.org/presentationml/2006/main">
+  <p:cSld>
+    <p:spTree>
+      <p:nvGrpSpPr>
+        <p:cNvPr id="1" name=""/>
+        <p:cNvGrpSpPr/>
+        <p:nvPr/>
+      </p:nvGrpSpPr>
+      <p:grpSpPr>
+        <a:xfrm>
+          <a:off x="0" y="0"/>
+          <a:ext cx="0" cy="0"/>
+          <a:chOff x="0" y="0"/>
+          <a:chExt cx="0" cy="0"/>
+        </a:xfrm>
+      </p:grpSpPr>
+      <p:sp>
+        <p:nvSpPr>
+          <p:cNvPr id="3" name="Title 2"/>
+          <p:cNvSpPr>
+            <a:spLocks noGrp="1"/>
+          </p:cNvSpPr>
+          <p:nvPr>
+            <p:ph type="title"/>
+          </p:nvPr>
+        </p:nvSpPr>
+        <p:spPr/>
+        <p:txBody>
+          <a:bodyPr/>
+          <a:lstStyle/>
+          <a:p>
+            <a:r>
+              <a:rPr lang="en-US" dirty="0"/>
+              <a:t>Feature Generation</a:t>
+            </a:r>
+          </a:p>
+        </p:txBody>
+      </p:sp>
+      <p:sp>
+        <p:nvSpPr>
+          <p:cNvPr id="2" name="Content Placeholder 1"/>
+          <p:cNvSpPr>
+            <a:spLocks noGrp="1"/>
+          </p:cNvSpPr>
+          <p:nvPr>
+            <p:ph type="body" idx="1"/>
+          </p:nvPr>
+        </p:nvSpPr>
+        <p:spPr/>
+        <p:txBody>
+          <a:bodyPr>
+            <a:normAutofit/>
+          </a:bodyPr>
+          <a:lstStyle/>
+          <a:p>
+            <a:r>
+              <a:rPr lang="en-US" dirty="0"/>
+              <a:t>Categorical to Binary (Dummies)</a:t>
+            </a:r>
+          </a:p>
+          <a:p>
+            <a:r>
+              <a:rPr lang="en-US" dirty="0"/>
+              <a:t>Features for missing values</a:t>
+            </a:r>
+          </a:p>
+          <a:p>
+            <a:r>
+              <a:rPr lang="en-US" dirty="0"/>
+              <a:t>Discretization</a:t>
+            </a:r>
+          </a:p>
+          <a:p>
+            <a:r>
+              <a:rPr lang="en-US" dirty="0"/>
+              <a:t>Date/Time Features</a:t>
+            </a:r>
+          </a:p>
+          <a:p>
+            <a:r>
+              <a:rPr lang="en-US" dirty="0"/>
+              <a:t>Scaling/Normalizing</a:t>
+            </a:r>
+          </a:p>
+          <a:p>
+            <a:r>
+              <a:rPr lang="en-US" dirty="0"/>
+              <a:t>Transformations</a:t>
+            </a:r>
+          </a:p>
+          <a:p>
+            <a:r>
+              <a:rPr lang="en-US" b="1" dirty="0"/>
+              <a:t>Aggregations (space, time, space and time)</a:t>
+            </a:r>
+          </a:p>
+          <a:p>
+            <a:r>
+              <a:rPr lang="en-US" b="1" dirty="0"/>
+              <a:t>Relative (compared to the average</a:t>
+            </a:r>
+            <a:r>
+              <a:rPr lang="mr-IN" b="1" dirty="0"/>
+              <a:t>…</a:t>
+            </a:r>
+            <a:r>
+              <a:rPr lang="en-US" b="1" dirty="0"/>
+              <a:t>)</a:t>
+            </a:r>
+          </a:p>
+          <a:p>
+            <a:r>
+              <a:rPr lang="en-US" dirty="0"/>
+              <a:t>Interactions</a:t>
+            </a:r>
+          </a:p>
+        </p:txBody>
+      </p:sp>
+    </p:spTree>
+    <p:extLst>
+      <p:ext uri="{BB962C8B-B14F-4D97-AF65-F5344CB8AC3E}">
+        <p14:creationId xmlns:p14="http://schemas.microsoft.com/office/powerpoint/2010/main" val="1333766914"/>
+      </p:ext>
+    </p:extLst>
+  </p:cSld>
+  <p:clrMapOvr>
+    <a:masterClrMapping/>
+  </p:clrMapOvr>
+</p:sld>
+</file>
+
+<file path=ppt/slides/slide17.xml><?xml version="1.0" encoding="utf-8"?>
+<p:sld xmlns:a="http://schemas.openxmlformats.org/drawingml/2006/main" xmlns:r="http://schemas.openxmlformats.org/officeDocument/2006/relationships" xmlns:p="http://schemas.openxmlformats.org/presentationml/2006/main">
+  <p:cSld>
+    <p:spTree>
+      <p:nvGrpSpPr>
+        <p:cNvPr id="1" name=""/>
+        <p:cNvGrpSpPr/>
+        <p:nvPr/>
+      </p:nvGrpSpPr>
+      <p:grpSpPr>
+        <a:xfrm>
+          <a:off x="0" y="0"/>
+          <a:ext cx="0" cy="0"/>
+          <a:chOff x="0" y="0"/>
+          <a:chExt cx="0" cy="0"/>
+        </a:xfrm>
+      </p:grpSpPr>
+      <p:sp>
+        <p:nvSpPr>
+          <p:cNvPr id="3" name="Title 2"/>
+          <p:cNvSpPr>
+            <a:spLocks noGrp="1"/>
+          </p:cNvSpPr>
+          <p:nvPr>
+            <p:ph type="title"/>
+          </p:nvPr>
+        </p:nvSpPr>
+        <p:spPr/>
+        <p:txBody>
+          <a:bodyPr/>
+          <a:lstStyle/>
+          <a:p>
+            <a:r>
+              <a:rPr lang="en-US" dirty="0"/>
+              <a:t>Categorical to Binary</a:t>
+            </a:r>
+          </a:p>
+        </p:txBody>
+      </p:sp>
+      <p:sp>
+        <p:nvSpPr>
+          <p:cNvPr id="2" name="Content Placeholder 1"/>
+          <p:cNvSpPr>
+            <a:spLocks noGrp="1"/>
+          </p:cNvSpPr>
+          <p:nvPr>
+            <p:ph type="body" idx="1"/>
+          </p:nvPr>
+        </p:nvSpPr>
+        <p:spPr/>
+        <p:txBody>
+          <a:bodyPr/>
+          <a:lstStyle/>
+          <a:p>
             <a:endParaRPr lang="en-US" dirty="0"/>
           </a:p>
           <a:p>
@@ -10456,7 +11844,7 @@
 </p:sld>
 </file>
 
-<file path=ppt/slides/slide12.xml><?xml version="1.0" encoding="utf-8"?>
+<file path=ppt/slides/slide18.xml><?xml version="1.0" encoding="utf-8"?>
 <p:sld xmlns:a="http://schemas.openxmlformats.org/drawingml/2006/main" xmlns:r="http://schemas.openxmlformats.org/officeDocument/2006/relationships" xmlns:p="http://schemas.openxmlformats.org/presentationml/2006/main">
   <p:cSld>
     <p:spTree>
@@ -10748,7 +12136,7 @@
 </p:sld>
 </file>
 
-<file path=ppt/slides/slide13.xml><?xml version="1.0" encoding="utf-8"?>
+<file path=ppt/slides/slide19.xml><?xml version="1.0" encoding="utf-8"?>
 <p:sld xmlns:a="http://schemas.openxmlformats.org/drawingml/2006/main" xmlns:r="http://schemas.openxmlformats.org/officeDocument/2006/relationships" xmlns:p="http://schemas.openxmlformats.org/presentationml/2006/main">
   <p:cSld>
     <p:spTree>
@@ -10884,8 +12272,129 @@
 </p:sld>
 </file>
 
-<file path=ppt/slides/slide14.xml><?xml version="1.0" encoding="utf-8"?>
+<file path=ppt/slides/slide2.xml><?xml version="1.0" encoding="utf-8"?>
 <p:sld xmlns:a="http://schemas.openxmlformats.org/drawingml/2006/main" xmlns:r="http://schemas.openxmlformats.org/officeDocument/2006/relationships" xmlns:p="http://schemas.openxmlformats.org/presentationml/2006/main">
+  <p:cSld>
+    <p:spTree>
+      <p:nvGrpSpPr>
+        <p:cNvPr id="1" name=""/>
+        <p:cNvGrpSpPr/>
+        <p:nvPr/>
+      </p:nvGrpSpPr>
+      <p:grpSpPr>
+        <a:xfrm>
+          <a:off x="0" y="0"/>
+          <a:ext cx="0" cy="0"/>
+          <a:chOff x="0" y="0"/>
+          <a:chExt cx="0" cy="0"/>
+        </a:xfrm>
+      </p:grpSpPr>
+      <p:sp>
+        <p:nvSpPr>
+          <p:cNvPr id="3" name="Title 2">
+            <a:extLst>
+              <a:ext uri="{FF2B5EF4-FFF2-40B4-BE49-F238E27FC236}">
+                <a16:creationId xmlns:a16="http://schemas.microsoft.com/office/drawing/2014/main" id="{9323871C-7CA8-1448-8FFC-1AE6E1838941}"/>
+              </a:ext>
+            </a:extLst>
+          </p:cNvPr>
+          <p:cNvSpPr>
+            <a:spLocks noGrp="1"/>
+          </p:cNvSpPr>
+          <p:nvPr>
+            <p:ph type="title"/>
+          </p:nvPr>
+        </p:nvSpPr>
+        <p:spPr/>
+        <p:txBody>
+          <a:bodyPr/>
+          <a:lstStyle/>
+          <a:p>
+            <a:r>
+              <a:rPr lang="en-US" dirty="0"/>
+              <a:t>Reminders</a:t>
+            </a:r>
+          </a:p>
+        </p:txBody>
+      </p:sp>
+      <p:sp>
+        <p:nvSpPr>
+          <p:cNvPr id="5" name="Text Placeholder 4">
+            <a:extLst>
+              <a:ext uri="{FF2B5EF4-FFF2-40B4-BE49-F238E27FC236}">
+                <a16:creationId xmlns:a16="http://schemas.microsoft.com/office/drawing/2014/main" id="{F4E0A5F0-1D89-954D-91FB-596CD9E690F2}"/>
+              </a:ext>
+            </a:extLst>
+          </p:cNvPr>
+          <p:cNvSpPr>
+            <a:spLocks noGrp="1"/>
+          </p:cNvSpPr>
+          <p:nvPr>
+            <p:ph type="body" idx="1"/>
+          </p:nvPr>
+        </p:nvSpPr>
+        <p:spPr/>
+        <p:txBody>
+          <a:bodyPr/>
+          <a:lstStyle/>
+          <a:p>
+            <a:pPr marL="76200" indent="0">
+              <a:buNone/>
+            </a:pPr>
+            <a:r>
+              <a:rPr lang="en-US" b="1" dirty="0"/>
+              <a:t>Coming up next week:</a:t>
+            </a:r>
+          </a:p>
+          <a:p>
+            <a:pPr marL="76200" indent="0">
+              <a:buNone/>
+            </a:pPr>
+            <a:endParaRPr lang="en-US" b="1" dirty="0"/>
+          </a:p>
+          <a:p>
+            <a:r>
+              <a:rPr lang="en-US" dirty="0"/>
+              <a:t>Monday: Project Update 3</a:t>
+            </a:r>
+            <a:br>
+              <a:rPr lang="en-US" dirty="0"/>
+            </a:br>
+            <a:endParaRPr lang="en-US" dirty="0"/>
+          </a:p>
+          <a:p>
+            <a:r>
+              <a:rPr lang="en-US" dirty="0"/>
+              <a:t>Tuesday: Weekly Feedback Form</a:t>
+            </a:r>
+            <a:br>
+              <a:rPr lang="en-US" dirty="0"/>
+            </a:br>
+            <a:endParaRPr lang="en-US" dirty="0"/>
+          </a:p>
+          <a:p>
+            <a:r>
+              <a:rPr lang="en-US" dirty="0"/>
+              <a:t>Note: all readings for next week are optional</a:t>
+            </a:r>
+          </a:p>
+        </p:txBody>
+      </p:sp>
+    </p:spTree>
+    <p:extLst>
+      <p:ext uri="{BB962C8B-B14F-4D97-AF65-F5344CB8AC3E}">
+        <p14:creationId xmlns:p14="http://schemas.microsoft.com/office/powerpoint/2010/main" val="4239382787"/>
+      </p:ext>
+    </p:extLst>
+  </p:cSld>
+  <p:clrMapOvr>
+    <a:masterClrMapping/>
+  </p:clrMapOvr>
+</p:sld>
+</file>
+
+<file path=ppt/slides/slide20.xml><?xml version="1.0" encoding="utf-8"?>
+<p:sld xmlns:a="http://schemas.openxmlformats.org/drawingml/2006/main" xmlns:r="http://schemas.openxmlformats.org/officeDocument/2006/relationships" xmlns:p="http://schemas.openxmlformats.org/presentationml/2006/main" show="0">
   <p:cSld>
     <p:spTree>
       <p:nvGrpSpPr>
@@ -11005,7 +12514,7 @@
 </p:sld>
 </file>
 
-<file path=ppt/slides/slide15.xml><?xml version="1.0" encoding="utf-8"?>
+<file path=ppt/slides/slide21.xml><?xml version="1.0" encoding="utf-8"?>
 <p:sld xmlns:a="http://schemas.openxmlformats.org/drawingml/2006/main" xmlns:r="http://schemas.openxmlformats.org/officeDocument/2006/relationships" xmlns:p="http://schemas.openxmlformats.org/presentationml/2006/main">
   <p:cSld>
     <p:spTree>
@@ -11185,7 +12694,7 @@
 </p:sld>
 </file>
 
-<file path=ppt/slides/slide16.xml><?xml version="1.0" encoding="utf-8"?>
+<file path=ppt/slides/slide22.xml><?xml version="1.0" encoding="utf-8"?>
 <p:sld xmlns:a="http://schemas.openxmlformats.org/drawingml/2006/main" xmlns:r="http://schemas.openxmlformats.org/officeDocument/2006/relationships" xmlns:p="http://schemas.openxmlformats.org/presentationml/2006/main">
   <p:cSld>
     <p:spTree>
@@ -11338,7 +12847,7 @@
 </p:sld>
 </file>
 
-<file path=ppt/slides/slide17.xml><?xml version="1.0" encoding="utf-8"?>
+<file path=ppt/slides/slide23.xml><?xml version="1.0" encoding="utf-8"?>
 <p:sld xmlns:a="http://schemas.openxmlformats.org/drawingml/2006/main" xmlns:r="http://schemas.openxmlformats.org/officeDocument/2006/relationships" xmlns:p="http://schemas.openxmlformats.org/presentationml/2006/main">
   <p:cSld>
     <p:spTree>
@@ -11438,7 +12947,7 @@
 </p:sld>
 </file>
 
-<file path=ppt/slides/slide18.xml><?xml version="1.0" encoding="utf-8"?>
+<file path=ppt/slides/slide24.xml><?xml version="1.0" encoding="utf-8"?>
 <p:sld xmlns:a="http://schemas.openxmlformats.org/drawingml/2006/main" xmlns:r="http://schemas.openxmlformats.org/officeDocument/2006/relationships" xmlns:p="http://schemas.openxmlformats.org/presentationml/2006/main">
   <p:cSld>
     <p:spTree>
@@ -11539,7 +13048,7 @@
 </p:sld>
 </file>
 
-<file path=ppt/slides/slide19.xml><?xml version="1.0" encoding="utf-8"?>
+<file path=ppt/slides/slide25.xml><?xml version="1.0" encoding="utf-8"?>
 <p:sld xmlns:a="http://schemas.openxmlformats.org/drawingml/2006/main" xmlns:r="http://schemas.openxmlformats.org/officeDocument/2006/relationships" xmlns:p="http://schemas.openxmlformats.org/presentationml/2006/main">
   <p:cSld>
     <p:spTree>
@@ -11652,162 +13161,7 @@
 </p:sld>
 </file>
 
-<file path=ppt/slides/slide2.xml><?xml version="1.0" encoding="utf-8"?>
-<p:sld xmlns:a="http://schemas.openxmlformats.org/drawingml/2006/main" xmlns:r="http://schemas.openxmlformats.org/officeDocument/2006/relationships" xmlns:p="http://schemas.openxmlformats.org/presentationml/2006/main">
-  <p:cSld>
-    <p:spTree>
-      <p:nvGrpSpPr>
-        <p:cNvPr id="1" name=""/>
-        <p:cNvGrpSpPr/>
-        <p:nvPr/>
-      </p:nvGrpSpPr>
-      <p:grpSpPr>
-        <a:xfrm>
-          <a:off x="0" y="0"/>
-          <a:ext cx="0" cy="0"/>
-          <a:chOff x="0" y="0"/>
-          <a:chExt cx="0" cy="0"/>
-        </a:xfrm>
-      </p:grpSpPr>
-      <p:sp>
-        <p:nvSpPr>
-          <p:cNvPr id="3" name="Title 2">
-            <a:extLst>
-              <a:ext uri="{FF2B5EF4-FFF2-40B4-BE49-F238E27FC236}">
-                <a16:creationId xmlns:a16="http://schemas.microsoft.com/office/drawing/2014/main" id="{9323871C-7CA8-1448-8FFC-1AE6E1838941}"/>
-              </a:ext>
-            </a:extLst>
-          </p:cNvPr>
-          <p:cNvSpPr>
-            <a:spLocks noGrp="1"/>
-          </p:cNvSpPr>
-          <p:nvPr>
-            <p:ph type="title"/>
-          </p:nvPr>
-        </p:nvSpPr>
-        <p:spPr/>
-        <p:txBody>
-          <a:bodyPr/>
-          <a:lstStyle/>
-          <a:p>
-            <a:r>
-              <a:rPr lang="en-US" dirty="0"/>
-              <a:t>Reminders</a:t>
-            </a:r>
-          </a:p>
-        </p:txBody>
-      </p:sp>
-      <p:sp>
-        <p:nvSpPr>
-          <p:cNvPr id="5" name="Text Placeholder 4">
-            <a:extLst>
-              <a:ext uri="{FF2B5EF4-FFF2-40B4-BE49-F238E27FC236}">
-                <a16:creationId xmlns:a16="http://schemas.microsoft.com/office/drawing/2014/main" id="{F4E0A5F0-1D89-954D-91FB-596CD9E690F2}"/>
-              </a:ext>
-            </a:extLst>
-          </p:cNvPr>
-          <p:cNvSpPr>
-            <a:spLocks noGrp="1"/>
-          </p:cNvSpPr>
-          <p:nvPr>
-            <p:ph type="body" idx="1"/>
-          </p:nvPr>
-        </p:nvSpPr>
-        <p:spPr/>
-        <p:txBody>
-          <a:bodyPr/>
-          <a:lstStyle/>
-          <a:p>
-            <a:pPr marL="76200" indent="0">
-              <a:buNone/>
-            </a:pPr>
-            <a:r>
-              <a:rPr lang="en-US" b="1" dirty="0"/>
-              <a:t>This week:</a:t>
-            </a:r>
-          </a:p>
-          <a:p>
-            <a:r>
-              <a:rPr lang="en-US" dirty="0">
-                <a:solidFill>
-                  <a:srgbClr val="C00000"/>
-                </a:solidFill>
-              </a:rPr>
-              <a:t>Tomorrow: Wednesday Deep Dive Session on Modeling and Validation Plans</a:t>
-            </a:r>
-            <a:endParaRPr lang="en-US" b="1" dirty="0"/>
-          </a:p>
-          <a:p>
-            <a:pPr marL="76200" indent="0">
-              <a:buNone/>
-            </a:pPr>
-            <a:endParaRPr lang="en-US" b="1" dirty="0"/>
-          </a:p>
-          <a:p>
-            <a:pPr marL="76200" indent="0">
-              <a:buNone/>
-            </a:pPr>
-            <a:endParaRPr lang="en-US" b="1" dirty="0"/>
-          </a:p>
-          <a:p>
-            <a:pPr marL="76200" indent="0">
-              <a:buNone/>
-            </a:pPr>
-            <a:r>
-              <a:rPr lang="en-US" b="1" dirty="0"/>
-              <a:t>Coming up next week:</a:t>
-            </a:r>
-          </a:p>
-          <a:p>
-            <a:r>
-              <a:rPr lang="en-US" dirty="0"/>
-              <a:t>Monday: Project Update 3</a:t>
-            </a:r>
-            <a:br>
-              <a:rPr lang="en-US" dirty="0"/>
-            </a:br>
-            <a:endParaRPr lang="en-US" dirty="0"/>
-          </a:p>
-          <a:p>
-            <a:r>
-              <a:rPr lang="en-US" dirty="0"/>
-              <a:t>Tuesday: Weekly Feedback Form</a:t>
-            </a:r>
-            <a:br>
-              <a:rPr lang="en-US" dirty="0"/>
-            </a:br>
-            <a:endParaRPr lang="en-US" dirty="0"/>
-          </a:p>
-          <a:p>
-            <a:r>
-              <a:rPr lang="en-US" dirty="0"/>
-              <a:t>Thursday: Reading on </a:t>
-            </a:r>
-            <a:r>
-              <a:rPr lang="en-US" dirty="0" err="1"/>
-              <a:t>Transductive</a:t>
-            </a:r>
-            <a:r>
-              <a:rPr lang="en-US" dirty="0"/>
-              <a:t> Top-k</a:t>
-            </a:r>
-          </a:p>
-        </p:txBody>
-      </p:sp>
-    </p:spTree>
-    <p:extLst>
-      <p:ext uri="{BB962C8B-B14F-4D97-AF65-F5344CB8AC3E}">
-        <p14:creationId xmlns:p14="http://schemas.microsoft.com/office/powerpoint/2010/main" val="186046226"/>
-      </p:ext>
-    </p:extLst>
-  </p:cSld>
-  <p:clrMapOvr>
-    <a:masterClrMapping/>
-  </p:clrMapOvr>
-</p:sld>
-</file>
-
-<file path=ppt/slides/slide20.xml><?xml version="1.0" encoding="utf-8"?>
+<file path=ppt/slides/slide26.xml><?xml version="1.0" encoding="utf-8"?>
 <p:sld xmlns:a="http://schemas.openxmlformats.org/drawingml/2006/main" xmlns:r="http://schemas.openxmlformats.org/officeDocument/2006/relationships" xmlns:p="http://schemas.openxmlformats.org/presentationml/2006/main">
   <p:cSld>
     <p:spTree>
@@ -11947,7 +13301,7 @@
 </p:sld>
 </file>
 
-<file path=ppt/slides/slide21.xml><?xml version="1.0" encoding="utf-8"?>
+<file path=ppt/slides/slide27.xml><?xml version="1.0" encoding="utf-8"?>
 <p:sld xmlns:a="http://schemas.openxmlformats.org/drawingml/2006/main" xmlns:r="http://schemas.openxmlformats.org/officeDocument/2006/relationships" xmlns:p="http://schemas.openxmlformats.org/presentationml/2006/main">
   <p:cSld>
     <p:spTree>
@@ -12129,7 +13483,7 @@
 </p:sld>
 </file>
 
-<file path=ppt/slides/slide22.xml><?xml version="1.0" encoding="utf-8"?>
+<file path=ppt/slides/slide28.xml><?xml version="1.0" encoding="utf-8"?>
 <p:sld xmlns:a="http://schemas.openxmlformats.org/drawingml/2006/main" xmlns:r="http://schemas.openxmlformats.org/officeDocument/2006/relationships" xmlns:p="http://schemas.openxmlformats.org/presentationml/2006/main">
   <p:cSld>
     <p:spTree>
@@ -12309,7 +13663,7 @@
 </p:sld>
 </file>
 
-<file path=ppt/slides/slide23.xml><?xml version="1.0" encoding="utf-8"?>
+<file path=ppt/slides/slide29.xml><?xml version="1.0" encoding="utf-8"?>
 <p:sld xmlns:a="http://schemas.openxmlformats.org/drawingml/2006/main" xmlns:r="http://schemas.openxmlformats.org/officeDocument/2006/relationships" xmlns:p="http://schemas.openxmlformats.org/presentationml/2006/main">
   <p:cSld>
     <p:spTree>
@@ -12491,7 +13845,409 @@
 </p:sld>
 </file>
 
-<file path=ppt/slides/slide24.xml><?xml version="1.0" encoding="utf-8"?>
+<file path=ppt/slides/slide3.xml><?xml version="1.0" encoding="utf-8"?>
+<p:sld xmlns:a="http://schemas.openxmlformats.org/drawingml/2006/main" xmlns:r="http://schemas.openxmlformats.org/officeDocument/2006/relationships" xmlns:p="http://schemas.openxmlformats.org/presentationml/2006/main">
+  <p:cSld>
+    <p:spTree>
+      <p:nvGrpSpPr>
+        <p:cNvPr id="1" name=""/>
+        <p:cNvGrpSpPr/>
+        <p:nvPr/>
+      </p:nvGrpSpPr>
+      <p:grpSpPr>
+        <a:xfrm>
+          <a:off x="0" y="0"/>
+          <a:ext cx="0" cy="0"/>
+          <a:chOff x="0" y="0"/>
+          <a:chExt cx="0" cy="0"/>
+        </a:xfrm>
+      </p:grpSpPr>
+      <p:sp>
+        <p:nvSpPr>
+          <p:cNvPr id="2" name="Title 1">
+            <a:extLst>
+              <a:ext uri="{FF2B5EF4-FFF2-40B4-BE49-F238E27FC236}">
+                <a16:creationId xmlns:a16="http://schemas.microsoft.com/office/drawing/2014/main" id="{21359BA9-BA2B-D148-89DA-A99081B1FF81}"/>
+              </a:ext>
+            </a:extLst>
+          </p:cNvPr>
+          <p:cNvSpPr>
+            <a:spLocks noGrp="1"/>
+          </p:cNvSpPr>
+          <p:nvPr>
+            <p:ph type="title"/>
+          </p:nvPr>
+        </p:nvSpPr>
+        <p:spPr/>
+        <p:txBody>
+          <a:bodyPr/>
+          <a:lstStyle/>
+          <a:p>
+            <a:r>
+              <a:rPr lang="en-US" dirty="0"/>
+              <a:t>Notes from update 2</a:t>
+            </a:r>
+          </a:p>
+        </p:txBody>
+      </p:sp>
+      <p:sp>
+        <p:nvSpPr>
+          <p:cNvPr id="3" name="Text Placeholder 2">
+            <a:extLst>
+              <a:ext uri="{FF2B5EF4-FFF2-40B4-BE49-F238E27FC236}">
+                <a16:creationId xmlns:a16="http://schemas.microsoft.com/office/drawing/2014/main" id="{DDA03E0F-5F3D-5B4D-8232-BF72B84A198E}"/>
+              </a:ext>
+            </a:extLst>
+          </p:cNvPr>
+          <p:cNvSpPr>
+            <a:spLocks noGrp="1"/>
+          </p:cNvSpPr>
+          <p:nvPr>
+            <p:ph type="body" idx="1"/>
+          </p:nvPr>
+        </p:nvSpPr>
+        <p:spPr/>
+        <p:txBody>
+          <a:bodyPr/>
+          <a:lstStyle/>
+          <a:p>
+            <a:r>
+              <a:rPr lang="en-US" dirty="0"/>
+              <a:t>F1 as a metric: What is F1 trying to do generally? How much does that make sense here?</a:t>
+            </a:r>
+            <a:br>
+              <a:rPr lang="en-US" dirty="0"/>
+            </a:br>
+            <a:endParaRPr lang="en-US" dirty="0"/>
+          </a:p>
+          <a:p>
+            <a:r>
+              <a:rPr lang="en-US" dirty="0"/>
+              <a:t>Validation examples starting right after training examples</a:t>
+            </a:r>
+          </a:p>
+          <a:p>
+            <a:endParaRPr lang="en-US" dirty="0"/>
+          </a:p>
+          <a:p>
+            <a:r>
+              <a:rPr lang="en-US" dirty="0"/>
+              <a:t>Long validation windows</a:t>
+            </a:r>
+            <a:br>
+              <a:rPr lang="en-US" dirty="0"/>
+            </a:br>
+            <a:endParaRPr lang="en-US" dirty="0"/>
+          </a:p>
+          <a:p>
+            <a:r>
+              <a:rPr lang="en-US" dirty="0"/>
+              <a:t>Long time between splits (e.g., one/year)</a:t>
+            </a:r>
+          </a:p>
+          <a:p>
+            <a:endParaRPr lang="en-US" dirty="0"/>
+          </a:p>
+          <a:p>
+            <a:r>
+              <a:rPr lang="en-US" dirty="0"/>
+              <a:t>Is 1 fully funded or is 0? Does it matter?</a:t>
+            </a:r>
+          </a:p>
+        </p:txBody>
+      </p:sp>
+    </p:spTree>
+    <p:extLst>
+      <p:ext uri="{BB962C8B-B14F-4D97-AF65-F5344CB8AC3E}">
+        <p14:creationId xmlns:p14="http://schemas.microsoft.com/office/powerpoint/2010/main" val="1721185332"/>
+      </p:ext>
+    </p:extLst>
+  </p:cSld>
+  <p:clrMapOvr>
+    <a:masterClrMapping/>
+  </p:clrMapOvr>
+  <p:timing>
+    <p:tnLst>
+      <p:par>
+        <p:cTn id="1" dur="indefinite" restart="never" nodeType="tmRoot">
+          <p:childTnLst>
+            <p:seq concurrent="1" nextAc="seek">
+              <p:cTn id="2" dur="indefinite" nodeType="mainSeq">
+                <p:childTnLst>
+                  <p:par>
+                    <p:cTn id="3" fill="hold">
+                      <p:stCondLst>
+                        <p:cond delay="indefinite"/>
+                      </p:stCondLst>
+                      <p:childTnLst>
+                        <p:par>
+                          <p:cTn id="4" fill="hold">
+                            <p:stCondLst>
+                              <p:cond delay="0"/>
+                            </p:stCondLst>
+                            <p:childTnLst>
+                              <p:par>
+                                <p:cTn id="5" presetID="1" presetClass="entr" presetSubtype="0" fill="hold" grpId="0" nodeType="clickEffect">
+                                  <p:stCondLst>
+                                    <p:cond delay="0"/>
+                                  </p:stCondLst>
+                                  <p:childTnLst>
+                                    <p:set>
+                                      <p:cBhvr>
+                                        <p:cTn id="6" dur="1" fill="hold">
+                                          <p:stCondLst>
+                                            <p:cond delay="0"/>
+                                          </p:stCondLst>
+                                        </p:cTn>
+                                        <p:tgtEl>
+                                          <p:spTgt spid="3">
+                                            <p:txEl>
+                                              <p:pRg st="0" end="0"/>
+                                            </p:txEl>
+                                          </p:spTgt>
+                                        </p:tgtEl>
+                                        <p:attrNameLst>
+                                          <p:attrName>style.visibility</p:attrName>
+                                        </p:attrNameLst>
+                                      </p:cBhvr>
+                                      <p:to>
+                                        <p:strVal val="visible"/>
+                                      </p:to>
+                                    </p:set>
+                                  </p:childTnLst>
+                                </p:cTn>
+                              </p:par>
+                            </p:childTnLst>
+                          </p:cTn>
+                        </p:par>
+                      </p:childTnLst>
+                    </p:cTn>
+                  </p:par>
+                  <p:par>
+                    <p:cTn id="7" fill="hold">
+                      <p:stCondLst>
+                        <p:cond delay="indefinite"/>
+                      </p:stCondLst>
+                      <p:childTnLst>
+                        <p:par>
+                          <p:cTn id="8" fill="hold">
+                            <p:stCondLst>
+                              <p:cond delay="0"/>
+                            </p:stCondLst>
+                            <p:childTnLst>
+                              <p:par>
+                                <p:cTn id="9" presetID="1" presetClass="entr" presetSubtype="0" fill="hold" grpId="0" nodeType="clickEffect">
+                                  <p:stCondLst>
+                                    <p:cond delay="0"/>
+                                  </p:stCondLst>
+                                  <p:childTnLst>
+                                    <p:set>
+                                      <p:cBhvr>
+                                        <p:cTn id="10" dur="1" fill="hold">
+                                          <p:stCondLst>
+                                            <p:cond delay="0"/>
+                                          </p:stCondLst>
+                                        </p:cTn>
+                                        <p:tgtEl>
+                                          <p:spTgt spid="3">
+                                            <p:txEl>
+                                              <p:pRg st="1" end="1"/>
+                                            </p:txEl>
+                                          </p:spTgt>
+                                        </p:tgtEl>
+                                        <p:attrNameLst>
+                                          <p:attrName>style.visibility</p:attrName>
+                                        </p:attrNameLst>
+                                      </p:cBhvr>
+                                      <p:to>
+                                        <p:strVal val="visible"/>
+                                      </p:to>
+                                    </p:set>
+                                  </p:childTnLst>
+                                </p:cTn>
+                              </p:par>
+                            </p:childTnLst>
+                          </p:cTn>
+                        </p:par>
+                      </p:childTnLst>
+                    </p:cTn>
+                  </p:par>
+                  <p:par>
+                    <p:cTn id="11" fill="hold">
+                      <p:stCondLst>
+                        <p:cond delay="indefinite"/>
+                      </p:stCondLst>
+                      <p:childTnLst>
+                        <p:par>
+                          <p:cTn id="12" fill="hold">
+                            <p:stCondLst>
+                              <p:cond delay="0"/>
+                            </p:stCondLst>
+                            <p:childTnLst>
+                              <p:par>
+                                <p:cTn id="13" presetID="1" presetClass="entr" presetSubtype="0" fill="hold" grpId="0" nodeType="clickEffect">
+                                  <p:stCondLst>
+                                    <p:cond delay="0"/>
+                                  </p:stCondLst>
+                                  <p:childTnLst>
+                                    <p:set>
+                                      <p:cBhvr>
+                                        <p:cTn id="14" dur="1" fill="hold">
+                                          <p:stCondLst>
+                                            <p:cond delay="0"/>
+                                          </p:stCondLst>
+                                        </p:cTn>
+                                        <p:tgtEl>
+                                          <p:spTgt spid="3">
+                                            <p:txEl>
+                                              <p:pRg st="3" end="3"/>
+                                            </p:txEl>
+                                          </p:spTgt>
+                                        </p:tgtEl>
+                                        <p:attrNameLst>
+                                          <p:attrName>style.visibility</p:attrName>
+                                        </p:attrNameLst>
+                                      </p:cBhvr>
+                                      <p:to>
+                                        <p:strVal val="visible"/>
+                                      </p:to>
+                                    </p:set>
+                                  </p:childTnLst>
+                                </p:cTn>
+                              </p:par>
+                            </p:childTnLst>
+                          </p:cTn>
+                        </p:par>
+                      </p:childTnLst>
+                    </p:cTn>
+                  </p:par>
+                  <p:par>
+                    <p:cTn id="15" fill="hold">
+                      <p:stCondLst>
+                        <p:cond delay="indefinite"/>
+                      </p:stCondLst>
+                      <p:childTnLst>
+                        <p:par>
+                          <p:cTn id="16" fill="hold">
+                            <p:stCondLst>
+                              <p:cond delay="0"/>
+                            </p:stCondLst>
+                            <p:childTnLst>
+                              <p:par>
+                                <p:cTn id="17" presetID="1" presetClass="entr" presetSubtype="0" fill="hold" grpId="0" nodeType="clickEffect">
+                                  <p:stCondLst>
+                                    <p:cond delay="0"/>
+                                  </p:stCondLst>
+                                  <p:childTnLst>
+                                    <p:set>
+                                      <p:cBhvr>
+                                        <p:cTn id="18" dur="1" fill="hold">
+                                          <p:stCondLst>
+                                            <p:cond delay="0"/>
+                                          </p:stCondLst>
+                                        </p:cTn>
+                                        <p:tgtEl>
+                                          <p:spTgt spid="3">
+                                            <p:txEl>
+                                              <p:pRg st="4" end="4"/>
+                                            </p:txEl>
+                                          </p:spTgt>
+                                        </p:tgtEl>
+                                        <p:attrNameLst>
+                                          <p:attrName>style.visibility</p:attrName>
+                                        </p:attrNameLst>
+                                      </p:cBhvr>
+                                      <p:to>
+                                        <p:strVal val="visible"/>
+                                      </p:to>
+                                    </p:set>
+                                  </p:childTnLst>
+                                </p:cTn>
+                              </p:par>
+                            </p:childTnLst>
+                          </p:cTn>
+                        </p:par>
+                      </p:childTnLst>
+                    </p:cTn>
+                  </p:par>
+                  <p:par>
+                    <p:cTn id="19" fill="hold">
+                      <p:stCondLst>
+                        <p:cond delay="indefinite"/>
+                      </p:stCondLst>
+                      <p:childTnLst>
+                        <p:par>
+                          <p:cTn id="20" fill="hold">
+                            <p:stCondLst>
+                              <p:cond delay="0"/>
+                            </p:stCondLst>
+                            <p:childTnLst>
+                              <p:par>
+                                <p:cTn id="21" presetID="1" presetClass="entr" presetSubtype="0" fill="hold" grpId="0" nodeType="clickEffect">
+                                  <p:stCondLst>
+                                    <p:cond delay="0"/>
+                                  </p:stCondLst>
+                                  <p:childTnLst>
+                                    <p:set>
+                                      <p:cBhvr>
+                                        <p:cTn id="22" dur="1" fill="hold">
+                                          <p:stCondLst>
+                                            <p:cond delay="0"/>
+                                          </p:stCondLst>
+                                        </p:cTn>
+                                        <p:tgtEl>
+                                          <p:spTgt spid="3">
+                                            <p:txEl>
+                                              <p:pRg st="6" end="6"/>
+                                            </p:txEl>
+                                          </p:spTgt>
+                                        </p:tgtEl>
+                                        <p:attrNameLst>
+                                          <p:attrName>style.visibility</p:attrName>
+                                        </p:attrNameLst>
+                                      </p:cBhvr>
+                                      <p:to>
+                                        <p:strVal val="visible"/>
+                                      </p:to>
+                                    </p:set>
+                                  </p:childTnLst>
+                                </p:cTn>
+                              </p:par>
+                            </p:childTnLst>
+                          </p:cTn>
+                        </p:par>
+                      </p:childTnLst>
+                    </p:cTn>
+                  </p:par>
+                </p:childTnLst>
+              </p:cTn>
+              <p:prevCondLst>
+                <p:cond evt="onPrev" delay="0">
+                  <p:tgtEl>
+                    <p:sldTgt/>
+                  </p:tgtEl>
+                </p:cond>
+              </p:prevCondLst>
+              <p:nextCondLst>
+                <p:cond evt="onNext" delay="0">
+                  <p:tgtEl>
+                    <p:sldTgt/>
+                  </p:tgtEl>
+                </p:cond>
+              </p:nextCondLst>
+            </p:seq>
+          </p:childTnLst>
+        </p:cTn>
+      </p:par>
+    </p:tnLst>
+    <p:bldLst>
+      <p:bldP spid="3" grpId="0" build="p"/>
+    </p:bldLst>
+  </p:timing>
+</p:sld>
+</file>
+
+<file path=ppt/slides/slide30.xml><?xml version="1.0" encoding="utf-8"?>
 <p:sld xmlns:a="http://schemas.openxmlformats.org/drawingml/2006/main" xmlns:r="http://schemas.openxmlformats.org/officeDocument/2006/relationships" xmlns:p="http://schemas.openxmlformats.org/presentationml/2006/main">
   <p:cSld>
     <p:spTree>
@@ -12673,7 +14429,7 @@
 </p:sld>
 </file>
 
-<file path=ppt/slides/slide25.xml><?xml version="1.0" encoding="utf-8"?>
+<file path=ppt/slides/slide31.xml><?xml version="1.0" encoding="utf-8"?>
 <p:sld xmlns:a="http://schemas.openxmlformats.org/drawingml/2006/main" xmlns:r="http://schemas.openxmlformats.org/officeDocument/2006/relationships" xmlns:p="http://schemas.openxmlformats.org/presentationml/2006/main">
   <p:cSld>
     <p:spTree>
@@ -12855,7 +14611,7 @@
 </p:sld>
 </file>
 
-<file path=ppt/slides/slide26.xml><?xml version="1.0" encoding="utf-8"?>
+<file path=ppt/slides/slide32.xml><?xml version="1.0" encoding="utf-8"?>
 <p:sld xmlns:a="http://schemas.openxmlformats.org/drawingml/2006/main" xmlns:r="http://schemas.openxmlformats.org/officeDocument/2006/relationships" xmlns:p="http://schemas.openxmlformats.org/presentationml/2006/main">
   <p:cSld>
     <p:spTree>
@@ -12968,7 +14724,7 @@
 </p:sld>
 </file>
 
-<file path=ppt/slides/slide27.xml><?xml version="1.0" encoding="utf-8"?>
+<file path=ppt/slides/slide33.xml><?xml version="1.0" encoding="utf-8"?>
 <p:sld xmlns:a="http://schemas.openxmlformats.org/drawingml/2006/main" xmlns:r="http://schemas.openxmlformats.org/officeDocument/2006/relationships" xmlns:p="http://schemas.openxmlformats.org/presentationml/2006/main">
   <p:cSld>
     <p:spTree>
@@ -13051,7 +14807,7 @@
 </p:sld>
 </file>
 
-<file path=ppt/slides/slide28.xml><?xml version="1.0" encoding="utf-8"?>
+<file path=ppt/slides/slide34.xml><?xml version="1.0" encoding="utf-8"?>
 <p:sld xmlns:a="http://schemas.openxmlformats.org/drawingml/2006/main" xmlns:r="http://schemas.openxmlformats.org/officeDocument/2006/relationships" xmlns:p="http://schemas.openxmlformats.org/presentationml/2006/main">
   <p:cSld>
     <p:spTree>
@@ -13122,19 +14878,8 @@
             </a:pPr>
             <a:r>
               <a:rPr lang="en-US" b="1" dirty="0"/>
-              <a:t>This week:</a:t>
-            </a:r>
-          </a:p>
-          <a:p>
-            <a:r>
-              <a:rPr lang="en-US" dirty="0">
-                <a:solidFill>
-                  <a:srgbClr val="C00000"/>
-                </a:solidFill>
-              </a:rPr>
-              <a:t>Tomorrow: Wednesday Deep Dive Session on Modeling and Validation Plans</a:t>
-            </a:r>
-            <a:endParaRPr lang="en-US" b="1" dirty="0"/>
+              <a:t>Coming up next week:</a:t>
+            </a:r>
           </a:p>
           <a:p>
             <a:pPr marL="76200" indent="0">
@@ -13143,21 +14888,6 @@
             <a:endParaRPr lang="en-US" b="1" dirty="0"/>
           </a:p>
           <a:p>
-            <a:pPr marL="76200" indent="0">
-              <a:buNone/>
-            </a:pPr>
-            <a:endParaRPr lang="en-US" b="1" dirty="0"/>
-          </a:p>
-          <a:p>
-            <a:pPr marL="76200" indent="0">
-              <a:buNone/>
-            </a:pPr>
-            <a:r>
-              <a:rPr lang="en-US" b="1" dirty="0"/>
-              <a:t>Coming up next week:</a:t>
-            </a:r>
-          </a:p>
-          <a:p>
             <a:r>
               <a:rPr lang="en-US" dirty="0"/>
               <a:t>Monday: Project Update 3</a:t>
@@ -13180,15 +14910,7 @@
           <a:p>
             <a:r>
               <a:rPr lang="en-US" dirty="0"/>
-              <a:t>Thursday: Reading on </a:t>
-            </a:r>
-            <a:r>
-              <a:rPr lang="en-US" dirty="0" err="1"/>
-              <a:t>Transductive</a:t>
-            </a:r>
-            <a:r>
-              <a:rPr lang="en-US" dirty="0"/>
-              <a:t> Top-k</a:t>
+              <a:t>Note: all readings for next week are optional</a:t>
             </a:r>
           </a:p>
         </p:txBody>
@@ -13196,116 +14918,7 @@
     </p:spTree>
     <p:extLst>
       <p:ext uri="{BB962C8B-B14F-4D97-AF65-F5344CB8AC3E}">
-        <p14:creationId xmlns:p14="http://schemas.microsoft.com/office/powerpoint/2010/main" val="1220840346"/>
-      </p:ext>
-    </p:extLst>
-  </p:cSld>
-  <p:clrMapOvr>
-    <a:masterClrMapping/>
-  </p:clrMapOvr>
-</p:sld>
-</file>
-
-<file path=ppt/slides/slide3.xml><?xml version="1.0" encoding="utf-8"?>
-<p:sld xmlns:a="http://schemas.openxmlformats.org/drawingml/2006/main" xmlns:r="http://schemas.openxmlformats.org/officeDocument/2006/relationships" xmlns:p="http://schemas.openxmlformats.org/presentationml/2006/main">
-  <p:cSld>
-    <p:spTree>
-      <p:nvGrpSpPr>
-        <p:cNvPr id="1" name=""/>
-        <p:cNvGrpSpPr/>
-        <p:nvPr/>
-      </p:nvGrpSpPr>
-      <p:grpSpPr>
-        <a:xfrm>
-          <a:off x="0" y="0"/>
-          <a:ext cx="0" cy="0"/>
-          <a:chOff x="0" y="0"/>
-          <a:chExt cx="0" cy="0"/>
-        </a:xfrm>
-      </p:grpSpPr>
-      <p:sp>
-        <p:nvSpPr>
-          <p:cNvPr id="2" name="Title 1">
-            <a:extLst>
-              <a:ext uri="{FF2B5EF4-FFF2-40B4-BE49-F238E27FC236}">
-                <a16:creationId xmlns:a16="http://schemas.microsoft.com/office/drawing/2014/main" id="{21359BA9-BA2B-D148-89DA-A99081B1FF81}"/>
-              </a:ext>
-            </a:extLst>
-          </p:cNvPr>
-          <p:cNvSpPr>
-            <a:spLocks noGrp="1"/>
-          </p:cNvSpPr>
-          <p:nvPr>
-            <p:ph type="title"/>
-          </p:nvPr>
-        </p:nvSpPr>
-        <p:spPr/>
-        <p:txBody>
-          <a:bodyPr/>
-          <a:lstStyle/>
-          <a:p>
-            <a:r>
-              <a:rPr lang="en-US" dirty="0"/>
-              <a:t>What We’ll Cover Today</a:t>
-            </a:r>
-          </a:p>
-        </p:txBody>
-      </p:sp>
-      <p:sp>
-        <p:nvSpPr>
-          <p:cNvPr id="3" name="Text Placeholder 2">
-            <a:extLst>
-              <a:ext uri="{FF2B5EF4-FFF2-40B4-BE49-F238E27FC236}">
-                <a16:creationId xmlns:a16="http://schemas.microsoft.com/office/drawing/2014/main" id="{DDA03E0F-5F3D-5B4D-8232-BF72B84A198E}"/>
-              </a:ext>
-            </a:extLst>
-          </p:cNvPr>
-          <p:cNvSpPr>
-            <a:spLocks noGrp="1"/>
-          </p:cNvSpPr>
-          <p:nvPr>
-            <p:ph type="body" idx="1"/>
-          </p:nvPr>
-        </p:nvSpPr>
-        <p:spPr/>
-        <p:txBody>
-          <a:bodyPr/>
-          <a:lstStyle/>
-          <a:p>
-            <a:r>
-              <a:rPr lang="en-US" dirty="0"/>
-              <a:t>Feature Creation/Engineering</a:t>
-            </a:r>
-            <a:br>
-              <a:rPr lang="en-US" dirty="0"/>
-            </a:br>
-            <a:endParaRPr lang="en-US" dirty="0"/>
-          </a:p>
-          <a:p>
-            <a:r>
-              <a:rPr lang="en-US" dirty="0"/>
-              <a:t>Introducing Bias in Feature Development</a:t>
-            </a:r>
-            <a:br>
-              <a:rPr lang="en-US" dirty="0"/>
-            </a:br>
-            <a:endParaRPr lang="en-US" dirty="0"/>
-          </a:p>
-          <a:p>
-            <a:r>
-              <a:rPr lang="en-US" dirty="0"/>
-              <a:t>Dealing with Missing Data</a:t>
-            </a:r>
-          </a:p>
-          <a:p>
-            <a:endParaRPr lang="en-US" dirty="0"/>
-          </a:p>
-        </p:txBody>
-      </p:sp>
-    </p:spTree>
-    <p:extLst>
-      <p:ext uri="{BB962C8B-B14F-4D97-AF65-F5344CB8AC3E}">
-        <p14:creationId xmlns:p14="http://schemas.microsoft.com/office/powerpoint/2010/main" val="1721185332"/>
+        <p14:creationId xmlns:p14="http://schemas.microsoft.com/office/powerpoint/2010/main" val="186046226"/>
       </p:ext>
     </p:extLst>
   </p:cSld>
@@ -13349,70 +14962,401 @@
           <a:p>
             <a:r>
               <a:rPr lang="en-US" dirty="0"/>
-              <a:t>Why do we care?</a:t>
+              <a:t>Reminder: The PR-k Curve</a:t>
             </a:r>
           </a:p>
         </p:txBody>
       </p:sp>
-      <p:sp>
-        <p:nvSpPr>
-          <p:cNvPr id="2" name="Content Placeholder 1"/>
-          <p:cNvSpPr>
-            <a:spLocks noGrp="1"/>
-          </p:cNvSpPr>
-          <p:nvPr>
-            <p:ph type="body" idx="1"/>
-          </p:nvPr>
-        </p:nvSpPr>
-        <p:spPr/>
-        <p:txBody>
-          <a:bodyPr>
-            <a:normAutofit/>
-          </a:bodyPr>
-          <a:lstStyle/>
-          <a:p>
-            <a:r>
-              <a:rPr lang="en-US" dirty="0"/>
-              <a:t>Features are hints/rules of thumb you give your model</a:t>
-            </a:r>
-          </a:p>
-          <a:p>
-            <a:pPr lvl="1"/>
-            <a:r>
-              <a:rPr lang="en-US" sz="2000" dirty="0"/>
-              <a:t>Encoding domain knowledge and context for the model to use</a:t>
-            </a:r>
-          </a:p>
-          <a:p>
-            <a:endParaRPr lang="en-US" dirty="0"/>
-          </a:p>
-          <a:p>
-            <a:r>
-              <a:rPr lang="en-US" dirty="0"/>
-              <a:t>Feature generation is a critical part of the machine learning modeling process, especially with structured data.</a:t>
-            </a:r>
-          </a:p>
-          <a:p>
-            <a:endParaRPr lang="en-US" dirty="0"/>
-          </a:p>
-          <a:p>
-            <a:r>
-              <a:rPr lang="en-US" dirty="0"/>
-              <a:t>Complexity in features may allow us to use less complex models that are faster to run, easier to understand and easier to maintain.</a:t>
-            </a:r>
-          </a:p>
-          <a:p>
-            <a:endParaRPr lang="en-US" dirty="0"/>
-          </a:p>
-          <a:p>
-            <a:endParaRPr lang="en-US" dirty="0"/>
-          </a:p>
-        </p:txBody>
-      </p:sp>
+      <p:grpSp>
+        <p:nvGrpSpPr>
+          <p:cNvPr id="5" name="Group 4"/>
+          <p:cNvGrpSpPr/>
+          <p:nvPr/>
+        </p:nvGrpSpPr>
+        <p:grpSpPr>
+          <a:xfrm>
+            <a:off x="2435740" y="1562635"/>
+            <a:ext cx="7320520" cy="4944871"/>
+            <a:chOff x="616981" y="1325057"/>
+            <a:chExt cx="7320520" cy="4944871"/>
+          </a:xfrm>
+        </p:grpSpPr>
+        <p:pic>
+          <p:nvPicPr>
+            <p:cNvPr id="4" name="Picture 3"/>
+            <p:cNvPicPr>
+              <a:picLocks noChangeAspect="1"/>
+            </p:cNvPicPr>
+            <p:nvPr/>
+          </p:nvPicPr>
+          <p:blipFill>
+            <a:blip r:embed="rId2"/>
+            <a:stretch>
+              <a:fillRect/>
+            </a:stretch>
+          </p:blipFill>
+          <p:spPr>
+            <a:xfrm>
+              <a:off x="616981" y="1325057"/>
+              <a:ext cx="7320520" cy="4944871"/>
+            </a:xfrm>
+            <a:prstGeom prst="rect">
+              <a:avLst/>
+            </a:prstGeom>
+          </p:spPr>
+        </p:pic>
+        <p:sp>
+          <p:nvSpPr>
+            <p:cNvPr id="2" name="Rectangle 1"/>
+            <p:cNvSpPr/>
+            <p:nvPr/>
+          </p:nvSpPr>
+          <p:spPr>
+            <a:xfrm>
+              <a:off x="4064000" y="1409700"/>
+              <a:ext cx="342900" cy="279400"/>
+            </a:xfrm>
+            <a:prstGeom prst="rect">
+              <a:avLst/>
+            </a:prstGeom>
+            <a:ln>
+              <a:noFill/>
+            </a:ln>
+          </p:spPr>
+          <p:style>
+            <a:lnRef idx="2">
+              <a:schemeClr val="dk1"/>
+            </a:lnRef>
+            <a:fillRef idx="1">
+              <a:schemeClr val="lt1"/>
+            </a:fillRef>
+            <a:effectRef idx="0">
+              <a:schemeClr val="dk1"/>
+            </a:effectRef>
+            <a:fontRef idx="minor">
+              <a:schemeClr val="dk1"/>
+            </a:fontRef>
+          </p:style>
+          <p:txBody>
+            <a:bodyPr rtlCol="0" anchor="ctr"/>
+            <a:lstStyle/>
+            <a:p>
+              <a:pPr algn="ctr" defTabSz="457200">
+                <a:buClrTx/>
+              </a:pPr>
+              <a:endParaRPr lang="en-US" sz="1800" kern="1200">
+                <a:solidFill>
+                  <a:prstClr val="black"/>
+                </a:solidFill>
+                <a:latin typeface="Calibri"/>
+              </a:endParaRPr>
+            </a:p>
+          </p:txBody>
+        </p:sp>
+      </p:grpSp>
+      <p:grpSp>
+        <p:nvGrpSpPr>
+          <p:cNvPr id="9" name="Group 8">
+            <a:extLst>
+              <a:ext uri="{FF2B5EF4-FFF2-40B4-BE49-F238E27FC236}">
+                <a16:creationId xmlns:a16="http://schemas.microsoft.com/office/drawing/2014/main" id="{100148AF-CA57-0541-9177-560EC8D36156}"/>
+              </a:ext>
+            </a:extLst>
+          </p:cNvPr>
+          <p:cNvGrpSpPr/>
+          <p:nvPr/>
+        </p:nvGrpSpPr>
+        <p:grpSpPr>
+          <a:xfrm>
+            <a:off x="3018798" y="1150982"/>
+            <a:ext cx="6607802" cy="882961"/>
+            <a:chOff x="1494798" y="1150981"/>
+            <a:chExt cx="6607802" cy="882961"/>
+          </a:xfrm>
+        </p:grpSpPr>
+        <p:sp>
+          <p:nvSpPr>
+            <p:cNvPr id="6" name="TextBox 5"/>
+            <p:cNvSpPr txBox="1"/>
+            <p:nvPr/>
+          </p:nvSpPr>
+          <p:spPr>
+            <a:xfrm>
+              <a:off x="1494798" y="1387611"/>
+              <a:ext cx="6607802" cy="646331"/>
+            </a:xfrm>
+            <a:prstGeom prst="rect">
+              <a:avLst/>
+            </a:prstGeom>
+            <a:noFill/>
+          </p:spPr>
+          <p:txBody>
+            <a:bodyPr wrap="square" rtlCol="0">
+              <a:spAutoFit/>
+            </a:bodyPr>
+            <a:lstStyle/>
+            <a:p>
+              <a:pPr defTabSz="457200">
+                <a:buClrTx/>
+              </a:pPr>
+              <a:r>
+                <a:rPr lang="en-US" sz="1800" b="1" kern="1200" dirty="0">
+                  <a:solidFill>
+                    <a:srgbClr val="C0504D">
+                      <a:lumMod val="75000"/>
+                    </a:srgbClr>
+                  </a:solidFill>
+                  <a:latin typeface="Calibri"/>
+                  <a:ea typeface="+mn-ea"/>
+                  <a:cs typeface="+mn-cs"/>
+                </a:rPr>
+                <a:t>1         .9     .8                .7        .6            .5    .4  .3.                  .2     .1 </a:t>
+              </a:r>
+            </a:p>
+            <a:p>
+              <a:pPr defTabSz="457200">
+                <a:buClrTx/>
+              </a:pPr>
+              <a:r>
+                <a:rPr lang="en-US" sz="1050" b="1" kern="1200" dirty="0">
+                  <a:solidFill>
+                    <a:srgbClr val="C0504D">
+                      <a:lumMod val="75000"/>
+                    </a:srgbClr>
+                  </a:solidFill>
+                  <a:latin typeface="Calibri"/>
+                  <a:ea typeface="+mn-ea"/>
+                  <a:cs typeface="+mn-cs"/>
+                </a:rPr>
+                <a:t> |                  |             |                               |                  |                        |           |        |                                    |            |</a:t>
+              </a:r>
+              <a:r>
+                <a:rPr lang="en-US" sz="1800" b="1" kern="1200" dirty="0">
+                  <a:solidFill>
+                    <a:srgbClr val="C0504D">
+                      <a:lumMod val="75000"/>
+                    </a:srgbClr>
+                  </a:solidFill>
+                  <a:latin typeface="Calibri"/>
+                  <a:ea typeface="+mn-ea"/>
+                  <a:cs typeface="+mn-cs"/>
+                </a:rPr>
+                <a:t>   </a:t>
+              </a:r>
+              <a:r>
+                <a:rPr lang="en-US" sz="1800" kern="1200" dirty="0">
+                  <a:solidFill>
+                    <a:srgbClr val="EEECE1">
+                      <a:lumMod val="25000"/>
+                    </a:srgbClr>
+                  </a:solidFill>
+                  <a:latin typeface="Calibri"/>
+                  <a:ea typeface="+mn-ea"/>
+                  <a:cs typeface="+mn-cs"/>
+                </a:rPr>
+                <a:t>      </a:t>
+              </a:r>
+            </a:p>
+          </p:txBody>
+        </p:sp>
+        <p:sp>
+          <p:nvSpPr>
+            <p:cNvPr id="8" name="TextBox 7">
+              <a:extLst>
+                <a:ext uri="{FF2B5EF4-FFF2-40B4-BE49-F238E27FC236}">
+                  <a16:creationId xmlns:a16="http://schemas.microsoft.com/office/drawing/2014/main" id="{EFA4ED1E-FBFF-4545-BB64-FFD28CAC8A4B}"/>
+                </a:ext>
+              </a:extLst>
+            </p:cNvPr>
+            <p:cNvSpPr txBox="1"/>
+            <p:nvPr/>
+          </p:nvSpPr>
+          <p:spPr>
+            <a:xfrm>
+              <a:off x="4097994" y="1150981"/>
+              <a:ext cx="700705" cy="369332"/>
+            </a:xfrm>
+            <a:prstGeom prst="rect">
+              <a:avLst/>
+            </a:prstGeom>
+            <a:noFill/>
+          </p:spPr>
+          <p:txBody>
+            <a:bodyPr wrap="none" rtlCol="0">
+              <a:spAutoFit/>
+            </a:bodyPr>
+            <a:lstStyle/>
+            <a:p>
+              <a:pPr defTabSz="457200">
+                <a:buClrTx/>
+              </a:pPr>
+              <a:r>
+                <a:rPr lang="en-US" sz="1800" b="1" kern="1200" dirty="0">
+                  <a:solidFill>
+                    <a:srgbClr val="C00000"/>
+                  </a:solidFill>
+                  <a:latin typeface="Calibri"/>
+                  <a:ea typeface="+mn-ea"/>
+                  <a:cs typeface="+mn-cs"/>
+                </a:rPr>
+                <a:t>Score</a:t>
+              </a:r>
+            </a:p>
+          </p:txBody>
+        </p:sp>
+      </p:grpSp>
+      <p:grpSp>
+        <p:nvGrpSpPr>
+          <p:cNvPr id="15" name="Group 14">
+            <a:extLst>
+              <a:ext uri="{FF2B5EF4-FFF2-40B4-BE49-F238E27FC236}">
+                <a16:creationId xmlns:a16="http://schemas.microsoft.com/office/drawing/2014/main" id="{F79BF13E-AE77-6A46-B2C2-E1985346BF6A}"/>
+              </a:ext>
+            </a:extLst>
+          </p:cNvPr>
+          <p:cNvGrpSpPr/>
+          <p:nvPr/>
+        </p:nvGrpSpPr>
+        <p:grpSpPr>
+          <a:xfrm>
+            <a:off x="1836283" y="5550212"/>
+            <a:ext cx="7221578" cy="369332"/>
+            <a:chOff x="312283" y="5550212"/>
+            <a:chExt cx="7221578" cy="369332"/>
+          </a:xfrm>
+        </p:grpSpPr>
+        <p:cxnSp>
+          <p:nvCxnSpPr>
+            <p:cNvPr id="11" name="Straight Connector 10">
+              <a:extLst>
+                <a:ext uri="{FF2B5EF4-FFF2-40B4-BE49-F238E27FC236}">
+                  <a16:creationId xmlns:a16="http://schemas.microsoft.com/office/drawing/2014/main" id="{91561906-EEC1-6046-905E-0E55B1D4B60D}"/>
+                </a:ext>
+              </a:extLst>
+            </p:cNvPr>
+            <p:cNvCxnSpPr/>
+            <p:nvPr/>
+          </p:nvCxnSpPr>
+          <p:spPr>
+            <a:xfrm flipH="1">
+              <a:off x="1649896" y="5734878"/>
+              <a:ext cx="5883965" cy="0"/>
+            </a:xfrm>
+            <a:prstGeom prst="line">
+              <a:avLst/>
+            </a:prstGeom>
+            <a:ln w="28575">
+              <a:solidFill>
+                <a:srgbClr val="00B0F0"/>
+              </a:solidFill>
+            </a:ln>
+          </p:spPr>
+          <p:style>
+            <a:lnRef idx="2">
+              <a:schemeClr val="accent1"/>
+            </a:lnRef>
+            <a:fillRef idx="0">
+              <a:schemeClr val="accent1"/>
+            </a:fillRef>
+            <a:effectRef idx="1">
+              <a:schemeClr val="accent1"/>
+            </a:effectRef>
+            <a:fontRef idx="minor">
+              <a:schemeClr val="tx1"/>
+            </a:fontRef>
+          </p:style>
+        </p:cxnSp>
+        <p:sp>
+          <p:nvSpPr>
+            <p:cNvPr id="12" name="TextBox 11">
+              <a:extLst>
+                <a:ext uri="{FF2B5EF4-FFF2-40B4-BE49-F238E27FC236}">
+                  <a16:creationId xmlns:a16="http://schemas.microsoft.com/office/drawing/2014/main" id="{79F59512-F15A-1445-8C8B-BFD99D51B252}"/>
+                </a:ext>
+              </a:extLst>
+            </p:cNvPr>
+            <p:cNvSpPr txBox="1"/>
+            <p:nvPr/>
+          </p:nvSpPr>
+          <p:spPr>
+            <a:xfrm>
+              <a:off x="312283" y="5550212"/>
+              <a:ext cx="1069139" cy="369332"/>
+            </a:xfrm>
+            <a:prstGeom prst="rect">
+              <a:avLst/>
+            </a:prstGeom>
+            <a:noFill/>
+          </p:spPr>
+          <p:txBody>
+            <a:bodyPr wrap="none" rtlCol="0">
+              <a:spAutoFit/>
+            </a:bodyPr>
+            <a:lstStyle/>
+            <a:p>
+              <a:pPr defTabSz="457200">
+                <a:buClrTx/>
+              </a:pPr>
+              <a:r>
+                <a:rPr lang="en-US" sz="1800" b="1" kern="1200" dirty="0">
+                  <a:solidFill>
+                    <a:srgbClr val="C00000"/>
+                  </a:solidFill>
+                  <a:latin typeface="Calibri"/>
+                  <a:ea typeface="+mn-ea"/>
+                  <a:cs typeface="+mn-cs"/>
+                </a:rPr>
+                <a:t>Base rate</a:t>
+              </a:r>
+            </a:p>
+          </p:txBody>
+        </p:sp>
+        <p:cxnSp>
+          <p:nvCxnSpPr>
+            <p:cNvPr id="14" name="Straight Arrow Connector 13">
+              <a:extLst>
+                <a:ext uri="{FF2B5EF4-FFF2-40B4-BE49-F238E27FC236}">
+                  <a16:creationId xmlns:a16="http://schemas.microsoft.com/office/drawing/2014/main" id="{E9A4A58B-B356-1E41-A6F4-EEF6E44A9AD1}"/>
+                </a:ext>
+              </a:extLst>
+            </p:cNvPr>
+            <p:cNvCxnSpPr>
+              <a:stCxn id="12" idx="3"/>
+            </p:cNvCxnSpPr>
+            <p:nvPr/>
+          </p:nvCxnSpPr>
+          <p:spPr>
+            <a:xfrm>
+              <a:off x="1381422" y="5734878"/>
+              <a:ext cx="198900" cy="0"/>
+            </a:xfrm>
+            <a:prstGeom prst="straightConnector1">
+              <a:avLst/>
+            </a:prstGeom>
+            <a:ln>
+              <a:tailEnd type="triangle"/>
+            </a:ln>
+          </p:spPr>
+          <p:style>
+            <a:lnRef idx="2">
+              <a:schemeClr val="accent1"/>
+            </a:lnRef>
+            <a:fillRef idx="0">
+              <a:schemeClr val="accent1"/>
+            </a:fillRef>
+            <a:effectRef idx="1">
+              <a:schemeClr val="accent1"/>
+            </a:effectRef>
+            <a:fontRef idx="minor">
+              <a:schemeClr val="tx1"/>
+            </a:fontRef>
+          </p:style>
+        </p:cxnSp>
+      </p:grpSp>
     </p:spTree>
     <p:extLst>
       <p:ext uri="{BB962C8B-B14F-4D97-AF65-F5344CB8AC3E}">
-        <p14:creationId xmlns:p14="http://schemas.microsoft.com/office/powerpoint/2010/main" val="837826461"/>
+        <p14:creationId xmlns:p14="http://schemas.microsoft.com/office/powerpoint/2010/main" val="255739373"/>
       </p:ext>
     </p:extLst>
   </p:cSld>
@@ -13441,7 +15385,13 @@
       </p:grpSpPr>
       <p:sp>
         <p:nvSpPr>
-          <p:cNvPr id="3" name="Title 2"/>
+          <p:cNvPr id="3" name="Title 2">
+            <a:extLst>
+              <a:ext uri="{FF2B5EF4-FFF2-40B4-BE49-F238E27FC236}">
+                <a16:creationId xmlns:a16="http://schemas.microsoft.com/office/drawing/2014/main" id="{9323871C-7CA8-1448-8FFC-1AE6E1838941}"/>
+              </a:ext>
+            </a:extLst>
+          </p:cNvPr>
           <p:cNvSpPr>
             <a:spLocks noGrp="1"/>
           </p:cNvSpPr>
@@ -13449,86 +15399,631 @@
             <p:ph type="title"/>
           </p:nvPr>
         </p:nvSpPr>
-        <p:spPr/>
+        <p:spPr>
+          <a:xfrm>
+            <a:off x="415600" y="2667"/>
+            <a:ext cx="11360700" cy="763500"/>
+          </a:xfrm>
+        </p:spPr>
         <p:txBody>
           <a:bodyPr/>
           <a:lstStyle/>
           <a:p>
-            <a:r>
-              <a:rPr lang="en-US" dirty="0"/>
-              <a:t>Practical Pointers</a:t>
-            </a:r>
+            <a:pPr algn="ctr"/>
+            <a:r>
+              <a:rPr lang="en-US" b="1" dirty="0" err="1"/>
+              <a:t>slido.com</a:t>
+            </a:r>
+            <a:r>
+              <a:rPr lang="en-US" b="1" dirty="0"/>
+              <a:t>/10718</a:t>
+            </a:r>
+            <a:br>
+              <a:rPr lang="en-US" dirty="0"/>
+            </a:br>
+            <a:r>
+              <a:rPr lang="en-US" sz="2400" dirty="0"/>
+              <a:t>Which of these is a </a:t>
+            </a:r>
+            <a:r>
+              <a:rPr lang="en-US" sz="2400" u="sng" dirty="0"/>
+              <a:t>possible</a:t>
+            </a:r>
+            <a:r>
+              <a:rPr lang="en-US" sz="2400" dirty="0"/>
+              <a:t> PR-k curve on the same dataset as the one outlined?</a:t>
+            </a:r>
+            <a:r>
+              <a:rPr lang="en-US" dirty="0"/>
+              <a:t> </a:t>
+            </a:r>
+          </a:p>
+        </p:txBody>
+      </p:sp>
+      <p:pic>
+        <p:nvPicPr>
+          <p:cNvPr id="1026" name="Picture 2">
+            <a:extLst>
+              <a:ext uri="{FF2B5EF4-FFF2-40B4-BE49-F238E27FC236}">
+                <a16:creationId xmlns:a16="http://schemas.microsoft.com/office/drawing/2014/main" id="{5821B651-BAFB-8E46-9563-DD473DB1F8A6}"/>
+              </a:ext>
+            </a:extLst>
+          </p:cNvPr>
+          <p:cNvPicPr>
+            <a:picLocks noChangeAspect="1" noChangeArrowheads="1"/>
+          </p:cNvPicPr>
+          <p:nvPr/>
+        </p:nvPicPr>
+        <p:blipFill>
+          <a:blip r:embed="rId2">
+            <a:extLst>
+              <a:ext uri="{28A0092B-C50C-407E-A947-70E740481C1C}">
+                <a14:useLocalDpi xmlns:a14="http://schemas.microsoft.com/office/drawing/2010/main" val="0"/>
+              </a:ext>
+            </a:extLst>
+          </a:blip>
+          <a:srcRect/>
+          <a:stretch>
+            <a:fillRect/>
+          </a:stretch>
+        </p:blipFill>
+        <p:spPr bwMode="auto">
+          <a:xfrm>
+            <a:off x="102630" y="1484699"/>
+            <a:ext cx="3683000" cy="2603500"/>
+          </a:xfrm>
+          <a:prstGeom prst="rect">
+            <a:avLst/>
+          </a:prstGeom>
+          <a:noFill/>
+          <a:ln w="57150">
+            <a:solidFill>
+              <a:srgbClr val="7030A0"/>
+            </a:solidFill>
+          </a:ln>
+          <a:extLst>
+            <a:ext uri="{909E8E84-426E-40DD-AFC4-6F175D3DCCD1}">
+              <a14:hiddenFill xmlns:a14="http://schemas.microsoft.com/office/drawing/2010/main">
+                <a:solidFill>
+                  <a:srgbClr val="FFFFFF"/>
+                </a:solidFill>
+              </a14:hiddenFill>
+            </a:ext>
+          </a:extLst>
+        </p:spPr>
+      </p:pic>
+      <p:pic>
+        <p:nvPicPr>
+          <p:cNvPr id="8" name="Picture 7">
+            <a:extLst>
+              <a:ext uri="{FF2B5EF4-FFF2-40B4-BE49-F238E27FC236}">
+                <a16:creationId xmlns:a16="http://schemas.microsoft.com/office/drawing/2014/main" id="{B85614E7-F81E-E446-B0C7-8FD2E9C9318F}"/>
+              </a:ext>
+            </a:extLst>
+          </p:cNvPr>
+          <p:cNvPicPr>
+            <a:picLocks noChangeAspect="1"/>
+          </p:cNvPicPr>
+          <p:nvPr/>
+        </p:nvPicPr>
+        <p:blipFill>
+          <a:blip r:embed="rId3"/>
+          <a:stretch>
+            <a:fillRect/>
+          </a:stretch>
+        </p:blipFill>
+        <p:spPr>
+          <a:xfrm>
+            <a:off x="4194089" y="1325675"/>
+            <a:ext cx="3318819" cy="2390675"/>
+          </a:xfrm>
+          <a:prstGeom prst="rect">
+            <a:avLst/>
+          </a:prstGeom>
+        </p:spPr>
+      </p:pic>
+      <p:pic>
+        <p:nvPicPr>
+          <p:cNvPr id="9" name="Picture 8">
+            <a:extLst>
+              <a:ext uri="{FF2B5EF4-FFF2-40B4-BE49-F238E27FC236}">
+                <a16:creationId xmlns:a16="http://schemas.microsoft.com/office/drawing/2014/main" id="{691734CC-D6CC-D148-9AD3-760F6BBC7F3D}"/>
+              </a:ext>
+            </a:extLst>
+          </p:cNvPr>
+          <p:cNvPicPr>
+            <a:picLocks noChangeAspect="1"/>
+          </p:cNvPicPr>
+          <p:nvPr/>
+        </p:nvPicPr>
+        <p:blipFill>
+          <a:blip r:embed="rId4"/>
+          <a:stretch>
+            <a:fillRect/>
+          </a:stretch>
+        </p:blipFill>
+        <p:spPr>
+          <a:xfrm>
+            <a:off x="8457481" y="1328644"/>
+            <a:ext cx="3318819" cy="2387706"/>
+          </a:xfrm>
+          <a:prstGeom prst="rect">
+            <a:avLst/>
+          </a:prstGeom>
+        </p:spPr>
+      </p:pic>
+      <p:pic>
+        <p:nvPicPr>
+          <p:cNvPr id="11" name="Picture 10">
+            <a:extLst>
+              <a:ext uri="{FF2B5EF4-FFF2-40B4-BE49-F238E27FC236}">
+                <a16:creationId xmlns:a16="http://schemas.microsoft.com/office/drawing/2014/main" id="{5FE55A37-C444-CB41-A9F1-BA81FEE25656}"/>
+              </a:ext>
+            </a:extLst>
+          </p:cNvPr>
+          <p:cNvPicPr>
+            <a:picLocks noChangeAspect="1"/>
+          </p:cNvPicPr>
+          <p:nvPr/>
+        </p:nvPicPr>
+        <p:blipFill>
+          <a:blip r:embed="rId5"/>
+          <a:stretch>
+            <a:fillRect/>
+          </a:stretch>
+        </p:blipFill>
+        <p:spPr>
+          <a:xfrm>
+            <a:off x="4194089" y="3703891"/>
+            <a:ext cx="3346946" cy="2390676"/>
+          </a:xfrm>
+          <a:prstGeom prst="rect">
+            <a:avLst/>
+          </a:prstGeom>
+        </p:spPr>
+      </p:pic>
+      <p:pic>
+        <p:nvPicPr>
+          <p:cNvPr id="12" name="Picture 11">
+            <a:extLst>
+              <a:ext uri="{FF2B5EF4-FFF2-40B4-BE49-F238E27FC236}">
+                <a16:creationId xmlns:a16="http://schemas.microsoft.com/office/drawing/2014/main" id="{C15DB196-3EE2-434E-B765-C69CAE0F1ABD}"/>
+              </a:ext>
+            </a:extLst>
+          </p:cNvPr>
+          <p:cNvPicPr>
+            <a:picLocks noChangeAspect="1"/>
+          </p:cNvPicPr>
+          <p:nvPr/>
+        </p:nvPicPr>
+        <p:blipFill>
+          <a:blip r:embed="rId6"/>
+          <a:stretch>
+            <a:fillRect/>
+          </a:stretch>
+        </p:blipFill>
+        <p:spPr>
+          <a:xfrm>
+            <a:off x="8457481" y="3648836"/>
+            <a:ext cx="3151434" cy="2686313"/>
+          </a:xfrm>
+          <a:prstGeom prst="rect">
+            <a:avLst/>
+          </a:prstGeom>
+        </p:spPr>
+      </p:pic>
+      <p:pic>
+        <p:nvPicPr>
+          <p:cNvPr id="14" name="Picture 13">
+            <a:extLst>
+              <a:ext uri="{FF2B5EF4-FFF2-40B4-BE49-F238E27FC236}">
+                <a16:creationId xmlns:a16="http://schemas.microsoft.com/office/drawing/2014/main" id="{1CF0C0F7-7C05-B341-BF1D-68116ED1E538}"/>
+              </a:ext>
+            </a:extLst>
+          </p:cNvPr>
+          <p:cNvPicPr>
+            <a:picLocks noChangeAspect="1"/>
+          </p:cNvPicPr>
+          <p:nvPr/>
+        </p:nvPicPr>
+        <p:blipFill rotWithShape="1">
+          <a:blip r:embed="rId6"/>
+          <a:srcRect t="88921"/>
+          <a:stretch/>
+        </p:blipFill>
+        <p:spPr>
+          <a:xfrm>
+            <a:off x="4389601" y="6067076"/>
+            <a:ext cx="3151434" cy="297609"/>
+          </a:xfrm>
+          <a:prstGeom prst="rect">
+            <a:avLst/>
+          </a:prstGeom>
+        </p:spPr>
+      </p:pic>
+      <p:pic>
+        <p:nvPicPr>
+          <p:cNvPr id="15" name="Picture 14">
+            <a:extLst>
+              <a:ext uri="{FF2B5EF4-FFF2-40B4-BE49-F238E27FC236}">
+                <a16:creationId xmlns:a16="http://schemas.microsoft.com/office/drawing/2014/main" id="{9137F808-ABB8-7941-9FAE-DE98E8DE45FD}"/>
+              </a:ext>
+            </a:extLst>
+          </p:cNvPr>
+          <p:cNvPicPr>
+            <a:picLocks noChangeAspect="1"/>
+          </p:cNvPicPr>
+          <p:nvPr/>
+        </p:nvPicPr>
+        <p:blipFill rotWithShape="1">
+          <a:blip r:embed="rId4"/>
+          <a:srcRect l="92220"/>
+          <a:stretch/>
+        </p:blipFill>
+        <p:spPr>
+          <a:xfrm>
+            <a:off x="11590780" y="3700215"/>
+            <a:ext cx="258193" cy="2387706"/>
+          </a:xfrm>
+          <a:prstGeom prst="rect">
+            <a:avLst/>
+          </a:prstGeom>
+        </p:spPr>
+      </p:pic>
+      <p:sp>
+        <p:nvSpPr>
+          <p:cNvPr id="13" name="Rectangle 12">
+            <a:extLst>
+              <a:ext uri="{FF2B5EF4-FFF2-40B4-BE49-F238E27FC236}">
+                <a16:creationId xmlns:a16="http://schemas.microsoft.com/office/drawing/2014/main" id="{15DEBDEF-2E84-1E48-8558-7AF3CE99300E}"/>
+              </a:ext>
+            </a:extLst>
+          </p:cNvPr>
+          <p:cNvSpPr/>
+          <p:nvPr/>
+        </p:nvSpPr>
+        <p:spPr>
+          <a:xfrm>
+            <a:off x="6582391" y="2985924"/>
+            <a:ext cx="613540" cy="477079"/>
+          </a:xfrm>
+          <a:prstGeom prst="rect">
+            <a:avLst/>
+          </a:prstGeom>
+          <a:solidFill>
+            <a:schemeClr val="bg1"/>
+          </a:solidFill>
+          <a:ln>
+            <a:noFill/>
+          </a:ln>
+        </p:spPr>
+        <p:style>
+          <a:lnRef idx="2">
+            <a:schemeClr val="accent1">
+              <a:shade val="50000"/>
+            </a:schemeClr>
+          </a:lnRef>
+          <a:fillRef idx="1">
+            <a:schemeClr val="accent1"/>
+          </a:fillRef>
+          <a:effectRef idx="0">
+            <a:schemeClr val="accent1"/>
+          </a:effectRef>
+          <a:fontRef idx="minor">
+            <a:schemeClr val="lt1"/>
+          </a:fontRef>
+        </p:style>
+        <p:txBody>
+          <a:bodyPr rtlCol="0" anchor="ctr"/>
+          <a:lstStyle/>
+          <a:p>
+            <a:pPr algn="ctr"/>
+            <a:r>
+              <a:rPr lang="en-US" sz="2800" b="1" dirty="0">
+                <a:solidFill>
+                  <a:schemeClr val="tx1"/>
+                </a:solidFill>
+              </a:rPr>
+              <a:t>A</a:t>
+            </a:r>
+            <a:endParaRPr lang="en-US" b="1" dirty="0">
+              <a:solidFill>
+                <a:schemeClr val="tx1"/>
+              </a:solidFill>
+            </a:endParaRPr>
           </a:p>
         </p:txBody>
       </p:sp>
       <p:sp>
         <p:nvSpPr>
-          <p:cNvPr id="2" name="Content Placeholder 1"/>
-          <p:cNvSpPr>
-            <a:spLocks noGrp="1"/>
-          </p:cNvSpPr>
-          <p:nvPr>
-            <p:ph type="body" idx="1"/>
-          </p:nvPr>
+          <p:cNvPr id="17" name="Rectangle 16">
+            <a:extLst>
+              <a:ext uri="{FF2B5EF4-FFF2-40B4-BE49-F238E27FC236}">
+                <a16:creationId xmlns:a16="http://schemas.microsoft.com/office/drawing/2014/main" id="{7D7EC8D8-F48E-1649-A4BD-70F7D4FD0BC6}"/>
+              </a:ext>
+            </a:extLst>
+          </p:cNvPr>
+          <p:cNvSpPr/>
+          <p:nvPr/>
         </p:nvSpPr>
-        <p:spPr/>
+        <p:spPr>
+          <a:xfrm>
+            <a:off x="10577922" y="2959419"/>
+            <a:ext cx="613540" cy="477079"/>
+          </a:xfrm>
+          <a:prstGeom prst="rect">
+            <a:avLst/>
+          </a:prstGeom>
+          <a:solidFill>
+            <a:schemeClr val="bg1"/>
+          </a:solidFill>
+          <a:ln>
+            <a:noFill/>
+          </a:ln>
+        </p:spPr>
+        <p:style>
+          <a:lnRef idx="2">
+            <a:schemeClr val="accent1">
+              <a:shade val="50000"/>
+            </a:schemeClr>
+          </a:lnRef>
+          <a:fillRef idx="1">
+            <a:schemeClr val="accent1"/>
+          </a:fillRef>
+          <a:effectRef idx="0">
+            <a:schemeClr val="accent1"/>
+          </a:effectRef>
+          <a:fontRef idx="minor">
+            <a:schemeClr val="lt1"/>
+          </a:fontRef>
+        </p:style>
         <p:txBody>
-          <a:bodyPr>
-            <a:normAutofit/>
-          </a:bodyPr>
+          <a:bodyPr rtlCol="0" anchor="ctr"/>
           <a:lstStyle/>
           <a:p>
-            <a:r>
-              <a:rPr lang="en-US" dirty="0"/>
-              <a:t>When generating a feature, what did you know and </a:t>
-            </a:r>
-            <a:r>
-              <a:rPr lang="en-US" b="1" u="sng" dirty="0"/>
-              <a:t>when</a:t>
-            </a:r>
-            <a:r>
-              <a:rPr lang="en-US" dirty="0"/>
-              <a:t> did you know it?</a:t>
-            </a:r>
-          </a:p>
-          <a:p>
-            <a:pPr lvl="1"/>
-            <a:r>
-              <a:rPr lang="en-US" dirty="0"/>
-              <a:t>You can only create features from information available </a:t>
-            </a:r>
-            <a:r>
-              <a:rPr lang="en-US" sz="3200" b="1" dirty="0">
+            <a:pPr algn="ctr"/>
+            <a:r>
+              <a:rPr lang="en-US" sz="2800" b="1" dirty="0">
                 <a:solidFill>
-                  <a:srgbClr val="FF0000"/>
+                  <a:schemeClr val="tx1"/>
                 </a:solidFill>
               </a:rPr>
-              <a:t>before</a:t>
-            </a:r>
-            <a:r>
-              <a:rPr lang="en-US" dirty="0"/>
-              <a:t> the “training” date for a given row</a:t>
-            </a:r>
-            <a:br>
-              <a:rPr lang="en-US" dirty="0"/>
-            </a:br>
-            <a:endParaRPr lang="en-US" dirty="0"/>
-          </a:p>
-          <a:p>
-            <a:r>
-              <a:rPr lang="en-US" dirty="0"/>
-              <a:t>Domain/expert knowledge and prior research in the field can help a lot!</a:t>
-            </a:r>
-          </a:p>
-          <a:p>
-            <a:endParaRPr lang="en-US" dirty="0"/>
+              <a:t>B</a:t>
+            </a:r>
+            <a:endParaRPr lang="en-US" b="1" dirty="0">
+              <a:solidFill>
+                <a:schemeClr val="tx1"/>
+              </a:solidFill>
+            </a:endParaRPr>
           </a:p>
         </p:txBody>
       </p:sp>
+      <p:sp>
+        <p:nvSpPr>
+          <p:cNvPr id="18" name="Rectangle 17">
+            <a:extLst>
+              <a:ext uri="{FF2B5EF4-FFF2-40B4-BE49-F238E27FC236}">
+                <a16:creationId xmlns:a16="http://schemas.microsoft.com/office/drawing/2014/main" id="{8B182DA0-52CD-F14E-A064-789A39327B64}"/>
+              </a:ext>
+            </a:extLst>
+          </p:cNvPr>
+          <p:cNvSpPr/>
+          <p:nvPr/>
+        </p:nvSpPr>
+        <p:spPr>
+          <a:xfrm>
+            <a:off x="6416739" y="5473153"/>
+            <a:ext cx="613540" cy="392794"/>
+          </a:xfrm>
+          <a:prstGeom prst="rect">
+            <a:avLst/>
+          </a:prstGeom>
+          <a:solidFill>
+            <a:schemeClr val="bg1"/>
+          </a:solidFill>
+          <a:ln>
+            <a:noFill/>
+          </a:ln>
+        </p:spPr>
+        <p:style>
+          <a:lnRef idx="2">
+            <a:schemeClr val="accent1">
+              <a:shade val="50000"/>
+            </a:schemeClr>
+          </a:lnRef>
+          <a:fillRef idx="1">
+            <a:schemeClr val="accent1"/>
+          </a:fillRef>
+          <a:effectRef idx="0">
+            <a:schemeClr val="accent1"/>
+          </a:effectRef>
+          <a:fontRef idx="minor">
+            <a:schemeClr val="lt1"/>
+          </a:fontRef>
+        </p:style>
+        <p:txBody>
+          <a:bodyPr rtlCol="0" anchor="ctr"/>
+          <a:lstStyle/>
+          <a:p>
+            <a:pPr algn="ctr"/>
+            <a:r>
+              <a:rPr lang="en-US" sz="2800" b="1" dirty="0">
+                <a:solidFill>
+                  <a:schemeClr val="tx1"/>
+                </a:solidFill>
+              </a:rPr>
+              <a:t>C</a:t>
+            </a:r>
+            <a:endParaRPr lang="en-US" b="1" dirty="0">
+              <a:solidFill>
+                <a:schemeClr val="tx1"/>
+              </a:solidFill>
+            </a:endParaRPr>
+          </a:p>
+        </p:txBody>
+      </p:sp>
+      <p:sp>
+        <p:nvSpPr>
+          <p:cNvPr id="19" name="Rectangle 18">
+            <a:extLst>
+              <a:ext uri="{FF2B5EF4-FFF2-40B4-BE49-F238E27FC236}">
+                <a16:creationId xmlns:a16="http://schemas.microsoft.com/office/drawing/2014/main" id="{C3991B48-CAD6-3B45-9058-D4B6799F4CF3}"/>
+              </a:ext>
+            </a:extLst>
+          </p:cNvPr>
+          <p:cNvSpPr/>
+          <p:nvPr/>
+        </p:nvSpPr>
+        <p:spPr>
+          <a:xfrm>
+            <a:off x="10611053" y="5369520"/>
+            <a:ext cx="613540" cy="392794"/>
+          </a:xfrm>
+          <a:prstGeom prst="rect">
+            <a:avLst/>
+          </a:prstGeom>
+          <a:solidFill>
+            <a:schemeClr val="bg1"/>
+          </a:solidFill>
+          <a:ln>
+            <a:noFill/>
+          </a:ln>
+        </p:spPr>
+        <p:style>
+          <a:lnRef idx="2">
+            <a:schemeClr val="accent1">
+              <a:shade val="50000"/>
+            </a:schemeClr>
+          </a:lnRef>
+          <a:fillRef idx="1">
+            <a:schemeClr val="accent1"/>
+          </a:fillRef>
+          <a:effectRef idx="0">
+            <a:schemeClr val="accent1"/>
+          </a:effectRef>
+          <a:fontRef idx="minor">
+            <a:schemeClr val="lt1"/>
+          </a:fontRef>
+        </p:style>
+        <p:txBody>
+          <a:bodyPr rtlCol="0" anchor="ctr"/>
+          <a:lstStyle/>
+          <a:p>
+            <a:pPr algn="ctr"/>
+            <a:r>
+              <a:rPr lang="en-US" sz="2800" b="1" dirty="0">
+                <a:solidFill>
+                  <a:schemeClr val="tx1"/>
+                </a:solidFill>
+              </a:rPr>
+              <a:t>D</a:t>
+            </a:r>
+            <a:endParaRPr lang="en-US" b="1" dirty="0">
+              <a:solidFill>
+                <a:schemeClr val="tx1"/>
+              </a:solidFill>
+            </a:endParaRPr>
+          </a:p>
+        </p:txBody>
+      </p:sp>
+      <p:sp>
+        <p:nvSpPr>
+          <p:cNvPr id="20" name="Rectangle 19">
+            <a:extLst>
+              <a:ext uri="{FF2B5EF4-FFF2-40B4-BE49-F238E27FC236}">
+                <a16:creationId xmlns:a16="http://schemas.microsoft.com/office/drawing/2014/main" id="{A73966B4-C814-5449-8741-2C42DD123299}"/>
+              </a:ext>
+            </a:extLst>
+          </p:cNvPr>
+          <p:cNvSpPr/>
+          <p:nvPr/>
+        </p:nvSpPr>
+        <p:spPr>
+          <a:xfrm>
+            <a:off x="6416739" y="6410197"/>
+            <a:ext cx="3346945" cy="392794"/>
+          </a:xfrm>
+          <a:prstGeom prst="rect">
+            <a:avLst/>
+          </a:prstGeom>
+          <a:solidFill>
+            <a:schemeClr val="bg1"/>
+          </a:solidFill>
+          <a:ln>
+            <a:noFill/>
+          </a:ln>
+        </p:spPr>
+        <p:style>
+          <a:lnRef idx="2">
+            <a:schemeClr val="accent1">
+              <a:shade val="50000"/>
+            </a:schemeClr>
+          </a:lnRef>
+          <a:fillRef idx="1">
+            <a:schemeClr val="accent1"/>
+          </a:fillRef>
+          <a:effectRef idx="0">
+            <a:schemeClr val="accent1"/>
+          </a:effectRef>
+          <a:fontRef idx="minor">
+            <a:schemeClr val="lt1"/>
+          </a:fontRef>
+        </p:style>
+        <p:txBody>
+          <a:bodyPr rtlCol="0" anchor="ctr"/>
+          <a:lstStyle/>
+          <a:p>
+            <a:pPr algn="ctr"/>
+            <a:r>
+              <a:rPr lang="en-US" sz="2800" b="1" dirty="0">
+                <a:solidFill>
+                  <a:schemeClr val="tx1"/>
+                </a:solidFill>
+              </a:rPr>
+              <a:t>E. None of these</a:t>
+            </a:r>
+            <a:endParaRPr lang="en-US" b="1" dirty="0">
+              <a:solidFill>
+                <a:schemeClr val="tx1"/>
+              </a:solidFill>
+            </a:endParaRPr>
+          </a:p>
+        </p:txBody>
+      </p:sp>
+      <p:pic>
+        <p:nvPicPr>
+          <p:cNvPr id="21" name="Picture 20">
+            <a:extLst>
+              <a:ext uri="{FF2B5EF4-FFF2-40B4-BE49-F238E27FC236}">
+                <a16:creationId xmlns:a16="http://schemas.microsoft.com/office/drawing/2014/main" id="{35B91F9F-4905-F344-BA9F-6510E3AAFD7F}"/>
+              </a:ext>
+            </a:extLst>
+          </p:cNvPr>
+          <p:cNvPicPr>
+            <a:picLocks noChangeAspect="1"/>
+          </p:cNvPicPr>
+          <p:nvPr/>
+        </p:nvPicPr>
+        <p:blipFill>
+          <a:blip r:embed="rId7"/>
+          <a:stretch>
+            <a:fillRect/>
+          </a:stretch>
+        </p:blipFill>
+        <p:spPr>
+          <a:xfrm>
+            <a:off x="571785" y="4191000"/>
+            <a:ext cx="2603500" cy="2667000"/>
+          </a:xfrm>
+          <a:prstGeom prst="rect">
+            <a:avLst/>
+          </a:prstGeom>
+        </p:spPr>
+      </p:pic>
     </p:spTree>
     <p:extLst>
       <p:ext uri="{BB962C8B-B14F-4D97-AF65-F5344CB8AC3E}">
-        <p14:creationId xmlns:p14="http://schemas.microsoft.com/office/powerpoint/2010/main" val="4045032903"/>
+        <p14:creationId xmlns:p14="http://schemas.microsoft.com/office/powerpoint/2010/main" val="2219935164"/>
       </p:ext>
     </p:extLst>
   </p:cSld>
@@ -13557,7 +16052,13 @@
       </p:grpSpPr>
       <p:sp>
         <p:nvSpPr>
-          <p:cNvPr id="3" name="Title 2"/>
+          <p:cNvPr id="2" name="Title 1">
+            <a:extLst>
+              <a:ext uri="{FF2B5EF4-FFF2-40B4-BE49-F238E27FC236}">
+                <a16:creationId xmlns:a16="http://schemas.microsoft.com/office/drawing/2014/main" id="{21359BA9-BA2B-D148-89DA-A99081B1FF81}"/>
+              </a:ext>
+            </a:extLst>
+          </p:cNvPr>
           <p:cNvSpPr>
             <a:spLocks noGrp="1"/>
           </p:cNvSpPr>
@@ -13565,99 +16066,110 @@
             <p:ph type="title"/>
           </p:nvPr>
         </p:nvSpPr>
+        <p:spPr/>
+        <p:txBody>
+          <a:bodyPr/>
+          <a:lstStyle/>
+          <a:p>
+            <a:r>
+              <a:rPr lang="en-US" dirty="0"/>
+              <a:t>PR-k Curve example</a:t>
+            </a:r>
+          </a:p>
+        </p:txBody>
+      </p:sp>
+      <p:sp>
+        <p:nvSpPr>
+          <p:cNvPr id="3" name="Text Placeholder 2">
+            <a:extLst>
+              <a:ext uri="{FF2B5EF4-FFF2-40B4-BE49-F238E27FC236}">
+                <a16:creationId xmlns:a16="http://schemas.microsoft.com/office/drawing/2014/main" id="{DDA03E0F-5F3D-5B4D-8232-BF72B84A198E}"/>
+              </a:ext>
+            </a:extLst>
+          </p:cNvPr>
+          <p:cNvSpPr>
+            <a:spLocks noGrp="1"/>
+          </p:cNvSpPr>
+          <p:nvPr>
+            <p:ph type="body" idx="1"/>
+          </p:nvPr>
+        </p:nvSpPr>
         <p:spPr>
           <a:xfrm>
-            <a:off x="415600" y="86585"/>
-            <a:ext cx="11360700" cy="763500"/>
+            <a:off x="3962400" y="1536632"/>
+            <a:ext cx="7813900" cy="2279993"/>
           </a:xfrm>
         </p:spPr>
         <p:txBody>
           <a:bodyPr/>
           <a:lstStyle/>
           <a:p>
-            <a:r>
-              <a:rPr lang="en-US" dirty="0"/>
-              <a:t>Feature development is an </a:t>
-            </a:r>
-            <a:r>
-              <a:rPr lang="en-US" b="1" dirty="0"/>
-              <a:t>iterative</a:t>
-            </a:r>
-            <a:r>
-              <a:rPr lang="en-US" dirty="0"/>
-              <a:t> process</a:t>
+            <a:pPr marL="76200" indent="0">
+              <a:buNone/>
+            </a:pPr>
+            <a:r>
+              <a:rPr lang="en-US" sz="3200" dirty="0"/>
+              <a:t>For this example, what would the PR-k curve from a random model look like?</a:t>
             </a:r>
           </a:p>
         </p:txBody>
       </p:sp>
-      <p:graphicFrame>
-        <p:nvGraphicFramePr>
-          <p:cNvPr id="4" name="Content Placeholder 3"/>
-          <p:cNvGraphicFramePr>
-            <a:graphicFrameLocks noGrp="1"/>
-          </p:cNvGraphicFramePr>
-          <p:nvPr>
-            <p:ph idx="4294967295"/>
-            <p:extLst>
-              <p:ext uri="{D42A27DB-BD31-4B8C-83A1-F6EECF244321}">
-                <p14:modId xmlns:p14="http://schemas.microsoft.com/office/powerpoint/2010/main" val="2865556934"/>
-              </p:ext>
-            </p:extLst>
-          </p:nvPr>
-        </p:nvGraphicFramePr>
-        <p:xfrm>
-          <a:off x="1990675" y="2420472"/>
-          <a:ext cx="7013476" cy="4142572"/>
-        </p:xfrm>
-        <a:graphic>
-          <a:graphicData uri="http://schemas.openxmlformats.org/drawingml/2006/diagram">
-            <dgm:relIds xmlns:dgm="http://schemas.openxmlformats.org/drawingml/2006/diagram" xmlns:r="http://schemas.openxmlformats.org/officeDocument/2006/relationships" r:dm="rId2" r:lo="rId3" r:qs="rId4" r:cs="rId5"/>
-          </a:graphicData>
-        </a:graphic>
-      </p:graphicFrame>
-      <p:sp>
-        <p:nvSpPr>
-          <p:cNvPr id="2" name="Rectangle 1">
+      <p:pic>
+        <p:nvPicPr>
+          <p:cNvPr id="5" name="Picture 2">
             <a:extLst>
               <a:ext uri="{FF2B5EF4-FFF2-40B4-BE49-F238E27FC236}">
-                <a16:creationId xmlns:a16="http://schemas.microsoft.com/office/drawing/2014/main" id="{62AA2596-889F-CA4A-81F2-861C7AF734E0}"/>
+                <a16:creationId xmlns:a16="http://schemas.microsoft.com/office/drawing/2014/main" id="{A8EE1529-648D-3E45-BDB1-18C295D69920}"/>
               </a:ext>
             </a:extLst>
           </p:cNvPr>
-          <p:cNvSpPr/>
+          <p:cNvPicPr>
+            <a:picLocks noChangeAspect="1" noChangeArrowheads="1"/>
+          </p:cNvPicPr>
           <p:nvPr/>
-        </p:nvSpPr>
-        <p:spPr>
+        </p:nvPicPr>
+        <p:blipFill>
+          <a:blip r:embed="rId2">
+            <a:extLst>
+              <a:ext uri="{28A0092B-C50C-407E-A947-70E740481C1C}">
+                <a14:useLocalDpi xmlns:a14="http://schemas.microsoft.com/office/drawing/2010/main" val="0"/>
+              </a:ext>
+            </a:extLst>
+          </a:blip>
+          <a:srcRect/>
+          <a:stretch>
+            <a:fillRect/>
+          </a:stretch>
+        </p:blipFill>
+        <p:spPr bwMode="auto">
           <a:xfrm>
-            <a:off x="347830" y="1530907"/>
-            <a:ext cx="11360699" cy="1015663"/>
+            <a:off x="102630" y="1484699"/>
+            <a:ext cx="3683000" cy="2603500"/>
           </a:xfrm>
           <a:prstGeom prst="rect">
             <a:avLst/>
           </a:prstGeom>
+          <a:noFill/>
+          <a:ln w="57150">
+            <a:solidFill>
+              <a:srgbClr val="7030A0"/>
+            </a:solidFill>
+          </a:ln>
+          <a:extLst>
+            <a:ext uri="{909E8E84-426E-40DD-AFC4-6F175D3DCCD1}">
+              <a14:hiddenFill xmlns:a14="http://schemas.microsoft.com/office/drawing/2010/main">
+                <a:solidFill>
+                  <a:srgbClr val="FFFFFF"/>
+                </a:solidFill>
+              </a14:hiddenFill>
+            </a:ext>
+          </a:extLst>
         </p:spPr>
-        <p:txBody>
-          <a:bodyPr wrap="square">
-            <a:spAutoFit/>
-          </a:bodyPr>
-          <a:lstStyle/>
-          <a:p>
-            <a:pPr lvl="1"/>
-            <a:r>
-              <a:rPr lang="en-US" sz="2000" dirty="0"/>
-              <a:t>Start simple: build a couple features (from each data source) you think are most important and expand from there</a:t>
-            </a:r>
-            <a:br>
-              <a:rPr lang="en-US" sz="2000" dirty="0"/>
-            </a:br>
-            <a:endParaRPr lang="en-US" sz="2000" dirty="0"/>
-          </a:p>
-        </p:txBody>
-      </p:sp>
+      </p:pic>
     </p:spTree>
     <p:extLst>
       <p:ext uri="{BB962C8B-B14F-4D97-AF65-F5344CB8AC3E}">
-        <p14:creationId xmlns:p14="http://schemas.microsoft.com/office/powerpoint/2010/main" val="771801604"/>
+        <p14:creationId xmlns:p14="http://schemas.microsoft.com/office/powerpoint/2010/main" val="4247683129"/>
       </p:ext>
     </p:extLst>
   </p:cSld>
@@ -13686,7 +16198,13 @@
       </p:grpSpPr>
       <p:sp>
         <p:nvSpPr>
-          <p:cNvPr id="3" name="Title 2"/>
+          <p:cNvPr id="2" name="Title 1">
+            <a:extLst>
+              <a:ext uri="{FF2B5EF4-FFF2-40B4-BE49-F238E27FC236}">
+                <a16:creationId xmlns:a16="http://schemas.microsoft.com/office/drawing/2014/main" id="{21359BA9-BA2B-D148-89DA-A99081B1FF81}"/>
+              </a:ext>
+            </a:extLst>
+          </p:cNvPr>
           <p:cNvSpPr>
             <a:spLocks noGrp="1"/>
           </p:cNvSpPr>
@@ -13701,14 +16219,20 @@
           <a:p>
             <a:r>
               <a:rPr lang="en-US" dirty="0"/>
-              <a:t>Bias in Feature Development: Mechanisms</a:t>
+              <a:t>What We’ll Cover Today</a:t>
             </a:r>
           </a:p>
         </p:txBody>
       </p:sp>
       <p:sp>
         <p:nvSpPr>
-          <p:cNvPr id="2" name="Content Placeholder 1"/>
+          <p:cNvPr id="3" name="Text Placeholder 2">
+            <a:extLst>
+              <a:ext uri="{FF2B5EF4-FFF2-40B4-BE49-F238E27FC236}">
+                <a16:creationId xmlns:a16="http://schemas.microsoft.com/office/drawing/2014/main" id="{DDA03E0F-5F3D-5B4D-8232-BF72B84A198E}"/>
+              </a:ext>
+            </a:extLst>
+          </p:cNvPr>
           <p:cNvSpPr>
             <a:spLocks noGrp="1"/>
           </p:cNvSpPr>
@@ -13723,7 +16247,7 @@
           <a:p>
             <a:r>
               <a:rPr lang="en-US" dirty="0"/>
-              <a:t>Is your feature directly measuring what you want it to or a proxy? Is it an equally good proxy across groups?</a:t>
+              <a:t>Feature Creation/Engineering</a:t>
             </a:r>
             <a:br>
               <a:rPr lang="en-US" dirty="0"/>
@@ -13733,11 +16257,8 @@
           <a:p>
             <a:r>
               <a:rPr lang="en-US" dirty="0"/>
-              <a:t>Is measurement error correlated to group membership?</a:t>
-            </a:r>
-            <a:br>
-              <a:rPr lang="en-US" dirty="0"/>
-            </a:br>
+              <a:t>Introducing Bias in Feature Development</a:t>
+            </a:r>
             <a:br>
               <a:rPr lang="en-US" dirty="0"/>
             </a:br>
@@ -13746,24 +16267,18 @@
           <a:p>
             <a:r>
               <a:rPr lang="en-US" dirty="0"/>
-              <a:t>How does predictiveness of your feature vary by group?</a:t>
+              <a:t>Dealing with Missing Data</a:t>
             </a:r>
           </a:p>
           <a:p>
             <a:endParaRPr lang="en-US" dirty="0"/>
-          </a:p>
-          <a:p>
-            <a:r>
-              <a:rPr lang="en-US" dirty="0"/>
-              <a:t>Does missingness vary across groups?</a:t>
-            </a:r>
           </a:p>
         </p:txBody>
       </p:sp>
     </p:spTree>
     <p:extLst>
       <p:ext uri="{BB962C8B-B14F-4D97-AF65-F5344CB8AC3E}">
-        <p14:creationId xmlns:p14="http://schemas.microsoft.com/office/powerpoint/2010/main" val="3586805378"/>
+        <p14:creationId xmlns:p14="http://schemas.microsoft.com/office/powerpoint/2010/main" val="1088335373"/>
       </p:ext>
     </p:extLst>
   </p:cSld>
@@ -13807,7 +16322,7 @@
           <a:p>
             <a:r>
               <a:rPr lang="en-US" dirty="0"/>
-              <a:t>Bias in Feature Development: Examples</a:t>
+              <a:t>Why do we care?</a:t>
             </a:r>
           </a:p>
         </p:txBody>
@@ -13824,134 +16339,59 @@
         </p:nvSpPr>
         <p:spPr/>
         <p:txBody>
-          <a:bodyPr/>
+          <a:bodyPr>
+            <a:normAutofit/>
+          </a:bodyPr>
           <a:lstStyle/>
           <a:p>
             <a:r>
               <a:rPr lang="en-US" dirty="0"/>
-              <a:t>Inferring age/gender from name</a:t>
-            </a:r>
-            <a:br>
-              <a:rPr lang="en-US" dirty="0"/>
-            </a:br>
+              <a:t>Features are hints/rules of thumb you give your model</a:t>
+            </a:r>
+          </a:p>
+          <a:p>
+            <a:pPr lvl="1"/>
+            <a:r>
+              <a:rPr lang="en-US" sz="2000" dirty="0"/>
+              <a:t>Encoding domain knowledge and context for the model to use</a:t>
+            </a:r>
+          </a:p>
+          <a:p>
             <a:endParaRPr lang="en-US" dirty="0"/>
           </a:p>
           <a:p>
             <a:r>
               <a:rPr lang="en-US" dirty="0"/>
-              <a:t>Creating "other" categories, e.g., multi-racial or non-binary gender</a:t>
-            </a:r>
-            <a:br>
-              <a:rPr lang="en-US" dirty="0"/>
-            </a:br>
+              <a:t>Feature generation is a critical part of the machine learning modeling process, especially with structured data.</a:t>
+            </a:r>
+          </a:p>
+          <a:p>
             <a:endParaRPr lang="en-US" dirty="0"/>
           </a:p>
           <a:p>
             <a:r>
               <a:rPr lang="en-US" dirty="0"/>
-              <a:t>How are race and ethnicity collected? Self-reported? Recorded by third party? Inferred from other data?</a:t>
-            </a:r>
-            <a:br>
-              <a:rPr lang="en-US" dirty="0"/>
-            </a:br>
+              <a:t>Complexity in features may allow us to use less complex models that are faster to run, easier to understand and easier to maintain.</a:t>
+            </a:r>
+          </a:p>
+          <a:p>
             <a:endParaRPr lang="en-US" dirty="0"/>
           </a:p>
           <a:p>
-            <a:r>
-              <a:rPr lang="en-US" dirty="0"/>
-              <a:t>Geocoding for distance or geographic features –– how are homeless and more mobile populations handled?</a:t>
-            </a:r>
+            <a:endParaRPr lang="en-US" dirty="0"/>
           </a:p>
         </p:txBody>
       </p:sp>
     </p:spTree>
     <p:extLst>
       <p:ext uri="{BB962C8B-B14F-4D97-AF65-F5344CB8AC3E}">
-        <p14:creationId xmlns:p14="http://schemas.microsoft.com/office/powerpoint/2010/main" val="456302494"/>
+        <p14:creationId xmlns:p14="http://schemas.microsoft.com/office/powerpoint/2010/main" val="837826461"/>
       </p:ext>
     </p:extLst>
   </p:cSld>
   <p:clrMapOvr>
     <a:masterClrMapping/>
   </p:clrMapOvr>
-  <p:timing>
-    <p:tnLst>
-      <p:par>
-        <p:cTn id="1" dur="indefinite" restart="never" nodeType="tmRoot">
-          <p:childTnLst>
-            <p:seq concurrent="1" nextAc="seek">
-              <p:cTn id="2" dur="indefinite" nodeType="mainSeq">
-                <p:childTnLst>
-                  <p:par>
-                    <p:cTn id="3" fill="hold">
-                      <p:stCondLst>
-                        <p:cond delay="indefinite"/>
-                      </p:stCondLst>
-                      <p:childTnLst>
-                        <p:par>
-                          <p:cTn id="4" fill="hold">
-                            <p:stCondLst>
-                              <p:cond delay="0"/>
-                            </p:stCondLst>
-                            <p:childTnLst>
-                              <p:par>
-                                <p:cTn id="5" presetID="1" presetClass="entr" presetSubtype="0" fill="hold" grpId="0" nodeType="clickEffect">
-                                  <p:stCondLst>
-                                    <p:cond delay="0"/>
-                                  </p:stCondLst>
-                                  <p:childTnLst>
-                                    <p:set>
-                                      <p:cBhvr>
-                                        <p:cTn id="6" dur="1" fill="hold">
-                                          <p:stCondLst>
-                                            <p:cond delay="0"/>
-                                          </p:stCondLst>
-                                        </p:cTn>
-                                        <p:tgtEl>
-                                          <p:spTgt spid="2"/>
-                                        </p:tgtEl>
-                                        <p:attrNameLst>
-                                          <p:attrName>style.visibility</p:attrName>
-                                        </p:attrNameLst>
-                                      </p:cBhvr>
-                                      <p:to>
-                                        <p:strVal val="visible"/>
-                                      </p:to>
-                                    </p:set>
-                                  </p:childTnLst>
-                                </p:cTn>
-                              </p:par>
-                            </p:childTnLst>
-                          </p:cTn>
-                        </p:par>
-                      </p:childTnLst>
-                    </p:cTn>
-                  </p:par>
-                </p:childTnLst>
-              </p:cTn>
-              <p:prevCondLst>
-                <p:cond evt="onPrev" delay="0">
-                  <p:tgtEl>
-                    <p:sldTgt/>
-                  </p:tgtEl>
-                </p:cond>
-              </p:prevCondLst>
-              <p:nextCondLst>
-                <p:cond evt="onNext" delay="0">
-                  <p:tgtEl>
-                    <p:sldTgt/>
-                  </p:tgtEl>
-                </p:cond>
-              </p:nextCondLst>
-            </p:seq>
-          </p:childTnLst>
-        </p:cTn>
-      </p:par>
-    </p:tnLst>
-    <p:bldLst>
-      <p:bldP spid="2" grpId="0" uiExpand="1"/>
-    </p:bldLst>
-  </p:timing>
 </p:sld>
 </file>
 
@@ -13974,13 +16414,7 @@
       </p:grpSpPr>
       <p:sp>
         <p:nvSpPr>
-          <p:cNvPr id="3" name="Title 2">
-            <a:extLst>
-              <a:ext uri="{FF2B5EF4-FFF2-40B4-BE49-F238E27FC236}">
-                <a16:creationId xmlns:a16="http://schemas.microsoft.com/office/drawing/2014/main" id="{9323871C-7CA8-1448-8FFC-1AE6E1838941}"/>
-              </a:ext>
-            </a:extLst>
-          </p:cNvPr>
+          <p:cNvPr id="3" name="Title 2"/>
           <p:cNvSpPr>
             <a:spLocks noGrp="1"/>
           </p:cNvSpPr>
@@ -13995,20 +16429,14 @@
           <a:p>
             <a:r>
               <a:rPr lang="en-US" dirty="0"/>
-              <a:t>Discussion Question</a:t>
+              <a:t>Practical Pointers</a:t>
             </a:r>
           </a:p>
         </p:txBody>
       </p:sp>
       <p:sp>
         <p:nvSpPr>
-          <p:cNvPr id="4" name="Text Placeholder 3">
-            <a:extLst>
-              <a:ext uri="{FF2B5EF4-FFF2-40B4-BE49-F238E27FC236}">
-                <a16:creationId xmlns:a16="http://schemas.microsoft.com/office/drawing/2014/main" id="{5E600BA7-FA45-884F-9820-9E5F2CB7AA48}"/>
-              </a:ext>
-            </a:extLst>
-          </p:cNvPr>
+          <p:cNvPr id="2" name="Content Placeholder 1"/>
           <p:cNvSpPr>
             <a:spLocks noGrp="1"/>
           </p:cNvSpPr>
@@ -14018,44 +16446,62 @@
         </p:nvSpPr>
         <p:spPr/>
         <p:txBody>
-          <a:bodyPr/>
+          <a:bodyPr>
+            <a:normAutofit/>
+          </a:bodyPr>
           <a:lstStyle/>
           <a:p>
-            <a:pPr marL="76200" indent="0">
-              <a:buNone/>
-            </a:pPr>
+            <a:r>
+              <a:rPr lang="en-US" dirty="0"/>
+              <a:t>When generating a feature, what did you know and </a:t>
+            </a:r>
+            <a:r>
+              <a:rPr lang="en-US" b="1" u="sng" dirty="0"/>
+              <a:t>when</a:t>
+            </a:r>
+            <a:r>
+              <a:rPr lang="en-US" dirty="0"/>
+              <a:t> did you know it?</a:t>
+            </a:r>
+          </a:p>
+          <a:p>
+            <a:pPr lvl="1"/>
+            <a:r>
+              <a:rPr lang="en-US" dirty="0"/>
+              <a:t>You can only create features from information available </a:t>
+            </a:r>
+            <a:r>
+              <a:rPr lang="en-US" sz="3200" b="1" dirty="0">
+                <a:solidFill>
+                  <a:srgbClr val="FF0000"/>
+                </a:solidFill>
+              </a:rPr>
+              <a:t>before</a:t>
+            </a:r>
+            <a:r>
+              <a:rPr lang="en-US" dirty="0"/>
+              <a:t> the “training” date for a given row</a:t>
+            </a:r>
+            <a:br>
+              <a:rPr lang="en-US" dirty="0"/>
+            </a:br>
             <a:endParaRPr lang="en-US" dirty="0"/>
           </a:p>
           <a:p>
-            <a:pPr marL="76200" indent="0">
-              <a:buNone/>
-            </a:pPr>
+            <a:r>
+              <a:rPr lang="en-US" dirty="0"/>
+              <a:t>Domain/expert knowledge and prior research in the field can help a lot!</a:t>
+            </a:r>
+          </a:p>
+          <a:p>
             <a:endParaRPr lang="en-US" dirty="0"/>
-          </a:p>
-          <a:p>
-            <a:pPr marL="76200" indent="0" algn="ctr">
-              <a:buNone/>
-            </a:pPr>
-            <a:r>
-              <a:rPr lang="en-US" sz="3600" dirty="0"/>
-              <a:t>In the class project, what are two ways bias might </a:t>
-            </a:r>
-          </a:p>
-          <a:p>
-            <a:pPr marL="76200" indent="0" algn="ctr">
-              <a:buNone/>
-            </a:pPr>
-            <a:r>
-              <a:rPr lang="en-US" sz="3600" dirty="0"/>
-              <a:t>be introduced in your feature development?</a:t>
-            </a:r>
           </a:p>
         </p:txBody>
       </p:sp>
     </p:spTree>
     <p:extLst>
       <p:ext uri="{BB962C8B-B14F-4D97-AF65-F5344CB8AC3E}">
-        <p14:creationId xmlns:p14="http://schemas.microsoft.com/office/powerpoint/2010/main" val="3940342555"/>
+        <p14:creationId xmlns:p14="http://schemas.microsoft.com/office/powerpoint/2010/main" val="4045032903"/>
       </p:ext>
     </p:extLst>
   </p:cSld>

--- a/Lectures/Lecture7-Features.pptx
+++ b/Lectures/Lecture7-Features.pptx
@@ -279,7 +279,7 @@
       <p15:sldGuideLst xmlns:p15="http://schemas.microsoft.com/office/powerpoint/2012/main"/>
     </p:ext>
     <p:ext uri="http://customooxmlschemas.google.com/">
-      <go:slidesCustomData xmlns:go="http://customooxmlschemas.google.com/" xmlns:p15="http://schemas.microsoft.com/office/powerpoint/2012/main" xmlns:p14="http://schemas.microsoft.com/office/powerpoint/2010/main" xmlns:com="http://schemas.openxmlformats.org/drawingml/2006/compatibility" xmlns:pvml="urn:schemas-microsoft-com:office:powerpoint" xmlns:v="urn:schemas-microsoft-com:vml" xmlns:o="urn:schemas-microsoft-com:office:office" xmlns:dgm="http://schemas.openxmlformats.org/drawingml/2006/diagram" xmlns:c="http://schemas.openxmlformats.org/drawingml/2006/chart" xmlns:mv="urn:schemas-microsoft-com:mac:vml" xmlns:mc="http://schemas.openxmlformats.org/markup-compatibility/2006" xmlns="" r:id="rId40" roundtripDataSignature="AMtx7mjFyVUGRZWio+dc9dxzYsimUxNJbg=="/>
+      <go:slidesCustomData xmlns="" xmlns:mc="http://schemas.openxmlformats.org/markup-compatibility/2006" xmlns:mv="urn:schemas-microsoft-com:mac:vml" xmlns:c="http://schemas.openxmlformats.org/drawingml/2006/chart" xmlns:dgm="http://schemas.openxmlformats.org/drawingml/2006/diagram" xmlns:o="urn:schemas-microsoft-com:office:office" xmlns:v="urn:schemas-microsoft-com:vml" xmlns:pvml="urn:schemas-microsoft-com:office:powerpoint" xmlns:com="http://schemas.openxmlformats.org/drawingml/2006/compatibility" xmlns:p14="http://schemas.microsoft.com/office/powerpoint/2010/main" xmlns:p15="http://schemas.microsoft.com/office/powerpoint/2012/main" xmlns:go="http://customooxmlschemas.google.com/" r:id="rId40" roundtripDataSignature="AMtx7mjFyVUGRZWio+dc9dxzYsimUxNJbg=="/>
     </p:ext>
   </p:extLst>
 </p:presentation>
@@ -16109,7 +16109,7 @@
             </a:pPr>
             <a:r>
               <a:rPr lang="en-US" sz="3200" dirty="0"/>
-              <a:t>For this example, what would the PR-k curve from a random model look like?</a:t>
+              <a:t>For this example, what would the PR-k curve from a random model look like? What about from a perfect model?</a:t>
             </a:r>
           </a:p>
         </p:txBody>

--- a/Lectures/Lecture7-Features.pptx
+++ b/Lectures/Lecture7-Features.pptx
@@ -279,7 +279,7 @@
       <p15:sldGuideLst xmlns:p15="http://schemas.microsoft.com/office/powerpoint/2012/main"/>
     </p:ext>
     <p:ext uri="http://customooxmlschemas.google.com/">
-      <go:slidesCustomData xmlns="" xmlns:mc="http://schemas.openxmlformats.org/markup-compatibility/2006" xmlns:mv="urn:schemas-microsoft-com:mac:vml" xmlns:c="http://schemas.openxmlformats.org/drawingml/2006/chart" xmlns:dgm="http://schemas.openxmlformats.org/drawingml/2006/diagram" xmlns:o="urn:schemas-microsoft-com:office:office" xmlns:v="urn:schemas-microsoft-com:vml" xmlns:pvml="urn:schemas-microsoft-com:office:powerpoint" xmlns:com="http://schemas.openxmlformats.org/drawingml/2006/compatibility" xmlns:p14="http://schemas.microsoft.com/office/powerpoint/2010/main" xmlns:p15="http://schemas.microsoft.com/office/powerpoint/2012/main" xmlns:go="http://customooxmlschemas.google.com/" r:id="rId40" roundtripDataSignature="AMtx7mjFyVUGRZWio+dc9dxzYsimUxNJbg=="/>
+      <go:slidesCustomData xmlns:go="http://customooxmlschemas.google.com/" xmlns:p15="http://schemas.microsoft.com/office/powerpoint/2012/main" xmlns:p14="http://schemas.microsoft.com/office/powerpoint/2010/main" xmlns:com="http://schemas.openxmlformats.org/drawingml/2006/compatibility" xmlns:pvml="urn:schemas-microsoft-com:office:powerpoint" xmlns:v="urn:schemas-microsoft-com:vml" xmlns:o="urn:schemas-microsoft-com:office:office" xmlns:dgm="http://schemas.openxmlformats.org/drawingml/2006/diagram" xmlns:c="http://schemas.openxmlformats.org/drawingml/2006/chart" xmlns:mv="urn:schemas-microsoft-com:mac:vml" xmlns:mc="http://schemas.openxmlformats.org/markup-compatibility/2006" xmlns="" r:id="rId40" roundtripDataSignature="AMtx7mjFyVUGRZWio+dc9dxzYsimUxNJbg=="/>
     </p:ext>
   </p:extLst>
 </p:presentation>
@@ -10182,14 +10182,14 @@
               <a:buNone/>
             </a:pPr>
             <a:r>
-              <a:rPr lang="en-US" sz="2800">
+              <a:rPr lang="en-US" sz="2800" dirty="0">
                 <a:solidFill>
                   <a:srgbClr val="595959"/>
                 </a:solidFill>
               </a:rPr>
-              <a:t>Rayid Ghani and Kit Rodolfa</a:t>
-            </a:r>
-            <a:endParaRPr sz="2800">
+              <a:t>Rayid Ghani</a:t>
+            </a:r>
+            <a:endParaRPr sz="2800" dirty="0">
               <a:solidFill>
                 <a:srgbClr val="595959"/>
               </a:solidFill>

--- a/Lectures/Lecture7-Features.pptx
+++ b/Lectures/Lecture7-Features.pptx
@@ -279,7 +279,7 @@
       <p15:sldGuideLst xmlns:p15="http://schemas.microsoft.com/office/powerpoint/2012/main"/>
     </p:ext>
     <p:ext uri="http://customooxmlschemas.google.com/">
-      <go:slidesCustomData xmlns:go="http://customooxmlschemas.google.com/" xmlns:p15="http://schemas.microsoft.com/office/powerpoint/2012/main" xmlns:p14="http://schemas.microsoft.com/office/powerpoint/2010/main" xmlns:com="http://schemas.openxmlformats.org/drawingml/2006/compatibility" xmlns:pvml="urn:schemas-microsoft-com:office:powerpoint" xmlns:v="urn:schemas-microsoft-com:vml" xmlns:o="urn:schemas-microsoft-com:office:office" xmlns:dgm="http://schemas.openxmlformats.org/drawingml/2006/diagram" xmlns:c="http://schemas.openxmlformats.org/drawingml/2006/chart" xmlns:mv="urn:schemas-microsoft-com:mac:vml" xmlns:mc="http://schemas.openxmlformats.org/markup-compatibility/2006" xmlns="" r:id="rId40" roundtripDataSignature="AMtx7mjFyVUGRZWio+dc9dxzYsimUxNJbg=="/>
+      <go:slidesCustomData xmlns="" xmlns:mc="http://schemas.openxmlformats.org/markup-compatibility/2006" xmlns:mv="urn:schemas-microsoft-com:mac:vml" xmlns:c="http://schemas.openxmlformats.org/drawingml/2006/chart" xmlns:dgm="http://schemas.openxmlformats.org/drawingml/2006/diagram" xmlns:o="urn:schemas-microsoft-com:office:office" xmlns:v="urn:schemas-microsoft-com:vml" xmlns:pvml="urn:schemas-microsoft-com:office:powerpoint" xmlns:com="http://schemas.openxmlformats.org/drawingml/2006/compatibility" xmlns:p14="http://schemas.microsoft.com/office/powerpoint/2010/main" xmlns:p15="http://schemas.microsoft.com/office/powerpoint/2012/main" xmlns:go="http://customooxmlschemas.google.com/" r:id="rId40" roundtripDataSignature="AMtx7mjFyVUGRZWio+dc9dxzYsimUxNJbg=="/>
     </p:ext>
   </p:extLst>
 </p:presentation>
@@ -10733,7 +10733,7 @@
             </a:pPr>
             <a:r>
               <a:rPr lang="en-US" sz="3600" dirty="0"/>
-              <a:t>In the class project, what are two ways bias might </a:t>
+              <a:t>In the class project, what are ways bias might </a:t>
             </a:r>
           </a:p>
           <a:p>
@@ -12355,7 +12355,7 @@
           <a:p>
             <a:r>
               <a:rPr lang="en-US" dirty="0"/>
-              <a:t>Monday: Project Update 3</a:t>
+              <a:t>Monday: Project Update 3: Focus on feature generation</a:t>
             </a:r>
             <a:br>
               <a:rPr lang="en-US" dirty="0"/>
@@ -12371,12 +12371,6 @@
               <a:rPr lang="en-US" dirty="0"/>
             </a:br>
             <a:endParaRPr lang="en-US" dirty="0"/>
-          </a:p>
-          <a:p>
-            <a:r>
-              <a:rPr lang="en-US" dirty="0"/>
-              <a:t>Note: all readings for next week are optional</a:t>
-            </a:r>
           </a:p>
         </p:txBody>
       </p:sp>
@@ -13885,7 +13879,7 @@
           <a:p>
             <a:r>
               <a:rPr lang="en-US" dirty="0"/>
-              <a:t>Notes from update 2</a:t>
+              <a:t>Recap from Metrics and Update Assignment 2</a:t>
             </a:r>
           </a:p>
         </p:txBody>
@@ -13911,48 +13905,10 @@
           <a:bodyPr/>
           <a:lstStyle/>
           <a:p>
-            <a:r>
-              <a:rPr lang="en-US" dirty="0"/>
-              <a:t>F1 as a metric: What is F1 trying to do generally? How much does that make sense here?</a:t>
-            </a:r>
-            <a:br>
-              <a:rPr lang="en-US" dirty="0"/>
-            </a:br>
+            <a:pPr marL="76200" indent="0">
+              <a:buNone/>
+            </a:pPr>
             <a:endParaRPr lang="en-US" dirty="0"/>
-          </a:p>
-          <a:p>
-            <a:r>
-              <a:rPr lang="en-US" dirty="0"/>
-              <a:t>Validation examples starting right after training examples</a:t>
-            </a:r>
-          </a:p>
-          <a:p>
-            <a:endParaRPr lang="en-US" dirty="0"/>
-          </a:p>
-          <a:p>
-            <a:r>
-              <a:rPr lang="en-US" dirty="0"/>
-              <a:t>Long validation windows</a:t>
-            </a:r>
-            <a:br>
-              <a:rPr lang="en-US" dirty="0"/>
-            </a:br>
-            <a:endParaRPr lang="en-US" dirty="0"/>
-          </a:p>
-          <a:p>
-            <a:r>
-              <a:rPr lang="en-US" dirty="0"/>
-              <a:t>Long time between splits (e.g., one/year)</a:t>
-            </a:r>
-          </a:p>
-          <a:p>
-            <a:endParaRPr lang="en-US" dirty="0"/>
-          </a:p>
-          <a:p>
-            <a:r>
-              <a:rPr lang="en-US" dirty="0"/>
-              <a:t>Is 1 fully funded or is 0? Does it matter?</a:t>
-            </a:r>
           </a:p>
         </p:txBody>
       </p:sp>
@@ -13987,10 +13943,15 @@
                             </p:stCondLst>
                             <p:childTnLst>
                               <p:par>
-                                <p:cTn id="5" presetID="1" presetClass="entr" presetSubtype="0" fill="hold" grpId="0" nodeType="clickEffect">
+                                <p:cTn id="5" presetID="1" presetClass="entr" presetSubtype="0" fill="hold" grpId="0" nodeType="clickEffect" nodePh="1">
                                   <p:stCondLst>
                                     <p:cond delay="0"/>
                                   </p:stCondLst>
+                                  <p:endCondLst>
+                                    <p:cond evt="begin" delay="0">
+                                      <p:tn val="5"/>
+                                    </p:cond>
+                                  </p:endCondLst>
                                   <p:childTnLst>
                                     <p:set>
                                       <p:cBhvr>
@@ -14003,202 +13964,6 @@
                                           <p:spTgt spid="3">
                                             <p:txEl>
                                               <p:pRg st="0" end="0"/>
-                                            </p:txEl>
-                                          </p:spTgt>
-                                        </p:tgtEl>
-                                        <p:attrNameLst>
-                                          <p:attrName>style.visibility</p:attrName>
-                                        </p:attrNameLst>
-                                      </p:cBhvr>
-                                      <p:to>
-                                        <p:strVal val="visible"/>
-                                      </p:to>
-                                    </p:set>
-                                  </p:childTnLst>
-                                </p:cTn>
-                              </p:par>
-                            </p:childTnLst>
-                          </p:cTn>
-                        </p:par>
-                      </p:childTnLst>
-                    </p:cTn>
-                  </p:par>
-                  <p:par>
-                    <p:cTn id="7" fill="hold">
-                      <p:stCondLst>
-                        <p:cond delay="indefinite"/>
-                      </p:stCondLst>
-                      <p:childTnLst>
-                        <p:par>
-                          <p:cTn id="8" fill="hold">
-                            <p:stCondLst>
-                              <p:cond delay="0"/>
-                            </p:stCondLst>
-                            <p:childTnLst>
-                              <p:par>
-                                <p:cTn id="9" presetID="1" presetClass="entr" presetSubtype="0" fill="hold" grpId="0" nodeType="clickEffect">
-                                  <p:stCondLst>
-                                    <p:cond delay="0"/>
-                                  </p:stCondLst>
-                                  <p:childTnLst>
-                                    <p:set>
-                                      <p:cBhvr>
-                                        <p:cTn id="10" dur="1" fill="hold">
-                                          <p:stCondLst>
-                                            <p:cond delay="0"/>
-                                          </p:stCondLst>
-                                        </p:cTn>
-                                        <p:tgtEl>
-                                          <p:spTgt spid="3">
-                                            <p:txEl>
-                                              <p:pRg st="1" end="1"/>
-                                            </p:txEl>
-                                          </p:spTgt>
-                                        </p:tgtEl>
-                                        <p:attrNameLst>
-                                          <p:attrName>style.visibility</p:attrName>
-                                        </p:attrNameLst>
-                                      </p:cBhvr>
-                                      <p:to>
-                                        <p:strVal val="visible"/>
-                                      </p:to>
-                                    </p:set>
-                                  </p:childTnLst>
-                                </p:cTn>
-                              </p:par>
-                            </p:childTnLst>
-                          </p:cTn>
-                        </p:par>
-                      </p:childTnLst>
-                    </p:cTn>
-                  </p:par>
-                  <p:par>
-                    <p:cTn id="11" fill="hold">
-                      <p:stCondLst>
-                        <p:cond delay="indefinite"/>
-                      </p:stCondLst>
-                      <p:childTnLst>
-                        <p:par>
-                          <p:cTn id="12" fill="hold">
-                            <p:stCondLst>
-                              <p:cond delay="0"/>
-                            </p:stCondLst>
-                            <p:childTnLst>
-                              <p:par>
-                                <p:cTn id="13" presetID="1" presetClass="entr" presetSubtype="0" fill="hold" grpId="0" nodeType="clickEffect">
-                                  <p:stCondLst>
-                                    <p:cond delay="0"/>
-                                  </p:stCondLst>
-                                  <p:childTnLst>
-                                    <p:set>
-                                      <p:cBhvr>
-                                        <p:cTn id="14" dur="1" fill="hold">
-                                          <p:stCondLst>
-                                            <p:cond delay="0"/>
-                                          </p:stCondLst>
-                                        </p:cTn>
-                                        <p:tgtEl>
-                                          <p:spTgt spid="3">
-                                            <p:txEl>
-                                              <p:pRg st="3" end="3"/>
-                                            </p:txEl>
-                                          </p:spTgt>
-                                        </p:tgtEl>
-                                        <p:attrNameLst>
-                                          <p:attrName>style.visibility</p:attrName>
-                                        </p:attrNameLst>
-                                      </p:cBhvr>
-                                      <p:to>
-                                        <p:strVal val="visible"/>
-                                      </p:to>
-                                    </p:set>
-                                  </p:childTnLst>
-                                </p:cTn>
-                              </p:par>
-                            </p:childTnLst>
-                          </p:cTn>
-                        </p:par>
-                      </p:childTnLst>
-                    </p:cTn>
-                  </p:par>
-                  <p:par>
-                    <p:cTn id="15" fill="hold">
-                      <p:stCondLst>
-                        <p:cond delay="indefinite"/>
-                      </p:stCondLst>
-                      <p:childTnLst>
-                        <p:par>
-                          <p:cTn id="16" fill="hold">
-                            <p:stCondLst>
-                              <p:cond delay="0"/>
-                            </p:stCondLst>
-                            <p:childTnLst>
-                              <p:par>
-                                <p:cTn id="17" presetID="1" presetClass="entr" presetSubtype="0" fill="hold" grpId="0" nodeType="clickEffect">
-                                  <p:stCondLst>
-                                    <p:cond delay="0"/>
-                                  </p:stCondLst>
-                                  <p:childTnLst>
-                                    <p:set>
-                                      <p:cBhvr>
-                                        <p:cTn id="18" dur="1" fill="hold">
-                                          <p:stCondLst>
-                                            <p:cond delay="0"/>
-                                          </p:stCondLst>
-                                        </p:cTn>
-                                        <p:tgtEl>
-                                          <p:spTgt spid="3">
-                                            <p:txEl>
-                                              <p:pRg st="4" end="4"/>
-                                            </p:txEl>
-                                          </p:spTgt>
-                                        </p:tgtEl>
-                                        <p:attrNameLst>
-                                          <p:attrName>style.visibility</p:attrName>
-                                        </p:attrNameLst>
-                                      </p:cBhvr>
-                                      <p:to>
-                                        <p:strVal val="visible"/>
-                                      </p:to>
-                                    </p:set>
-                                  </p:childTnLst>
-                                </p:cTn>
-                              </p:par>
-                            </p:childTnLst>
-                          </p:cTn>
-                        </p:par>
-                      </p:childTnLst>
-                    </p:cTn>
-                  </p:par>
-                  <p:par>
-                    <p:cTn id="19" fill="hold">
-                      <p:stCondLst>
-                        <p:cond delay="indefinite"/>
-                      </p:stCondLst>
-                      <p:childTnLst>
-                        <p:par>
-                          <p:cTn id="20" fill="hold">
-                            <p:stCondLst>
-                              <p:cond delay="0"/>
-                            </p:stCondLst>
-                            <p:childTnLst>
-                              <p:par>
-                                <p:cTn id="21" presetID="1" presetClass="entr" presetSubtype="0" fill="hold" grpId="0" nodeType="clickEffect">
-                                  <p:stCondLst>
-                                    <p:cond delay="0"/>
-                                  </p:stCondLst>
-                                  <p:childTnLst>
-                                    <p:set>
-                                      <p:cBhvr>
-                                        <p:cTn id="22" dur="1" fill="hold">
-                                          <p:stCondLst>
-                                            <p:cond delay="0"/>
-                                          </p:stCondLst>
-                                        </p:cTn>
-                                        <p:tgtEl>
-                                          <p:spTgt spid="3">
-                                            <p:txEl>
-                                              <p:pRg st="6" end="6"/>
                                             </p:txEl>
                                           </p:spTgt>
                                         </p:tgtEl>
@@ -14890,7 +14655,11 @@
           <a:p>
             <a:r>
               <a:rPr lang="en-US" dirty="0"/>
-              <a:t>Monday: Project Update 3</a:t>
+              <a:t>Monday: Project Update 3: Focus on </a:t>
+            </a:r>
+            <a:r>
+              <a:rPr lang="en-US"/>
+              <a:t>feature generation</a:t>
             </a:r>
             <a:br>
               <a:rPr lang="en-US" dirty="0"/>
@@ -14906,12 +14675,6 @@
               <a:rPr lang="en-US" dirty="0"/>
             </a:br>
             <a:endParaRPr lang="en-US" dirty="0"/>
-          </a:p>
-          <a:p>
-            <a:r>
-              <a:rPr lang="en-US" dirty="0"/>
-              <a:t>Note: all readings for next week are optional</a:t>
-            </a:r>
           </a:p>
         </p:txBody>
       </p:sp>
@@ -15992,10 +15755,10 @@
       </p:sp>
       <p:pic>
         <p:nvPicPr>
-          <p:cNvPr id="21" name="Picture 20">
+          <p:cNvPr id="5" name="Picture 4">
             <a:extLst>
               <a:ext uri="{FF2B5EF4-FFF2-40B4-BE49-F238E27FC236}">
-                <a16:creationId xmlns:a16="http://schemas.microsoft.com/office/drawing/2014/main" id="{35B91F9F-4905-F344-BA9F-6510E3AAFD7F}"/>
+                <a16:creationId xmlns:a16="http://schemas.microsoft.com/office/drawing/2014/main" id="{2361AD32-D689-6108-2A34-7E79136546A6}"/>
               </a:ext>
             </a:extLst>
           </p:cNvPr>
@@ -16012,8 +15775,8 @@
         </p:blipFill>
         <p:spPr>
           <a:xfrm>
-            <a:off x="571785" y="4191000"/>
-            <a:ext cx="2603500" cy="2667000"/>
+            <a:off x="804381" y="4303717"/>
+            <a:ext cx="2278383" cy="2338871"/>
           </a:xfrm>
           <a:prstGeom prst="rect">
             <a:avLst/>
